--- a/Présentation_R_Projet.pptx
+++ b/Présentation_R_Projet.pptx
@@ -2,7 +2,7 @@
 <file path=ppt/presentation.xml><?xml version="1.0" encoding="utf-8"?>
 <p:presentation xmlns:a="http://schemas.openxmlformats.org/drawingml/2006/main" xmlns:r="http://schemas.openxmlformats.org/officeDocument/2006/relationships" xmlns:p="http://schemas.openxmlformats.org/presentationml/2006/main" saveSubsetFonts="1">
   <p:sldMasterIdLst>
-    <p:sldMasterId id="2147483648" r:id="rId1"/>
+    <p:sldMasterId id="2147483678" r:id="rId1"/>
   </p:sldMasterIdLst>
   <p:sldIdLst>
     <p:sldId id="256" r:id="rId2"/>
@@ -14,9 +14,9 @@
   <p:notesSz cx="6858000" cy="9144000"/>
   <p:defaultTextStyle>
     <a:defPPr>
-      <a:defRPr lang="fr-FR"/>
+      <a:defRPr lang="en-US"/>
     </a:defPPr>
-    <a:lvl1pPr marL="0" algn="l" defTabSz="914400" rtl="0" eaLnBrk="1" latinLnBrk="0" hangingPunct="1">
+    <a:lvl1pPr marL="0" algn="l" defTabSz="457200" rtl="0" eaLnBrk="1" latinLnBrk="0" hangingPunct="1">
       <a:defRPr sz="1800" kern="1200">
         <a:solidFill>
           <a:schemeClr val="tx1"/>
@@ -26,7 +26,7 @@
         <a:cs typeface="+mn-cs"/>
       </a:defRPr>
     </a:lvl1pPr>
-    <a:lvl2pPr marL="457200" algn="l" defTabSz="914400" rtl="0" eaLnBrk="1" latinLnBrk="0" hangingPunct="1">
+    <a:lvl2pPr marL="457200" algn="l" defTabSz="457200" rtl="0" eaLnBrk="1" latinLnBrk="0" hangingPunct="1">
       <a:defRPr sz="1800" kern="1200">
         <a:solidFill>
           <a:schemeClr val="tx1"/>
@@ -36,7 +36,7 @@
         <a:cs typeface="+mn-cs"/>
       </a:defRPr>
     </a:lvl2pPr>
-    <a:lvl3pPr marL="914400" algn="l" defTabSz="914400" rtl="0" eaLnBrk="1" latinLnBrk="0" hangingPunct="1">
+    <a:lvl3pPr marL="914400" algn="l" defTabSz="457200" rtl="0" eaLnBrk="1" latinLnBrk="0" hangingPunct="1">
       <a:defRPr sz="1800" kern="1200">
         <a:solidFill>
           <a:schemeClr val="tx1"/>
@@ -46,7 +46,7 @@
         <a:cs typeface="+mn-cs"/>
       </a:defRPr>
     </a:lvl3pPr>
-    <a:lvl4pPr marL="1371600" algn="l" defTabSz="914400" rtl="0" eaLnBrk="1" latinLnBrk="0" hangingPunct="1">
+    <a:lvl4pPr marL="1371600" algn="l" defTabSz="457200" rtl="0" eaLnBrk="1" latinLnBrk="0" hangingPunct="1">
       <a:defRPr sz="1800" kern="1200">
         <a:solidFill>
           <a:schemeClr val="tx1"/>
@@ -56,7 +56,7 @@
         <a:cs typeface="+mn-cs"/>
       </a:defRPr>
     </a:lvl4pPr>
-    <a:lvl5pPr marL="1828800" algn="l" defTabSz="914400" rtl="0" eaLnBrk="1" latinLnBrk="0" hangingPunct="1">
+    <a:lvl5pPr marL="1828800" algn="l" defTabSz="457200" rtl="0" eaLnBrk="1" latinLnBrk="0" hangingPunct="1">
       <a:defRPr sz="1800" kern="1200">
         <a:solidFill>
           <a:schemeClr val="tx1"/>
@@ -66,7 +66,7 @@
         <a:cs typeface="+mn-cs"/>
       </a:defRPr>
     </a:lvl5pPr>
-    <a:lvl6pPr marL="2286000" algn="l" defTabSz="914400" rtl="0" eaLnBrk="1" latinLnBrk="0" hangingPunct="1">
+    <a:lvl6pPr marL="2286000" algn="l" defTabSz="457200" rtl="0" eaLnBrk="1" latinLnBrk="0" hangingPunct="1">
       <a:defRPr sz="1800" kern="1200">
         <a:solidFill>
           <a:schemeClr val="tx1"/>
@@ -76,7 +76,7 @@
         <a:cs typeface="+mn-cs"/>
       </a:defRPr>
     </a:lvl6pPr>
-    <a:lvl7pPr marL="2743200" algn="l" defTabSz="914400" rtl="0" eaLnBrk="1" latinLnBrk="0" hangingPunct="1">
+    <a:lvl7pPr marL="2743200" algn="l" defTabSz="457200" rtl="0" eaLnBrk="1" latinLnBrk="0" hangingPunct="1">
       <a:defRPr sz="1800" kern="1200">
         <a:solidFill>
           <a:schemeClr val="tx1"/>
@@ -86,7 +86,7 @@
         <a:cs typeface="+mn-cs"/>
       </a:defRPr>
     </a:lvl7pPr>
-    <a:lvl8pPr marL="3200400" algn="l" defTabSz="914400" rtl="0" eaLnBrk="1" latinLnBrk="0" hangingPunct="1">
+    <a:lvl8pPr marL="3200400" algn="l" defTabSz="457200" rtl="0" eaLnBrk="1" latinLnBrk="0" hangingPunct="1">
       <a:defRPr sz="1800" kern="1200">
         <a:solidFill>
           <a:schemeClr val="tx1"/>
@@ -96,7 +96,7 @@
         <a:cs typeface="+mn-cs"/>
       </a:defRPr>
     </a:lvl8pPr>
-    <a:lvl9pPr marL="3657600" algn="l" defTabSz="914400" rtl="0" eaLnBrk="1" latinLnBrk="0" hangingPunct="1">
+    <a:lvl9pPr marL="3657600" algn="l" defTabSz="457200" rtl="0" eaLnBrk="1" latinLnBrk="0" hangingPunct="1">
       <a:defRPr sz="1800" kern="1200">
         <a:solidFill>
           <a:schemeClr val="tx1"/>
@@ -134,13 +134,7 @@
       </p:grpSpPr>
       <p:sp>
         <p:nvSpPr>
-          <p:cNvPr id="2" name="Titre 1">
-            <a:extLst>
-              <a:ext uri="{FF2B5EF4-FFF2-40B4-BE49-F238E27FC236}">
-                <a16:creationId xmlns:a16="http://schemas.microsoft.com/office/drawing/2014/main" id="{DEC25078-61B0-C95A-4329-4F9FBEEA4A1E}"/>
-              </a:ext>
-            </a:extLst>
-          </p:cNvPr>
+          <p:cNvPr id="2" name="Title 1"/>
           <p:cNvSpPr>
             <a:spLocks noGrp="1"/>
           </p:cNvSpPr>
@@ -150,15 +144,15 @@
         </p:nvSpPr>
         <p:spPr>
           <a:xfrm>
-            <a:off x="1524000" y="1122363"/>
-            <a:ext cx="9144000" cy="2387600"/>
+            <a:off x="1154955" y="1447800"/>
+            <a:ext cx="8825658" cy="3329581"/>
           </a:xfrm>
         </p:spPr>
         <p:txBody>
           <a:bodyPr anchor="b"/>
           <a:lstStyle>
-            <a:lvl1pPr algn="ctr">
-              <a:defRPr sz="6000"/>
+            <a:lvl1pPr>
+              <a:defRPr sz="7200"/>
             </a:lvl1pPr>
           </a:lstStyle>
           <a:p>
@@ -166,18 +160,13 @@
               <a:rPr lang="fr-FR"/>
               <a:t>Modifiez le style du titre</a:t>
             </a:r>
-          </a:p>
-        </p:txBody>
-      </p:sp>
-      <p:sp>
-        <p:nvSpPr>
-          <p:cNvPr id="3" name="Sous-titre 2">
-            <a:extLst>
-              <a:ext uri="{FF2B5EF4-FFF2-40B4-BE49-F238E27FC236}">
-                <a16:creationId xmlns:a16="http://schemas.microsoft.com/office/drawing/2014/main" id="{750F0715-5433-9AC6-F79B-2E09228EE97B}"/>
-              </a:ext>
-            </a:extLst>
-          </p:cNvPr>
+            <a:endParaRPr lang="en-US" dirty="0"/>
+          </a:p>
+        </p:txBody>
+      </p:sp>
+      <p:sp>
+        <p:nvSpPr>
+          <p:cNvPr id="3" name="Subtitle 2"/>
           <p:cNvSpPr>
             <a:spLocks noGrp="1"/>
           </p:cNvSpPr>
@@ -187,48 +176,100 @@
         </p:nvSpPr>
         <p:spPr>
           <a:xfrm>
-            <a:off x="1524000" y="3602038"/>
-            <a:ext cx="9144000" cy="1655762"/>
-          </a:xfrm>
-        </p:spPr>
-        <p:txBody>
-          <a:bodyPr/>
+            <a:off x="1154955" y="4777380"/>
+            <a:ext cx="8825658" cy="861420"/>
+          </a:xfrm>
+        </p:spPr>
+        <p:txBody>
+          <a:bodyPr anchor="t"/>
           <a:lstStyle>
-            <a:lvl1pPr marL="0" indent="0" algn="ctr">
-              <a:buNone/>
-              <a:defRPr sz="2400"/>
+            <a:lvl1pPr marL="0" indent="0" algn="l">
+              <a:buNone/>
+              <a:defRPr cap="all">
+                <a:solidFill>
+                  <a:schemeClr val="accent1"/>
+                </a:solidFill>
+              </a:defRPr>
             </a:lvl1pPr>
             <a:lvl2pPr marL="457200" indent="0" algn="ctr">
               <a:buNone/>
-              <a:defRPr sz="2000"/>
+              <a:defRPr>
+                <a:solidFill>
+                  <a:schemeClr val="tx1">
+                    <a:tint val="75000"/>
+                  </a:schemeClr>
+                </a:solidFill>
+              </a:defRPr>
             </a:lvl2pPr>
             <a:lvl3pPr marL="914400" indent="0" algn="ctr">
               <a:buNone/>
-              <a:defRPr sz="1800"/>
+              <a:defRPr>
+                <a:solidFill>
+                  <a:schemeClr val="tx1">
+                    <a:tint val="75000"/>
+                  </a:schemeClr>
+                </a:solidFill>
+              </a:defRPr>
             </a:lvl3pPr>
             <a:lvl4pPr marL="1371600" indent="0" algn="ctr">
               <a:buNone/>
-              <a:defRPr sz="1600"/>
+              <a:defRPr>
+                <a:solidFill>
+                  <a:schemeClr val="tx1">
+                    <a:tint val="75000"/>
+                  </a:schemeClr>
+                </a:solidFill>
+              </a:defRPr>
             </a:lvl4pPr>
             <a:lvl5pPr marL="1828800" indent="0" algn="ctr">
               <a:buNone/>
-              <a:defRPr sz="1600"/>
+              <a:defRPr>
+                <a:solidFill>
+                  <a:schemeClr val="tx1">
+                    <a:tint val="75000"/>
+                  </a:schemeClr>
+                </a:solidFill>
+              </a:defRPr>
             </a:lvl5pPr>
             <a:lvl6pPr marL="2286000" indent="0" algn="ctr">
               <a:buNone/>
-              <a:defRPr sz="1600"/>
+              <a:defRPr>
+                <a:solidFill>
+                  <a:schemeClr val="tx1">
+                    <a:tint val="75000"/>
+                  </a:schemeClr>
+                </a:solidFill>
+              </a:defRPr>
             </a:lvl6pPr>
             <a:lvl7pPr marL="2743200" indent="0" algn="ctr">
               <a:buNone/>
-              <a:defRPr sz="1600"/>
+              <a:defRPr>
+                <a:solidFill>
+                  <a:schemeClr val="tx1">
+                    <a:tint val="75000"/>
+                  </a:schemeClr>
+                </a:solidFill>
+              </a:defRPr>
             </a:lvl7pPr>
             <a:lvl8pPr marL="3200400" indent="0" algn="ctr">
               <a:buNone/>
-              <a:defRPr sz="1600"/>
+              <a:defRPr>
+                <a:solidFill>
+                  <a:schemeClr val="tx1">
+                    <a:tint val="75000"/>
+                  </a:schemeClr>
+                </a:solidFill>
+              </a:defRPr>
             </a:lvl8pPr>
             <a:lvl9pPr marL="3657600" indent="0" algn="ctr">
               <a:buNone/>
-              <a:defRPr sz="1600"/>
+              <a:defRPr>
+                <a:solidFill>
+                  <a:schemeClr val="tx1">
+                    <a:tint val="75000"/>
+                  </a:schemeClr>
+                </a:solidFill>
+              </a:defRPr>
             </a:lvl9pPr>
           </a:lstStyle>
           <a:p>
@@ -236,18 +277,13 @@
               <a:rPr lang="fr-FR"/>
               <a:t>Modifiez le style des sous-titres du masque</a:t>
             </a:r>
-          </a:p>
-        </p:txBody>
-      </p:sp>
-      <p:sp>
-        <p:nvSpPr>
-          <p:cNvPr id="4" name="Espace réservé de la date 3">
-            <a:extLst>
-              <a:ext uri="{FF2B5EF4-FFF2-40B4-BE49-F238E27FC236}">
-                <a16:creationId xmlns:a16="http://schemas.microsoft.com/office/drawing/2014/main" id="{2CFEF17A-AA28-107E-8DAF-C66BBD215211}"/>
-              </a:ext>
-            </a:extLst>
-          </p:cNvPr>
+            <a:endParaRPr lang="en-US" dirty="0"/>
+          </a:p>
+        </p:txBody>
+      </p:sp>
+      <p:sp>
+        <p:nvSpPr>
+          <p:cNvPr id="4" name="Date Placeholder 3"/>
           <p:cNvSpPr>
             <a:spLocks noGrp="1"/>
           </p:cNvSpPr>
@@ -270,13 +306,7 @@
       </p:sp>
       <p:sp>
         <p:nvSpPr>
-          <p:cNvPr id="5" name="Espace réservé du pied de page 4">
-            <a:extLst>
-              <a:ext uri="{FF2B5EF4-FFF2-40B4-BE49-F238E27FC236}">
-                <a16:creationId xmlns:a16="http://schemas.microsoft.com/office/drawing/2014/main" id="{BFA53260-D574-1A6C-EA5F-8AD4F51E5209}"/>
-              </a:ext>
-            </a:extLst>
-          </p:cNvPr>
+          <p:cNvPr id="5" name="Footer Placeholder 4"/>
           <p:cNvSpPr>
             <a:spLocks noGrp="1"/>
           </p:cNvSpPr>
@@ -295,13 +325,7 @@
       </p:sp>
       <p:sp>
         <p:nvSpPr>
-          <p:cNvPr id="6" name="Espace réservé du numéro de diapositive 5">
-            <a:extLst>
-              <a:ext uri="{FF2B5EF4-FFF2-40B4-BE49-F238E27FC236}">
-                <a16:creationId xmlns:a16="http://schemas.microsoft.com/office/drawing/2014/main" id="{17C09ECE-1515-1442-2FD7-F6BF9B795ED6}"/>
-              </a:ext>
-            </a:extLst>
-          </p:cNvPr>
+          <p:cNvPr id="6" name="Slide Number Placeholder 5"/>
           <p:cNvSpPr>
             <a:spLocks noGrp="1"/>
           </p:cNvSpPr>
@@ -325,7 +349,7 @@
     </p:spTree>
     <p:extLst>
       <p:ext uri="{BB962C8B-B14F-4D97-AF65-F5344CB8AC3E}">
-        <p14:creationId xmlns:p14="http://schemas.microsoft.com/office/powerpoint/2010/main" val="3141830234"/>
+        <p14:creationId xmlns:p14="http://schemas.microsoft.com/office/powerpoint/2010/main" val="2916907287"/>
       </p:ext>
     </p:extLst>
   </p:cSld>
@@ -336,6 +360,2532 @@
 </file>
 
 <file path=ppt/slideLayouts/slideLayout10.xml><?xml version="1.0" encoding="utf-8"?>
+<p:sldLayout xmlns:a="http://schemas.openxmlformats.org/drawingml/2006/main" xmlns:r="http://schemas.openxmlformats.org/officeDocument/2006/relationships" xmlns:p="http://schemas.openxmlformats.org/presentationml/2006/main" preserve="1">
+  <p:cSld name="Image panoramique avec légende">
+    <p:spTree>
+      <p:nvGrpSpPr>
+        <p:cNvPr id="1" name=""/>
+        <p:cNvGrpSpPr/>
+        <p:nvPr/>
+      </p:nvGrpSpPr>
+      <p:grpSpPr>
+        <a:xfrm>
+          <a:off x="0" y="0"/>
+          <a:ext cx="0" cy="0"/>
+          <a:chOff x="0" y="0"/>
+          <a:chExt cx="0" cy="0"/>
+        </a:xfrm>
+      </p:grpSpPr>
+      <p:sp>
+        <p:nvSpPr>
+          <p:cNvPr id="2" name="Title 1"/>
+          <p:cNvSpPr>
+            <a:spLocks noGrp="1"/>
+          </p:cNvSpPr>
+          <p:nvPr>
+            <p:ph type="title"/>
+          </p:nvPr>
+        </p:nvSpPr>
+        <p:spPr>
+          <a:xfrm>
+            <a:off x="1154956" y="4800587"/>
+            <a:ext cx="8825657" cy="566738"/>
+          </a:xfrm>
+        </p:spPr>
+        <p:txBody>
+          <a:bodyPr anchor="b">
+            <a:normAutofit/>
+          </a:bodyPr>
+          <a:lstStyle>
+            <a:lvl1pPr algn="l">
+              <a:defRPr sz="2400" b="0"/>
+            </a:lvl1pPr>
+          </a:lstStyle>
+          <a:p>
+            <a:r>
+              <a:rPr lang="fr-FR"/>
+              <a:t>Modifiez le style du titre</a:t>
+            </a:r>
+            <a:endParaRPr lang="en-US" dirty="0"/>
+          </a:p>
+        </p:txBody>
+      </p:sp>
+      <p:sp>
+        <p:nvSpPr>
+          <p:cNvPr id="3" name="Picture Placeholder 2"/>
+          <p:cNvSpPr>
+            <a:spLocks noGrp="1" noChangeAspect="1"/>
+          </p:cNvSpPr>
+          <p:nvPr>
+            <p:ph type="pic" idx="1"/>
+          </p:nvPr>
+        </p:nvSpPr>
+        <p:spPr>
+          <a:xfrm>
+            <a:off x="1154955" y="685800"/>
+            <a:ext cx="8825658" cy="3640666"/>
+          </a:xfrm>
+          <a:prstGeom prst="roundRect">
+            <a:avLst>
+              <a:gd name="adj" fmla="val 1858"/>
+            </a:avLst>
+          </a:prstGeom>
+          <a:effectLst>
+            <a:outerShdw blurRad="50800" dist="50800" dir="5400000" algn="tl" rotWithShape="0">
+              <a:srgbClr val="000000">
+                <a:alpha val="43000"/>
+              </a:srgbClr>
+            </a:outerShdw>
+          </a:effectLst>
+        </p:spPr>
+        <p:txBody>
+          <a:bodyPr anchor="t">
+            <a:normAutofit/>
+          </a:bodyPr>
+          <a:lstStyle>
+            <a:lvl1pPr marL="0" indent="0" algn="ctr">
+              <a:buNone/>
+              <a:defRPr sz="1600"/>
+            </a:lvl1pPr>
+            <a:lvl2pPr marL="457200" indent="0">
+              <a:buNone/>
+              <a:defRPr sz="1600"/>
+            </a:lvl2pPr>
+            <a:lvl3pPr marL="914400" indent="0">
+              <a:buNone/>
+              <a:defRPr sz="1600"/>
+            </a:lvl3pPr>
+            <a:lvl4pPr marL="1371600" indent="0">
+              <a:buNone/>
+              <a:defRPr sz="1600"/>
+            </a:lvl4pPr>
+            <a:lvl5pPr marL="1828800" indent="0">
+              <a:buNone/>
+              <a:defRPr sz="1600"/>
+            </a:lvl5pPr>
+            <a:lvl6pPr marL="2286000" indent="0">
+              <a:buNone/>
+              <a:defRPr sz="1600"/>
+            </a:lvl6pPr>
+            <a:lvl7pPr marL="2743200" indent="0">
+              <a:buNone/>
+              <a:defRPr sz="1600"/>
+            </a:lvl7pPr>
+            <a:lvl8pPr marL="3200400" indent="0">
+              <a:buNone/>
+              <a:defRPr sz="1600"/>
+            </a:lvl8pPr>
+            <a:lvl9pPr marL="3657600" indent="0">
+              <a:buNone/>
+              <a:defRPr sz="1600"/>
+            </a:lvl9pPr>
+          </a:lstStyle>
+          <a:p>
+            <a:r>
+              <a:rPr lang="fr-FR"/>
+              <a:t>Cliquez sur l'icône pour ajouter une image</a:t>
+            </a:r>
+            <a:endParaRPr lang="en-US" dirty="0"/>
+          </a:p>
+        </p:txBody>
+      </p:sp>
+      <p:sp>
+        <p:nvSpPr>
+          <p:cNvPr id="4" name="Text Placeholder 3"/>
+          <p:cNvSpPr>
+            <a:spLocks noGrp="1"/>
+          </p:cNvSpPr>
+          <p:nvPr>
+            <p:ph type="body" sz="half" idx="2"/>
+          </p:nvPr>
+        </p:nvSpPr>
+        <p:spPr>
+          <a:xfrm>
+            <a:off x="1154956" y="5367325"/>
+            <a:ext cx="8825656" cy="493712"/>
+          </a:xfrm>
+        </p:spPr>
+        <p:txBody>
+          <a:bodyPr>
+            <a:normAutofit/>
+          </a:bodyPr>
+          <a:lstStyle>
+            <a:lvl1pPr marL="0" indent="0">
+              <a:buNone/>
+              <a:defRPr sz="1200"/>
+            </a:lvl1pPr>
+            <a:lvl2pPr marL="457200" indent="0">
+              <a:buNone/>
+              <a:defRPr sz="1200"/>
+            </a:lvl2pPr>
+            <a:lvl3pPr marL="914400" indent="0">
+              <a:buNone/>
+              <a:defRPr sz="1000"/>
+            </a:lvl3pPr>
+            <a:lvl4pPr marL="1371600" indent="0">
+              <a:buNone/>
+              <a:defRPr sz="900"/>
+            </a:lvl4pPr>
+            <a:lvl5pPr marL="1828800" indent="0">
+              <a:buNone/>
+              <a:defRPr sz="900"/>
+            </a:lvl5pPr>
+            <a:lvl6pPr marL="2286000" indent="0">
+              <a:buNone/>
+              <a:defRPr sz="900"/>
+            </a:lvl6pPr>
+            <a:lvl7pPr marL="2743200" indent="0">
+              <a:buNone/>
+              <a:defRPr sz="900"/>
+            </a:lvl7pPr>
+            <a:lvl8pPr marL="3200400" indent="0">
+              <a:buNone/>
+              <a:defRPr sz="900"/>
+            </a:lvl8pPr>
+            <a:lvl9pPr marL="3657600" indent="0">
+              <a:buNone/>
+              <a:defRPr sz="900"/>
+            </a:lvl9pPr>
+          </a:lstStyle>
+          <a:p>
+            <a:pPr lvl="0"/>
+            <a:r>
+              <a:rPr lang="fr-FR"/>
+              <a:t>Cliquez pour modifier les styles du texte du masque</a:t>
+            </a:r>
+          </a:p>
+        </p:txBody>
+      </p:sp>
+      <p:sp>
+        <p:nvSpPr>
+          <p:cNvPr id="5" name="Date Placeholder 4"/>
+          <p:cNvSpPr>
+            <a:spLocks noGrp="1"/>
+          </p:cNvSpPr>
+          <p:nvPr>
+            <p:ph type="dt" sz="half" idx="10"/>
+          </p:nvPr>
+        </p:nvSpPr>
+        <p:spPr/>
+        <p:txBody>
+          <a:bodyPr/>
+          <a:lstStyle/>
+          <a:p>
+            <a:fld id="{D4C1A002-2540-48EF-9E7D-CE5F1C1BD169}" type="datetimeFigureOut">
+              <a:rPr lang="fr-FR" smtClean="0"/>
+              <a:t>17/11/2022</a:t>
+            </a:fld>
+            <a:endParaRPr lang="fr-FR"/>
+          </a:p>
+        </p:txBody>
+      </p:sp>
+      <p:sp>
+        <p:nvSpPr>
+          <p:cNvPr id="6" name="Footer Placeholder 5"/>
+          <p:cNvSpPr>
+            <a:spLocks noGrp="1"/>
+          </p:cNvSpPr>
+          <p:nvPr>
+            <p:ph type="ftr" sz="quarter" idx="11"/>
+          </p:nvPr>
+        </p:nvSpPr>
+        <p:spPr/>
+        <p:txBody>
+          <a:bodyPr/>
+          <a:lstStyle/>
+          <a:p>
+            <a:endParaRPr lang="fr-FR"/>
+          </a:p>
+        </p:txBody>
+      </p:sp>
+      <p:sp>
+        <p:nvSpPr>
+          <p:cNvPr id="7" name="Slide Number Placeholder 6"/>
+          <p:cNvSpPr>
+            <a:spLocks noGrp="1"/>
+          </p:cNvSpPr>
+          <p:nvPr>
+            <p:ph type="sldNum" sz="quarter" idx="12"/>
+          </p:nvPr>
+        </p:nvSpPr>
+        <p:spPr/>
+        <p:txBody>
+          <a:bodyPr/>
+          <a:lstStyle/>
+          <a:p>
+            <a:fld id="{6213A4C2-1345-4C86-8F63-7EEB59BE9FC3}" type="slidenum">
+              <a:rPr lang="fr-FR" smtClean="0"/>
+              <a:t>‹N°›</a:t>
+            </a:fld>
+            <a:endParaRPr lang="fr-FR"/>
+          </a:p>
+        </p:txBody>
+      </p:sp>
+    </p:spTree>
+    <p:extLst>
+      <p:ext uri="{BB962C8B-B14F-4D97-AF65-F5344CB8AC3E}">
+        <p14:creationId xmlns:p14="http://schemas.microsoft.com/office/powerpoint/2010/main" val="371138496"/>
+      </p:ext>
+    </p:extLst>
+  </p:cSld>
+  <p:clrMapOvr>
+    <a:masterClrMapping/>
+  </p:clrMapOvr>
+</p:sldLayout>
+</file>
+
+<file path=ppt/slideLayouts/slideLayout11.xml><?xml version="1.0" encoding="utf-8"?>
+<p:sldLayout xmlns:a="http://schemas.openxmlformats.org/drawingml/2006/main" xmlns:r="http://schemas.openxmlformats.org/officeDocument/2006/relationships" xmlns:p="http://schemas.openxmlformats.org/presentationml/2006/main" preserve="1">
+  <p:cSld name="Titre et légende">
+    <p:spTree>
+      <p:nvGrpSpPr>
+        <p:cNvPr id="1" name=""/>
+        <p:cNvGrpSpPr/>
+        <p:nvPr/>
+      </p:nvGrpSpPr>
+      <p:grpSpPr>
+        <a:xfrm>
+          <a:off x="0" y="0"/>
+          <a:ext cx="0" cy="0"/>
+          <a:chOff x="0" y="0"/>
+          <a:chExt cx="0" cy="0"/>
+        </a:xfrm>
+      </p:grpSpPr>
+      <p:sp>
+        <p:nvSpPr>
+          <p:cNvPr id="2" name="Title 1"/>
+          <p:cNvSpPr>
+            <a:spLocks noGrp="1"/>
+          </p:cNvSpPr>
+          <p:nvPr>
+            <p:ph type="title"/>
+          </p:nvPr>
+        </p:nvSpPr>
+        <p:spPr>
+          <a:xfrm>
+            <a:off x="1154954" y="1447800"/>
+            <a:ext cx="8825659" cy="1981200"/>
+          </a:xfrm>
+        </p:spPr>
+        <p:txBody>
+          <a:bodyPr/>
+          <a:lstStyle>
+            <a:lvl1pPr>
+              <a:defRPr sz="4800"/>
+            </a:lvl1pPr>
+          </a:lstStyle>
+          <a:p>
+            <a:r>
+              <a:rPr lang="fr-FR"/>
+              <a:t>Modifiez le style du titre</a:t>
+            </a:r>
+            <a:endParaRPr lang="en-US" dirty="0"/>
+          </a:p>
+        </p:txBody>
+      </p:sp>
+      <p:sp>
+        <p:nvSpPr>
+          <p:cNvPr id="8" name="Text Placeholder 3"/>
+          <p:cNvSpPr>
+            <a:spLocks noGrp="1"/>
+          </p:cNvSpPr>
+          <p:nvPr>
+            <p:ph type="body" sz="half" idx="2"/>
+          </p:nvPr>
+        </p:nvSpPr>
+        <p:spPr>
+          <a:xfrm>
+            <a:off x="1154954" y="3657600"/>
+            <a:ext cx="8825659" cy="2362200"/>
+          </a:xfrm>
+        </p:spPr>
+        <p:txBody>
+          <a:bodyPr anchor="ctr">
+            <a:normAutofit/>
+          </a:bodyPr>
+          <a:lstStyle>
+            <a:lvl1pPr marL="0" indent="0">
+              <a:buNone/>
+              <a:defRPr sz="1800"/>
+            </a:lvl1pPr>
+            <a:lvl2pPr marL="457200" indent="0">
+              <a:buNone/>
+              <a:defRPr sz="1200"/>
+            </a:lvl2pPr>
+            <a:lvl3pPr marL="914400" indent="0">
+              <a:buNone/>
+              <a:defRPr sz="1000"/>
+            </a:lvl3pPr>
+            <a:lvl4pPr marL="1371600" indent="0">
+              <a:buNone/>
+              <a:defRPr sz="900"/>
+            </a:lvl4pPr>
+            <a:lvl5pPr marL="1828800" indent="0">
+              <a:buNone/>
+              <a:defRPr sz="900"/>
+            </a:lvl5pPr>
+            <a:lvl6pPr marL="2286000" indent="0">
+              <a:buNone/>
+              <a:defRPr sz="900"/>
+            </a:lvl6pPr>
+            <a:lvl7pPr marL="2743200" indent="0">
+              <a:buNone/>
+              <a:defRPr sz="900"/>
+            </a:lvl7pPr>
+            <a:lvl8pPr marL="3200400" indent="0">
+              <a:buNone/>
+              <a:defRPr sz="900"/>
+            </a:lvl8pPr>
+            <a:lvl9pPr marL="3657600" indent="0">
+              <a:buNone/>
+              <a:defRPr sz="900"/>
+            </a:lvl9pPr>
+          </a:lstStyle>
+          <a:p>
+            <a:pPr lvl="0"/>
+            <a:r>
+              <a:rPr lang="fr-FR"/>
+              <a:t>Cliquez pour modifier les styles du texte du masque</a:t>
+            </a:r>
+          </a:p>
+        </p:txBody>
+      </p:sp>
+      <p:sp>
+        <p:nvSpPr>
+          <p:cNvPr id="4" name="Date Placeholder 3"/>
+          <p:cNvSpPr>
+            <a:spLocks noGrp="1"/>
+          </p:cNvSpPr>
+          <p:nvPr>
+            <p:ph type="dt" sz="half" idx="10"/>
+          </p:nvPr>
+        </p:nvSpPr>
+        <p:spPr/>
+        <p:txBody>
+          <a:bodyPr/>
+          <a:lstStyle/>
+          <a:p>
+            <a:fld id="{D4C1A002-2540-48EF-9E7D-CE5F1C1BD169}" type="datetimeFigureOut">
+              <a:rPr lang="fr-FR" smtClean="0"/>
+              <a:t>17/11/2022</a:t>
+            </a:fld>
+            <a:endParaRPr lang="fr-FR"/>
+          </a:p>
+        </p:txBody>
+      </p:sp>
+      <p:sp>
+        <p:nvSpPr>
+          <p:cNvPr id="5" name="Footer Placeholder 4"/>
+          <p:cNvSpPr>
+            <a:spLocks noGrp="1"/>
+          </p:cNvSpPr>
+          <p:nvPr>
+            <p:ph type="ftr" sz="quarter" idx="11"/>
+          </p:nvPr>
+        </p:nvSpPr>
+        <p:spPr/>
+        <p:txBody>
+          <a:bodyPr/>
+          <a:lstStyle/>
+          <a:p>
+            <a:endParaRPr lang="fr-FR"/>
+          </a:p>
+        </p:txBody>
+      </p:sp>
+      <p:sp>
+        <p:nvSpPr>
+          <p:cNvPr id="6" name="Slide Number Placeholder 5"/>
+          <p:cNvSpPr>
+            <a:spLocks noGrp="1"/>
+          </p:cNvSpPr>
+          <p:nvPr>
+            <p:ph type="sldNum" sz="quarter" idx="12"/>
+          </p:nvPr>
+        </p:nvSpPr>
+        <p:spPr/>
+        <p:txBody>
+          <a:bodyPr/>
+          <a:lstStyle/>
+          <a:p>
+            <a:fld id="{6213A4C2-1345-4C86-8F63-7EEB59BE9FC3}" type="slidenum">
+              <a:rPr lang="fr-FR" smtClean="0"/>
+              <a:t>‹N°›</a:t>
+            </a:fld>
+            <a:endParaRPr lang="fr-FR"/>
+          </a:p>
+        </p:txBody>
+      </p:sp>
+    </p:spTree>
+    <p:extLst>
+      <p:ext uri="{BB962C8B-B14F-4D97-AF65-F5344CB8AC3E}">
+        <p14:creationId xmlns:p14="http://schemas.microsoft.com/office/powerpoint/2010/main" val="3712806117"/>
+      </p:ext>
+    </p:extLst>
+  </p:cSld>
+  <p:clrMapOvr>
+    <a:masterClrMapping/>
+  </p:clrMapOvr>
+</p:sldLayout>
+</file>
+
+<file path=ppt/slideLayouts/slideLayout12.xml><?xml version="1.0" encoding="utf-8"?>
+<p:sldLayout xmlns:a="http://schemas.openxmlformats.org/drawingml/2006/main" xmlns:r="http://schemas.openxmlformats.org/officeDocument/2006/relationships" xmlns:p="http://schemas.openxmlformats.org/presentationml/2006/main" preserve="1">
+  <p:cSld name="Citation avec légende">
+    <p:spTree>
+      <p:nvGrpSpPr>
+        <p:cNvPr id="1" name=""/>
+        <p:cNvGrpSpPr/>
+        <p:nvPr/>
+      </p:nvGrpSpPr>
+      <p:grpSpPr>
+        <a:xfrm>
+          <a:off x="0" y="0"/>
+          <a:ext cx="0" cy="0"/>
+          <a:chOff x="0" y="0"/>
+          <a:chExt cx="0" cy="0"/>
+        </a:xfrm>
+      </p:grpSpPr>
+      <p:sp>
+        <p:nvSpPr>
+          <p:cNvPr id="2" name="Title 1"/>
+          <p:cNvSpPr>
+            <a:spLocks noGrp="1"/>
+          </p:cNvSpPr>
+          <p:nvPr>
+            <p:ph type="title"/>
+          </p:nvPr>
+        </p:nvSpPr>
+        <p:spPr>
+          <a:xfrm>
+            <a:off x="1574801" y="1447800"/>
+            <a:ext cx="7999315" cy="2323374"/>
+          </a:xfrm>
+        </p:spPr>
+        <p:txBody>
+          <a:bodyPr/>
+          <a:lstStyle>
+            <a:lvl1pPr>
+              <a:defRPr sz="4800"/>
+            </a:lvl1pPr>
+          </a:lstStyle>
+          <a:p>
+            <a:r>
+              <a:rPr lang="fr-FR"/>
+              <a:t>Modifiez le style du titre</a:t>
+            </a:r>
+            <a:endParaRPr lang="en-US" dirty="0"/>
+          </a:p>
+        </p:txBody>
+      </p:sp>
+      <p:sp>
+        <p:nvSpPr>
+          <p:cNvPr id="14" name="Text Placeholder 3"/>
+          <p:cNvSpPr>
+            <a:spLocks noGrp="1"/>
+          </p:cNvSpPr>
+          <p:nvPr>
+            <p:ph type="body" sz="half" idx="13"/>
+          </p:nvPr>
+        </p:nvSpPr>
+        <p:spPr>
+          <a:xfrm>
+            <a:off x="1930400" y="3771174"/>
+            <a:ext cx="7279649" cy="342174"/>
+          </a:xfrm>
+        </p:spPr>
+        <p:txBody>
+          <a:bodyPr anchor="t">
+            <a:normAutofit/>
+          </a:bodyPr>
+          <a:lstStyle>
+            <a:lvl1pPr marL="0" indent="0">
+              <a:buNone/>
+              <a:defRPr lang="en-US" sz="1400" b="0" i="0" kern="1200" cap="small" dirty="0">
+                <a:solidFill>
+                  <a:schemeClr val="accent1"/>
+                </a:solidFill>
+                <a:latin typeface="+mj-lt"/>
+                <a:ea typeface="+mj-ea"/>
+                <a:cs typeface="+mj-cs"/>
+              </a:defRPr>
+            </a:lvl1pPr>
+            <a:lvl2pPr marL="457200" indent="0">
+              <a:buNone/>
+              <a:defRPr sz="1200"/>
+            </a:lvl2pPr>
+            <a:lvl3pPr marL="914400" indent="0">
+              <a:buNone/>
+              <a:defRPr sz="1000"/>
+            </a:lvl3pPr>
+            <a:lvl4pPr marL="1371600" indent="0">
+              <a:buNone/>
+              <a:defRPr sz="900"/>
+            </a:lvl4pPr>
+            <a:lvl5pPr marL="1828800" indent="0">
+              <a:buNone/>
+              <a:defRPr sz="900"/>
+            </a:lvl5pPr>
+            <a:lvl6pPr marL="2286000" indent="0">
+              <a:buNone/>
+              <a:defRPr sz="900"/>
+            </a:lvl6pPr>
+            <a:lvl7pPr marL="2743200" indent="0">
+              <a:buNone/>
+              <a:defRPr sz="900"/>
+            </a:lvl7pPr>
+            <a:lvl8pPr marL="3200400" indent="0">
+              <a:buNone/>
+              <a:defRPr sz="900"/>
+            </a:lvl8pPr>
+            <a:lvl9pPr marL="3657600" indent="0">
+              <a:buNone/>
+              <a:defRPr sz="900"/>
+            </a:lvl9pPr>
+          </a:lstStyle>
+          <a:p>
+            <a:pPr lvl="0"/>
+            <a:r>
+              <a:rPr lang="fr-FR"/>
+              <a:t>Cliquez pour modifier les styles du texte du masque</a:t>
+            </a:r>
+          </a:p>
+        </p:txBody>
+      </p:sp>
+      <p:sp>
+        <p:nvSpPr>
+          <p:cNvPr id="10" name="Text Placeholder 3"/>
+          <p:cNvSpPr>
+            <a:spLocks noGrp="1"/>
+          </p:cNvSpPr>
+          <p:nvPr>
+            <p:ph type="body" sz="half" idx="2"/>
+          </p:nvPr>
+        </p:nvSpPr>
+        <p:spPr>
+          <a:xfrm>
+            <a:off x="1154954" y="4350657"/>
+            <a:ext cx="8825659" cy="1676400"/>
+          </a:xfrm>
+        </p:spPr>
+        <p:txBody>
+          <a:bodyPr anchor="ctr">
+            <a:normAutofit/>
+          </a:bodyPr>
+          <a:lstStyle>
+            <a:lvl1pPr marL="0" indent="0">
+              <a:buNone/>
+              <a:defRPr sz="1800"/>
+            </a:lvl1pPr>
+            <a:lvl2pPr marL="457200" indent="0">
+              <a:buNone/>
+              <a:defRPr sz="1200"/>
+            </a:lvl2pPr>
+            <a:lvl3pPr marL="914400" indent="0">
+              <a:buNone/>
+              <a:defRPr sz="1000"/>
+            </a:lvl3pPr>
+            <a:lvl4pPr marL="1371600" indent="0">
+              <a:buNone/>
+              <a:defRPr sz="900"/>
+            </a:lvl4pPr>
+            <a:lvl5pPr marL="1828800" indent="0">
+              <a:buNone/>
+              <a:defRPr sz="900"/>
+            </a:lvl5pPr>
+            <a:lvl6pPr marL="2286000" indent="0">
+              <a:buNone/>
+              <a:defRPr sz="900"/>
+            </a:lvl6pPr>
+            <a:lvl7pPr marL="2743200" indent="0">
+              <a:buNone/>
+              <a:defRPr sz="900"/>
+            </a:lvl7pPr>
+            <a:lvl8pPr marL="3200400" indent="0">
+              <a:buNone/>
+              <a:defRPr sz="900"/>
+            </a:lvl8pPr>
+            <a:lvl9pPr marL="3657600" indent="0">
+              <a:buNone/>
+              <a:defRPr sz="900"/>
+            </a:lvl9pPr>
+          </a:lstStyle>
+          <a:p>
+            <a:pPr lvl="0"/>
+            <a:r>
+              <a:rPr lang="fr-FR"/>
+              <a:t>Cliquez pour modifier les styles du texte du masque</a:t>
+            </a:r>
+          </a:p>
+        </p:txBody>
+      </p:sp>
+      <p:sp>
+        <p:nvSpPr>
+          <p:cNvPr id="4" name="Date Placeholder 3"/>
+          <p:cNvSpPr>
+            <a:spLocks noGrp="1"/>
+          </p:cNvSpPr>
+          <p:nvPr>
+            <p:ph type="dt" sz="half" idx="10"/>
+          </p:nvPr>
+        </p:nvSpPr>
+        <p:spPr/>
+        <p:txBody>
+          <a:bodyPr/>
+          <a:lstStyle/>
+          <a:p>
+            <a:fld id="{D4C1A002-2540-48EF-9E7D-CE5F1C1BD169}" type="datetimeFigureOut">
+              <a:rPr lang="fr-FR" smtClean="0"/>
+              <a:t>17/11/2022</a:t>
+            </a:fld>
+            <a:endParaRPr lang="fr-FR"/>
+          </a:p>
+        </p:txBody>
+      </p:sp>
+      <p:sp>
+        <p:nvSpPr>
+          <p:cNvPr id="5" name="Footer Placeholder 4"/>
+          <p:cNvSpPr>
+            <a:spLocks noGrp="1"/>
+          </p:cNvSpPr>
+          <p:nvPr>
+            <p:ph type="ftr" sz="quarter" idx="11"/>
+          </p:nvPr>
+        </p:nvSpPr>
+        <p:spPr/>
+        <p:txBody>
+          <a:bodyPr/>
+          <a:lstStyle/>
+          <a:p>
+            <a:endParaRPr lang="fr-FR"/>
+          </a:p>
+        </p:txBody>
+      </p:sp>
+      <p:sp>
+        <p:nvSpPr>
+          <p:cNvPr id="6" name="Slide Number Placeholder 5"/>
+          <p:cNvSpPr>
+            <a:spLocks noGrp="1"/>
+          </p:cNvSpPr>
+          <p:nvPr>
+            <p:ph type="sldNum" sz="quarter" idx="12"/>
+          </p:nvPr>
+        </p:nvSpPr>
+        <p:spPr/>
+        <p:txBody>
+          <a:bodyPr/>
+          <a:lstStyle/>
+          <a:p>
+            <a:fld id="{6213A4C2-1345-4C86-8F63-7EEB59BE9FC3}" type="slidenum">
+              <a:rPr lang="fr-FR" smtClean="0"/>
+              <a:t>‹N°›</a:t>
+            </a:fld>
+            <a:endParaRPr lang="fr-FR"/>
+          </a:p>
+        </p:txBody>
+      </p:sp>
+      <p:sp>
+        <p:nvSpPr>
+          <p:cNvPr id="9" name="TextBox 8"/>
+          <p:cNvSpPr txBox="1"/>
+          <p:nvPr/>
+        </p:nvSpPr>
+        <p:spPr>
+          <a:xfrm>
+            <a:off x="898295" y="971253"/>
+            <a:ext cx="801912" cy="1969770"/>
+          </a:xfrm>
+          <a:prstGeom prst="rect">
+            <a:avLst/>
+          </a:prstGeom>
+          <a:noFill/>
+        </p:spPr>
+        <p:txBody>
+          <a:bodyPr wrap="square" rtlCol="0">
+            <a:spAutoFit/>
+          </a:bodyPr>
+          <a:lstStyle>
+            <a:defPPr>
+              <a:defRPr lang="en-US"/>
+            </a:defPPr>
+            <a:lvl1pPr algn="r">
+              <a:defRPr sz="12200" b="0" i="0">
+                <a:solidFill>
+                  <a:schemeClr val="accent1"/>
+                </a:solidFill>
+                <a:latin typeface="Arial"/>
+                <a:ea typeface="+mj-ea"/>
+                <a:cs typeface="+mj-cs"/>
+              </a:defRPr>
+            </a:lvl1pPr>
+          </a:lstStyle>
+          <a:p>
+            <a:pPr lvl="0"/>
+            <a:r>
+              <a:rPr lang="en-US" dirty="0"/>
+              <a:t>“</a:t>
+            </a:r>
+          </a:p>
+        </p:txBody>
+      </p:sp>
+      <p:sp>
+        <p:nvSpPr>
+          <p:cNvPr id="13" name="TextBox 12"/>
+          <p:cNvSpPr txBox="1"/>
+          <p:nvPr/>
+        </p:nvSpPr>
+        <p:spPr>
+          <a:xfrm>
+            <a:off x="9330490" y="2613787"/>
+            <a:ext cx="801912" cy="1969770"/>
+          </a:xfrm>
+          <a:prstGeom prst="rect">
+            <a:avLst/>
+          </a:prstGeom>
+          <a:noFill/>
+        </p:spPr>
+        <p:txBody>
+          <a:bodyPr wrap="square" rtlCol="0">
+            <a:spAutoFit/>
+          </a:bodyPr>
+          <a:lstStyle>
+            <a:defPPr>
+              <a:defRPr lang="en-US"/>
+            </a:defPPr>
+            <a:lvl1pPr algn="r">
+              <a:defRPr sz="12200" b="0" i="0">
+                <a:solidFill>
+                  <a:schemeClr val="accent1"/>
+                </a:solidFill>
+                <a:latin typeface="Arial"/>
+                <a:ea typeface="+mj-ea"/>
+                <a:cs typeface="+mj-cs"/>
+              </a:defRPr>
+            </a:lvl1pPr>
+          </a:lstStyle>
+          <a:p>
+            <a:pPr lvl="0"/>
+            <a:r>
+              <a:rPr lang="en-US" dirty="0"/>
+              <a:t>”</a:t>
+            </a:r>
+          </a:p>
+        </p:txBody>
+      </p:sp>
+    </p:spTree>
+    <p:extLst>
+      <p:ext uri="{BB962C8B-B14F-4D97-AF65-F5344CB8AC3E}">
+        <p14:creationId xmlns:p14="http://schemas.microsoft.com/office/powerpoint/2010/main" val="2870263928"/>
+      </p:ext>
+    </p:extLst>
+  </p:cSld>
+  <p:clrMapOvr>
+    <a:masterClrMapping/>
+  </p:clrMapOvr>
+</p:sldLayout>
+</file>
+
+<file path=ppt/slideLayouts/slideLayout13.xml><?xml version="1.0" encoding="utf-8"?>
+<p:sldLayout xmlns:a="http://schemas.openxmlformats.org/drawingml/2006/main" xmlns:r="http://schemas.openxmlformats.org/officeDocument/2006/relationships" xmlns:p="http://schemas.openxmlformats.org/presentationml/2006/main" preserve="1">
+  <p:cSld name="Carte nom">
+    <p:spTree>
+      <p:nvGrpSpPr>
+        <p:cNvPr id="1" name=""/>
+        <p:cNvGrpSpPr/>
+        <p:nvPr/>
+      </p:nvGrpSpPr>
+      <p:grpSpPr>
+        <a:xfrm>
+          <a:off x="0" y="0"/>
+          <a:ext cx="0" cy="0"/>
+          <a:chOff x="0" y="0"/>
+          <a:chExt cx="0" cy="0"/>
+        </a:xfrm>
+      </p:grpSpPr>
+      <p:sp>
+        <p:nvSpPr>
+          <p:cNvPr id="2" name="Title 1"/>
+          <p:cNvSpPr>
+            <a:spLocks noGrp="1"/>
+          </p:cNvSpPr>
+          <p:nvPr>
+            <p:ph type="title"/>
+          </p:nvPr>
+        </p:nvSpPr>
+        <p:spPr>
+          <a:xfrm>
+            <a:off x="1154954" y="3124201"/>
+            <a:ext cx="8825660" cy="1653180"/>
+          </a:xfrm>
+        </p:spPr>
+        <p:txBody>
+          <a:bodyPr anchor="b"/>
+          <a:lstStyle>
+            <a:lvl1pPr algn="l">
+              <a:defRPr sz="4000" b="0" cap="none"/>
+            </a:lvl1pPr>
+          </a:lstStyle>
+          <a:p>
+            <a:r>
+              <a:rPr lang="fr-FR"/>
+              <a:t>Modifiez le style du titre</a:t>
+            </a:r>
+            <a:endParaRPr lang="en-US" dirty="0"/>
+          </a:p>
+        </p:txBody>
+      </p:sp>
+      <p:sp>
+        <p:nvSpPr>
+          <p:cNvPr id="3" name="Text Placeholder 2"/>
+          <p:cNvSpPr>
+            <a:spLocks noGrp="1"/>
+          </p:cNvSpPr>
+          <p:nvPr>
+            <p:ph type="body" idx="1"/>
+          </p:nvPr>
+        </p:nvSpPr>
+        <p:spPr>
+          <a:xfrm>
+            <a:off x="1154954" y="4777381"/>
+            <a:ext cx="8825659" cy="860400"/>
+          </a:xfrm>
+        </p:spPr>
+        <p:txBody>
+          <a:bodyPr anchor="t"/>
+          <a:lstStyle>
+            <a:lvl1pPr marL="0" indent="0" algn="l">
+              <a:buNone/>
+              <a:defRPr sz="2000" cap="none">
+                <a:solidFill>
+                  <a:schemeClr val="accent1"/>
+                </a:solidFill>
+              </a:defRPr>
+            </a:lvl1pPr>
+            <a:lvl2pPr marL="457200" indent="0">
+              <a:buNone/>
+              <a:defRPr sz="1800">
+                <a:solidFill>
+                  <a:schemeClr val="tx1">
+                    <a:tint val="75000"/>
+                  </a:schemeClr>
+                </a:solidFill>
+              </a:defRPr>
+            </a:lvl2pPr>
+            <a:lvl3pPr marL="914400" indent="0">
+              <a:buNone/>
+              <a:defRPr sz="1600">
+                <a:solidFill>
+                  <a:schemeClr val="tx1">
+                    <a:tint val="75000"/>
+                  </a:schemeClr>
+                </a:solidFill>
+              </a:defRPr>
+            </a:lvl3pPr>
+            <a:lvl4pPr marL="1371600" indent="0">
+              <a:buNone/>
+              <a:defRPr sz="1400">
+                <a:solidFill>
+                  <a:schemeClr val="tx1">
+                    <a:tint val="75000"/>
+                  </a:schemeClr>
+                </a:solidFill>
+              </a:defRPr>
+            </a:lvl4pPr>
+            <a:lvl5pPr marL="1828800" indent="0">
+              <a:buNone/>
+              <a:defRPr sz="1400">
+                <a:solidFill>
+                  <a:schemeClr val="tx1">
+                    <a:tint val="75000"/>
+                  </a:schemeClr>
+                </a:solidFill>
+              </a:defRPr>
+            </a:lvl5pPr>
+            <a:lvl6pPr marL="2286000" indent="0">
+              <a:buNone/>
+              <a:defRPr sz="1400">
+                <a:solidFill>
+                  <a:schemeClr val="tx1">
+                    <a:tint val="75000"/>
+                  </a:schemeClr>
+                </a:solidFill>
+              </a:defRPr>
+            </a:lvl6pPr>
+            <a:lvl7pPr marL="2743200" indent="0">
+              <a:buNone/>
+              <a:defRPr sz="1400">
+                <a:solidFill>
+                  <a:schemeClr val="tx1">
+                    <a:tint val="75000"/>
+                  </a:schemeClr>
+                </a:solidFill>
+              </a:defRPr>
+            </a:lvl7pPr>
+            <a:lvl8pPr marL="3200400" indent="0">
+              <a:buNone/>
+              <a:defRPr sz="1400">
+                <a:solidFill>
+                  <a:schemeClr val="tx1">
+                    <a:tint val="75000"/>
+                  </a:schemeClr>
+                </a:solidFill>
+              </a:defRPr>
+            </a:lvl8pPr>
+            <a:lvl9pPr marL="3657600" indent="0">
+              <a:buNone/>
+              <a:defRPr sz="1400">
+                <a:solidFill>
+                  <a:schemeClr val="tx1">
+                    <a:tint val="75000"/>
+                  </a:schemeClr>
+                </a:solidFill>
+              </a:defRPr>
+            </a:lvl9pPr>
+          </a:lstStyle>
+          <a:p>
+            <a:pPr lvl="0"/>
+            <a:r>
+              <a:rPr lang="fr-FR"/>
+              <a:t>Cliquez pour modifier les styles du texte du masque</a:t>
+            </a:r>
+          </a:p>
+        </p:txBody>
+      </p:sp>
+      <p:sp>
+        <p:nvSpPr>
+          <p:cNvPr id="4" name="Date Placeholder 3"/>
+          <p:cNvSpPr>
+            <a:spLocks noGrp="1"/>
+          </p:cNvSpPr>
+          <p:nvPr>
+            <p:ph type="dt" sz="half" idx="10"/>
+          </p:nvPr>
+        </p:nvSpPr>
+        <p:spPr/>
+        <p:txBody>
+          <a:bodyPr/>
+          <a:lstStyle/>
+          <a:p>
+            <a:fld id="{D4C1A002-2540-48EF-9E7D-CE5F1C1BD169}" type="datetimeFigureOut">
+              <a:rPr lang="fr-FR" smtClean="0"/>
+              <a:t>17/11/2022</a:t>
+            </a:fld>
+            <a:endParaRPr lang="fr-FR"/>
+          </a:p>
+        </p:txBody>
+      </p:sp>
+      <p:sp>
+        <p:nvSpPr>
+          <p:cNvPr id="5" name="Footer Placeholder 4"/>
+          <p:cNvSpPr>
+            <a:spLocks noGrp="1"/>
+          </p:cNvSpPr>
+          <p:nvPr>
+            <p:ph type="ftr" sz="quarter" idx="11"/>
+          </p:nvPr>
+        </p:nvSpPr>
+        <p:spPr/>
+        <p:txBody>
+          <a:bodyPr/>
+          <a:lstStyle/>
+          <a:p>
+            <a:endParaRPr lang="fr-FR"/>
+          </a:p>
+        </p:txBody>
+      </p:sp>
+      <p:sp>
+        <p:nvSpPr>
+          <p:cNvPr id="6" name="Slide Number Placeholder 5"/>
+          <p:cNvSpPr>
+            <a:spLocks noGrp="1"/>
+          </p:cNvSpPr>
+          <p:nvPr>
+            <p:ph type="sldNum" sz="quarter" idx="12"/>
+          </p:nvPr>
+        </p:nvSpPr>
+        <p:spPr/>
+        <p:txBody>
+          <a:bodyPr/>
+          <a:lstStyle/>
+          <a:p>
+            <a:fld id="{6213A4C2-1345-4C86-8F63-7EEB59BE9FC3}" type="slidenum">
+              <a:rPr lang="fr-FR" smtClean="0"/>
+              <a:t>‹N°›</a:t>
+            </a:fld>
+            <a:endParaRPr lang="fr-FR"/>
+          </a:p>
+        </p:txBody>
+      </p:sp>
+    </p:spTree>
+    <p:extLst>
+      <p:ext uri="{BB962C8B-B14F-4D97-AF65-F5344CB8AC3E}">
+        <p14:creationId xmlns:p14="http://schemas.microsoft.com/office/powerpoint/2010/main" val="3544587204"/>
+      </p:ext>
+    </p:extLst>
+  </p:cSld>
+  <p:clrMapOvr>
+    <a:masterClrMapping/>
+  </p:clrMapOvr>
+</p:sldLayout>
+</file>
+
+<file path=ppt/slideLayouts/slideLayout14.xml><?xml version="1.0" encoding="utf-8"?>
+<p:sldLayout xmlns:a="http://schemas.openxmlformats.org/drawingml/2006/main" xmlns:r="http://schemas.openxmlformats.org/officeDocument/2006/relationships" xmlns:p="http://schemas.openxmlformats.org/presentationml/2006/main" preserve="1">
+  <p:cSld name="3 colonnes">
+    <p:spTree>
+      <p:nvGrpSpPr>
+        <p:cNvPr id="1" name=""/>
+        <p:cNvGrpSpPr/>
+        <p:nvPr/>
+      </p:nvGrpSpPr>
+      <p:grpSpPr>
+        <a:xfrm>
+          <a:off x="0" y="0"/>
+          <a:ext cx="0" cy="0"/>
+          <a:chOff x="0" y="0"/>
+          <a:chExt cx="0" cy="0"/>
+        </a:xfrm>
+      </p:grpSpPr>
+      <p:sp>
+        <p:nvSpPr>
+          <p:cNvPr id="2" name="Title 1"/>
+          <p:cNvSpPr>
+            <a:spLocks noGrp="1"/>
+          </p:cNvSpPr>
+          <p:nvPr>
+            <p:ph type="title"/>
+          </p:nvPr>
+        </p:nvSpPr>
+        <p:spPr/>
+        <p:txBody>
+          <a:bodyPr/>
+          <a:lstStyle>
+            <a:lvl1pPr>
+              <a:defRPr sz="4200"/>
+            </a:lvl1pPr>
+          </a:lstStyle>
+          <a:p>
+            <a:r>
+              <a:rPr lang="fr-FR"/>
+              <a:t>Modifiez le style du titre</a:t>
+            </a:r>
+            <a:endParaRPr lang="en-US" dirty="0"/>
+          </a:p>
+        </p:txBody>
+      </p:sp>
+      <p:sp>
+        <p:nvSpPr>
+          <p:cNvPr id="3" name="Text Placeholder 2"/>
+          <p:cNvSpPr>
+            <a:spLocks noGrp="1"/>
+          </p:cNvSpPr>
+          <p:nvPr>
+            <p:ph type="body" idx="1"/>
+          </p:nvPr>
+        </p:nvSpPr>
+        <p:spPr>
+          <a:xfrm>
+            <a:off x="632947" y="1981200"/>
+            <a:ext cx="2946866" cy="576262"/>
+          </a:xfrm>
+        </p:spPr>
+        <p:txBody>
+          <a:bodyPr anchor="b">
+            <a:noAutofit/>
+          </a:bodyPr>
+          <a:lstStyle>
+            <a:lvl1pPr marL="0" indent="0">
+              <a:buNone/>
+              <a:defRPr sz="2400" b="0">
+                <a:solidFill>
+                  <a:schemeClr val="accent1"/>
+                </a:solidFill>
+              </a:defRPr>
+            </a:lvl1pPr>
+            <a:lvl2pPr marL="457200" indent="0">
+              <a:buNone/>
+              <a:defRPr sz="2000" b="1"/>
+            </a:lvl2pPr>
+            <a:lvl3pPr marL="914400" indent="0">
+              <a:buNone/>
+              <a:defRPr sz="1800" b="1"/>
+            </a:lvl3pPr>
+            <a:lvl4pPr marL="1371600" indent="0">
+              <a:buNone/>
+              <a:defRPr sz="1600" b="1"/>
+            </a:lvl4pPr>
+            <a:lvl5pPr marL="1828800" indent="0">
+              <a:buNone/>
+              <a:defRPr sz="1600" b="1"/>
+            </a:lvl5pPr>
+            <a:lvl6pPr marL="2286000" indent="0">
+              <a:buNone/>
+              <a:defRPr sz="1600" b="1"/>
+            </a:lvl6pPr>
+            <a:lvl7pPr marL="2743200" indent="0">
+              <a:buNone/>
+              <a:defRPr sz="1600" b="1"/>
+            </a:lvl7pPr>
+            <a:lvl8pPr marL="3200400" indent="0">
+              <a:buNone/>
+              <a:defRPr sz="1600" b="1"/>
+            </a:lvl8pPr>
+            <a:lvl9pPr marL="3657600" indent="0">
+              <a:buNone/>
+              <a:defRPr sz="1600" b="1"/>
+            </a:lvl9pPr>
+          </a:lstStyle>
+          <a:p>
+            <a:pPr lvl="0"/>
+            <a:r>
+              <a:rPr lang="fr-FR"/>
+              <a:t>Cliquez pour modifier les styles du texte du masque</a:t>
+            </a:r>
+          </a:p>
+        </p:txBody>
+      </p:sp>
+      <p:sp>
+        <p:nvSpPr>
+          <p:cNvPr id="16" name="Text Placeholder 3"/>
+          <p:cNvSpPr>
+            <a:spLocks noGrp="1"/>
+          </p:cNvSpPr>
+          <p:nvPr>
+            <p:ph type="body" sz="half" idx="15"/>
+          </p:nvPr>
+        </p:nvSpPr>
+        <p:spPr>
+          <a:xfrm>
+            <a:off x="652463" y="2667000"/>
+            <a:ext cx="2927350" cy="3589338"/>
+          </a:xfrm>
+        </p:spPr>
+        <p:txBody>
+          <a:bodyPr anchor="t">
+            <a:normAutofit/>
+          </a:bodyPr>
+          <a:lstStyle>
+            <a:lvl1pPr marL="0" indent="0">
+              <a:buNone/>
+              <a:defRPr sz="1400"/>
+            </a:lvl1pPr>
+            <a:lvl2pPr marL="457200" indent="0">
+              <a:buNone/>
+              <a:defRPr sz="1200"/>
+            </a:lvl2pPr>
+            <a:lvl3pPr marL="914400" indent="0">
+              <a:buNone/>
+              <a:defRPr sz="1000"/>
+            </a:lvl3pPr>
+            <a:lvl4pPr marL="1371600" indent="0">
+              <a:buNone/>
+              <a:defRPr sz="900"/>
+            </a:lvl4pPr>
+            <a:lvl5pPr marL="1828800" indent="0">
+              <a:buNone/>
+              <a:defRPr sz="900"/>
+            </a:lvl5pPr>
+            <a:lvl6pPr marL="2286000" indent="0">
+              <a:buNone/>
+              <a:defRPr sz="900"/>
+            </a:lvl6pPr>
+            <a:lvl7pPr marL="2743200" indent="0">
+              <a:buNone/>
+              <a:defRPr sz="900"/>
+            </a:lvl7pPr>
+            <a:lvl8pPr marL="3200400" indent="0">
+              <a:buNone/>
+              <a:defRPr sz="900"/>
+            </a:lvl8pPr>
+            <a:lvl9pPr marL="3657600" indent="0">
+              <a:buNone/>
+              <a:defRPr sz="900"/>
+            </a:lvl9pPr>
+          </a:lstStyle>
+          <a:p>
+            <a:pPr lvl="0"/>
+            <a:r>
+              <a:rPr lang="fr-FR"/>
+              <a:t>Cliquez pour modifier les styles du texte du masque</a:t>
+            </a:r>
+          </a:p>
+        </p:txBody>
+      </p:sp>
+      <p:sp>
+        <p:nvSpPr>
+          <p:cNvPr id="5" name="Text Placeholder 4"/>
+          <p:cNvSpPr>
+            <a:spLocks noGrp="1"/>
+          </p:cNvSpPr>
+          <p:nvPr>
+            <p:ph type="body" sz="quarter" idx="3"/>
+          </p:nvPr>
+        </p:nvSpPr>
+        <p:spPr>
+          <a:xfrm>
+            <a:off x="3883659" y="1981200"/>
+            <a:ext cx="2936241" cy="576262"/>
+          </a:xfrm>
+        </p:spPr>
+        <p:txBody>
+          <a:bodyPr anchor="b">
+            <a:noAutofit/>
+          </a:bodyPr>
+          <a:lstStyle>
+            <a:lvl1pPr marL="0" indent="0">
+              <a:buNone/>
+              <a:defRPr sz="2400" b="0">
+                <a:solidFill>
+                  <a:schemeClr val="accent1"/>
+                </a:solidFill>
+              </a:defRPr>
+            </a:lvl1pPr>
+            <a:lvl2pPr marL="457200" indent="0">
+              <a:buNone/>
+              <a:defRPr sz="2000" b="1"/>
+            </a:lvl2pPr>
+            <a:lvl3pPr marL="914400" indent="0">
+              <a:buNone/>
+              <a:defRPr sz="1800" b="1"/>
+            </a:lvl3pPr>
+            <a:lvl4pPr marL="1371600" indent="0">
+              <a:buNone/>
+              <a:defRPr sz="1600" b="1"/>
+            </a:lvl4pPr>
+            <a:lvl5pPr marL="1828800" indent="0">
+              <a:buNone/>
+              <a:defRPr sz="1600" b="1"/>
+            </a:lvl5pPr>
+            <a:lvl6pPr marL="2286000" indent="0">
+              <a:buNone/>
+              <a:defRPr sz="1600" b="1"/>
+            </a:lvl6pPr>
+            <a:lvl7pPr marL="2743200" indent="0">
+              <a:buNone/>
+              <a:defRPr sz="1600" b="1"/>
+            </a:lvl7pPr>
+            <a:lvl8pPr marL="3200400" indent="0">
+              <a:buNone/>
+              <a:defRPr sz="1600" b="1"/>
+            </a:lvl8pPr>
+            <a:lvl9pPr marL="3657600" indent="0">
+              <a:buNone/>
+              <a:defRPr sz="1600" b="1"/>
+            </a:lvl9pPr>
+          </a:lstStyle>
+          <a:p>
+            <a:pPr lvl="0"/>
+            <a:r>
+              <a:rPr lang="fr-FR"/>
+              <a:t>Cliquez pour modifier les styles du texte du masque</a:t>
+            </a:r>
+          </a:p>
+        </p:txBody>
+      </p:sp>
+      <p:sp>
+        <p:nvSpPr>
+          <p:cNvPr id="19" name="Text Placeholder 3"/>
+          <p:cNvSpPr>
+            <a:spLocks noGrp="1"/>
+          </p:cNvSpPr>
+          <p:nvPr>
+            <p:ph type="body" sz="half" idx="16"/>
+          </p:nvPr>
+        </p:nvSpPr>
+        <p:spPr>
+          <a:xfrm>
+            <a:off x="3873106" y="2667000"/>
+            <a:ext cx="2946794" cy="3589338"/>
+          </a:xfrm>
+        </p:spPr>
+        <p:txBody>
+          <a:bodyPr anchor="t">
+            <a:normAutofit/>
+          </a:bodyPr>
+          <a:lstStyle>
+            <a:lvl1pPr marL="0" indent="0">
+              <a:buNone/>
+              <a:defRPr sz="1400"/>
+            </a:lvl1pPr>
+            <a:lvl2pPr marL="457200" indent="0">
+              <a:buNone/>
+              <a:defRPr sz="1200"/>
+            </a:lvl2pPr>
+            <a:lvl3pPr marL="914400" indent="0">
+              <a:buNone/>
+              <a:defRPr sz="1000"/>
+            </a:lvl3pPr>
+            <a:lvl4pPr marL="1371600" indent="0">
+              <a:buNone/>
+              <a:defRPr sz="900"/>
+            </a:lvl4pPr>
+            <a:lvl5pPr marL="1828800" indent="0">
+              <a:buNone/>
+              <a:defRPr sz="900"/>
+            </a:lvl5pPr>
+            <a:lvl6pPr marL="2286000" indent="0">
+              <a:buNone/>
+              <a:defRPr sz="900"/>
+            </a:lvl6pPr>
+            <a:lvl7pPr marL="2743200" indent="0">
+              <a:buNone/>
+              <a:defRPr sz="900"/>
+            </a:lvl7pPr>
+            <a:lvl8pPr marL="3200400" indent="0">
+              <a:buNone/>
+              <a:defRPr sz="900"/>
+            </a:lvl8pPr>
+            <a:lvl9pPr marL="3657600" indent="0">
+              <a:buNone/>
+              <a:defRPr sz="900"/>
+            </a:lvl9pPr>
+          </a:lstStyle>
+          <a:p>
+            <a:pPr lvl="0"/>
+            <a:r>
+              <a:rPr lang="fr-FR"/>
+              <a:t>Cliquez pour modifier les styles du texte du masque</a:t>
+            </a:r>
+          </a:p>
+        </p:txBody>
+      </p:sp>
+      <p:sp>
+        <p:nvSpPr>
+          <p:cNvPr id="14" name="Text Placeholder 4"/>
+          <p:cNvSpPr>
+            <a:spLocks noGrp="1"/>
+          </p:cNvSpPr>
+          <p:nvPr>
+            <p:ph type="body" sz="quarter" idx="13"/>
+          </p:nvPr>
+        </p:nvSpPr>
+        <p:spPr>
+          <a:xfrm>
+            <a:off x="7124700" y="1981200"/>
+            <a:ext cx="2932113" cy="576262"/>
+          </a:xfrm>
+        </p:spPr>
+        <p:txBody>
+          <a:bodyPr anchor="b">
+            <a:noAutofit/>
+          </a:bodyPr>
+          <a:lstStyle>
+            <a:lvl1pPr marL="0" indent="0">
+              <a:buNone/>
+              <a:defRPr sz="2400" b="0">
+                <a:solidFill>
+                  <a:schemeClr val="accent1"/>
+                </a:solidFill>
+              </a:defRPr>
+            </a:lvl1pPr>
+            <a:lvl2pPr marL="457200" indent="0">
+              <a:buNone/>
+              <a:defRPr sz="2000" b="1"/>
+            </a:lvl2pPr>
+            <a:lvl3pPr marL="914400" indent="0">
+              <a:buNone/>
+              <a:defRPr sz="1800" b="1"/>
+            </a:lvl3pPr>
+            <a:lvl4pPr marL="1371600" indent="0">
+              <a:buNone/>
+              <a:defRPr sz="1600" b="1"/>
+            </a:lvl4pPr>
+            <a:lvl5pPr marL="1828800" indent="0">
+              <a:buNone/>
+              <a:defRPr sz="1600" b="1"/>
+            </a:lvl5pPr>
+            <a:lvl6pPr marL="2286000" indent="0">
+              <a:buNone/>
+              <a:defRPr sz="1600" b="1"/>
+            </a:lvl6pPr>
+            <a:lvl7pPr marL="2743200" indent="0">
+              <a:buNone/>
+              <a:defRPr sz="1600" b="1"/>
+            </a:lvl7pPr>
+            <a:lvl8pPr marL="3200400" indent="0">
+              <a:buNone/>
+              <a:defRPr sz="1600" b="1"/>
+            </a:lvl8pPr>
+            <a:lvl9pPr marL="3657600" indent="0">
+              <a:buNone/>
+              <a:defRPr sz="1600" b="1"/>
+            </a:lvl9pPr>
+          </a:lstStyle>
+          <a:p>
+            <a:pPr lvl="0"/>
+            <a:r>
+              <a:rPr lang="fr-FR"/>
+              <a:t>Cliquez pour modifier les styles du texte du masque</a:t>
+            </a:r>
+          </a:p>
+        </p:txBody>
+      </p:sp>
+      <p:sp>
+        <p:nvSpPr>
+          <p:cNvPr id="20" name="Text Placeholder 3"/>
+          <p:cNvSpPr>
+            <a:spLocks noGrp="1"/>
+          </p:cNvSpPr>
+          <p:nvPr>
+            <p:ph type="body" sz="half" idx="17"/>
+          </p:nvPr>
+        </p:nvSpPr>
+        <p:spPr>
+          <a:xfrm>
+            <a:off x="7124700" y="2667000"/>
+            <a:ext cx="2932113" cy="3589338"/>
+          </a:xfrm>
+        </p:spPr>
+        <p:txBody>
+          <a:bodyPr anchor="t">
+            <a:normAutofit/>
+          </a:bodyPr>
+          <a:lstStyle>
+            <a:lvl1pPr marL="0" indent="0">
+              <a:buNone/>
+              <a:defRPr sz="1400"/>
+            </a:lvl1pPr>
+            <a:lvl2pPr marL="457200" indent="0">
+              <a:buNone/>
+              <a:defRPr sz="1200"/>
+            </a:lvl2pPr>
+            <a:lvl3pPr marL="914400" indent="0">
+              <a:buNone/>
+              <a:defRPr sz="1000"/>
+            </a:lvl3pPr>
+            <a:lvl4pPr marL="1371600" indent="0">
+              <a:buNone/>
+              <a:defRPr sz="900"/>
+            </a:lvl4pPr>
+            <a:lvl5pPr marL="1828800" indent="0">
+              <a:buNone/>
+              <a:defRPr sz="900"/>
+            </a:lvl5pPr>
+            <a:lvl6pPr marL="2286000" indent="0">
+              <a:buNone/>
+              <a:defRPr sz="900"/>
+            </a:lvl6pPr>
+            <a:lvl7pPr marL="2743200" indent="0">
+              <a:buNone/>
+              <a:defRPr sz="900"/>
+            </a:lvl7pPr>
+            <a:lvl8pPr marL="3200400" indent="0">
+              <a:buNone/>
+              <a:defRPr sz="900"/>
+            </a:lvl8pPr>
+            <a:lvl9pPr marL="3657600" indent="0">
+              <a:buNone/>
+              <a:defRPr sz="900"/>
+            </a:lvl9pPr>
+          </a:lstStyle>
+          <a:p>
+            <a:pPr lvl="0"/>
+            <a:r>
+              <a:rPr lang="fr-FR"/>
+              <a:t>Cliquez pour modifier les styles du texte du masque</a:t>
+            </a:r>
+          </a:p>
+        </p:txBody>
+      </p:sp>
+      <p:cxnSp>
+        <p:nvCxnSpPr>
+          <p:cNvPr id="17" name="Straight Connector 16"/>
+          <p:cNvCxnSpPr/>
+          <p:nvPr/>
+        </p:nvCxnSpPr>
+        <p:spPr>
+          <a:xfrm>
+            <a:off x="3726142" y="2133600"/>
+            <a:ext cx="0" cy="3962400"/>
+          </a:xfrm>
+          <a:prstGeom prst="line">
+            <a:avLst/>
+          </a:prstGeom>
+          <a:ln w="12700" cmpd="sng">
+            <a:solidFill>
+              <a:schemeClr val="accent1">
+                <a:alpha val="40000"/>
+              </a:schemeClr>
+            </a:solidFill>
+          </a:ln>
+        </p:spPr>
+        <p:style>
+          <a:lnRef idx="2">
+            <a:schemeClr val="accent1"/>
+          </a:lnRef>
+          <a:fillRef idx="0">
+            <a:schemeClr val="accent1"/>
+          </a:fillRef>
+          <a:effectRef idx="1">
+            <a:schemeClr val="accent1"/>
+          </a:effectRef>
+          <a:fontRef idx="minor">
+            <a:schemeClr val="tx1"/>
+          </a:fontRef>
+        </p:style>
+      </p:cxnSp>
+      <p:cxnSp>
+        <p:nvCxnSpPr>
+          <p:cNvPr id="18" name="Straight Connector 17"/>
+          <p:cNvCxnSpPr/>
+          <p:nvPr/>
+        </p:nvCxnSpPr>
+        <p:spPr>
+          <a:xfrm>
+            <a:off x="6962227" y="2133600"/>
+            <a:ext cx="0" cy="3966882"/>
+          </a:xfrm>
+          <a:prstGeom prst="line">
+            <a:avLst/>
+          </a:prstGeom>
+          <a:ln w="12700" cmpd="sng">
+            <a:solidFill>
+              <a:schemeClr val="accent1">
+                <a:alpha val="40000"/>
+              </a:schemeClr>
+            </a:solidFill>
+          </a:ln>
+        </p:spPr>
+        <p:style>
+          <a:lnRef idx="2">
+            <a:schemeClr val="accent1"/>
+          </a:lnRef>
+          <a:fillRef idx="0">
+            <a:schemeClr val="accent1"/>
+          </a:fillRef>
+          <a:effectRef idx="1">
+            <a:schemeClr val="accent1"/>
+          </a:effectRef>
+          <a:fontRef idx="minor">
+            <a:schemeClr val="tx1"/>
+          </a:fontRef>
+        </p:style>
+      </p:cxnSp>
+      <p:sp>
+        <p:nvSpPr>
+          <p:cNvPr id="7" name="Date Placeholder 3"/>
+          <p:cNvSpPr>
+            <a:spLocks noGrp="1"/>
+          </p:cNvSpPr>
+          <p:nvPr>
+            <p:ph type="dt" sz="half" idx="10"/>
+          </p:nvPr>
+        </p:nvSpPr>
+        <p:spPr/>
+        <p:txBody>
+          <a:bodyPr/>
+          <a:lstStyle/>
+          <a:p>
+            <a:fld id="{D4C1A002-2540-48EF-9E7D-CE5F1C1BD169}" type="datetimeFigureOut">
+              <a:rPr lang="fr-FR" smtClean="0"/>
+              <a:t>17/11/2022</a:t>
+            </a:fld>
+            <a:endParaRPr lang="fr-FR"/>
+          </a:p>
+        </p:txBody>
+      </p:sp>
+      <p:sp>
+        <p:nvSpPr>
+          <p:cNvPr id="4" name="Footer Placeholder 4"/>
+          <p:cNvSpPr>
+            <a:spLocks noGrp="1"/>
+          </p:cNvSpPr>
+          <p:nvPr>
+            <p:ph type="ftr" sz="quarter" idx="11"/>
+          </p:nvPr>
+        </p:nvSpPr>
+        <p:spPr/>
+        <p:txBody>
+          <a:bodyPr/>
+          <a:lstStyle/>
+          <a:p>
+            <a:endParaRPr lang="fr-FR"/>
+          </a:p>
+        </p:txBody>
+      </p:sp>
+      <p:sp>
+        <p:nvSpPr>
+          <p:cNvPr id="6" name="Slide Number Placeholder 5"/>
+          <p:cNvSpPr>
+            <a:spLocks noGrp="1"/>
+          </p:cNvSpPr>
+          <p:nvPr>
+            <p:ph type="sldNum" sz="quarter" idx="12"/>
+          </p:nvPr>
+        </p:nvSpPr>
+        <p:spPr/>
+        <p:txBody>
+          <a:bodyPr/>
+          <a:lstStyle/>
+          <a:p>
+            <a:fld id="{6213A4C2-1345-4C86-8F63-7EEB59BE9FC3}" type="slidenum">
+              <a:rPr lang="fr-FR" smtClean="0"/>
+              <a:t>‹N°›</a:t>
+            </a:fld>
+            <a:endParaRPr lang="fr-FR"/>
+          </a:p>
+        </p:txBody>
+      </p:sp>
+    </p:spTree>
+    <p:extLst>
+      <p:ext uri="{BB962C8B-B14F-4D97-AF65-F5344CB8AC3E}">
+        <p14:creationId xmlns:p14="http://schemas.microsoft.com/office/powerpoint/2010/main" val="452265197"/>
+      </p:ext>
+    </p:extLst>
+  </p:cSld>
+  <p:clrMapOvr>
+    <a:masterClrMapping/>
+  </p:clrMapOvr>
+</p:sldLayout>
+</file>
+
+<file path=ppt/slideLayouts/slideLayout15.xml><?xml version="1.0" encoding="utf-8"?>
+<p:sldLayout xmlns:a="http://schemas.openxmlformats.org/drawingml/2006/main" xmlns:r="http://schemas.openxmlformats.org/officeDocument/2006/relationships" xmlns:p="http://schemas.openxmlformats.org/presentationml/2006/main" preserve="1">
+  <p:cSld name="3 colonnes d’image">
+    <p:spTree>
+      <p:nvGrpSpPr>
+        <p:cNvPr id="1" name=""/>
+        <p:cNvGrpSpPr/>
+        <p:nvPr/>
+      </p:nvGrpSpPr>
+      <p:grpSpPr>
+        <a:xfrm>
+          <a:off x="0" y="0"/>
+          <a:ext cx="0" cy="0"/>
+          <a:chOff x="0" y="0"/>
+          <a:chExt cx="0" cy="0"/>
+        </a:xfrm>
+      </p:grpSpPr>
+      <p:sp>
+        <p:nvSpPr>
+          <p:cNvPr id="2" name="Title 1"/>
+          <p:cNvSpPr>
+            <a:spLocks noGrp="1"/>
+          </p:cNvSpPr>
+          <p:nvPr>
+            <p:ph type="title"/>
+          </p:nvPr>
+        </p:nvSpPr>
+        <p:spPr/>
+        <p:txBody>
+          <a:bodyPr/>
+          <a:lstStyle>
+            <a:lvl1pPr>
+              <a:defRPr sz="4200"/>
+            </a:lvl1pPr>
+          </a:lstStyle>
+          <a:p>
+            <a:r>
+              <a:rPr lang="fr-FR"/>
+              <a:t>Modifiez le style du titre</a:t>
+            </a:r>
+            <a:endParaRPr lang="en-US" dirty="0"/>
+          </a:p>
+        </p:txBody>
+      </p:sp>
+      <p:sp>
+        <p:nvSpPr>
+          <p:cNvPr id="3" name="Text Placeholder 2"/>
+          <p:cNvSpPr>
+            <a:spLocks noGrp="1"/>
+          </p:cNvSpPr>
+          <p:nvPr>
+            <p:ph type="body" idx="1"/>
+          </p:nvPr>
+        </p:nvSpPr>
+        <p:spPr>
+          <a:xfrm>
+            <a:off x="652463" y="4250949"/>
+            <a:ext cx="2940050" cy="576262"/>
+          </a:xfrm>
+        </p:spPr>
+        <p:txBody>
+          <a:bodyPr anchor="b">
+            <a:noAutofit/>
+          </a:bodyPr>
+          <a:lstStyle>
+            <a:lvl1pPr marL="0" indent="0">
+              <a:buNone/>
+              <a:defRPr sz="2400" b="0">
+                <a:solidFill>
+                  <a:schemeClr val="accent1"/>
+                </a:solidFill>
+              </a:defRPr>
+            </a:lvl1pPr>
+            <a:lvl2pPr marL="457200" indent="0">
+              <a:buNone/>
+              <a:defRPr sz="2000" b="1"/>
+            </a:lvl2pPr>
+            <a:lvl3pPr marL="914400" indent="0">
+              <a:buNone/>
+              <a:defRPr sz="1800" b="1"/>
+            </a:lvl3pPr>
+            <a:lvl4pPr marL="1371600" indent="0">
+              <a:buNone/>
+              <a:defRPr sz="1600" b="1"/>
+            </a:lvl4pPr>
+            <a:lvl5pPr marL="1828800" indent="0">
+              <a:buNone/>
+              <a:defRPr sz="1600" b="1"/>
+            </a:lvl5pPr>
+            <a:lvl6pPr marL="2286000" indent="0">
+              <a:buNone/>
+              <a:defRPr sz="1600" b="1"/>
+            </a:lvl6pPr>
+            <a:lvl7pPr marL="2743200" indent="0">
+              <a:buNone/>
+              <a:defRPr sz="1600" b="1"/>
+            </a:lvl7pPr>
+            <a:lvl8pPr marL="3200400" indent="0">
+              <a:buNone/>
+              <a:defRPr sz="1600" b="1"/>
+            </a:lvl8pPr>
+            <a:lvl9pPr marL="3657600" indent="0">
+              <a:buNone/>
+              <a:defRPr sz="1600" b="1"/>
+            </a:lvl9pPr>
+          </a:lstStyle>
+          <a:p>
+            <a:pPr lvl="0"/>
+            <a:r>
+              <a:rPr lang="fr-FR"/>
+              <a:t>Cliquez pour modifier les styles du texte du masque</a:t>
+            </a:r>
+          </a:p>
+        </p:txBody>
+      </p:sp>
+      <p:sp>
+        <p:nvSpPr>
+          <p:cNvPr id="29" name="Picture Placeholder 2"/>
+          <p:cNvSpPr>
+            <a:spLocks noGrp="1" noChangeAspect="1"/>
+          </p:cNvSpPr>
+          <p:nvPr>
+            <p:ph type="pic" idx="15"/>
+          </p:nvPr>
+        </p:nvSpPr>
+        <p:spPr>
+          <a:xfrm>
+            <a:off x="652463" y="2209800"/>
+            <a:ext cx="2940050" cy="1524000"/>
+          </a:xfrm>
+          <a:prstGeom prst="roundRect">
+            <a:avLst>
+              <a:gd name="adj" fmla="val 1858"/>
+            </a:avLst>
+          </a:prstGeom>
+          <a:effectLst>
+            <a:outerShdw blurRad="50800" dist="50800" dir="5400000" algn="tl" rotWithShape="0">
+              <a:srgbClr val="000000">
+                <a:alpha val="43000"/>
+              </a:srgbClr>
+            </a:outerShdw>
+          </a:effectLst>
+        </p:spPr>
+        <p:txBody>
+          <a:bodyPr anchor="t">
+            <a:normAutofit/>
+          </a:bodyPr>
+          <a:lstStyle>
+            <a:lvl1pPr marL="0" indent="0" algn="ctr">
+              <a:buNone/>
+              <a:defRPr sz="1600"/>
+            </a:lvl1pPr>
+            <a:lvl2pPr marL="457200" indent="0">
+              <a:buNone/>
+              <a:defRPr sz="1600"/>
+            </a:lvl2pPr>
+            <a:lvl3pPr marL="914400" indent="0">
+              <a:buNone/>
+              <a:defRPr sz="1600"/>
+            </a:lvl3pPr>
+            <a:lvl4pPr marL="1371600" indent="0">
+              <a:buNone/>
+              <a:defRPr sz="1600"/>
+            </a:lvl4pPr>
+            <a:lvl5pPr marL="1828800" indent="0">
+              <a:buNone/>
+              <a:defRPr sz="1600"/>
+            </a:lvl5pPr>
+            <a:lvl6pPr marL="2286000" indent="0">
+              <a:buNone/>
+              <a:defRPr sz="1600"/>
+            </a:lvl6pPr>
+            <a:lvl7pPr marL="2743200" indent="0">
+              <a:buNone/>
+              <a:defRPr sz="1600"/>
+            </a:lvl7pPr>
+            <a:lvl8pPr marL="3200400" indent="0">
+              <a:buNone/>
+              <a:defRPr sz="1600"/>
+            </a:lvl8pPr>
+            <a:lvl9pPr marL="3657600" indent="0">
+              <a:buNone/>
+              <a:defRPr sz="1600"/>
+            </a:lvl9pPr>
+          </a:lstStyle>
+          <a:p>
+            <a:r>
+              <a:rPr lang="fr-FR"/>
+              <a:t>Cliquez sur l'icône pour ajouter une image</a:t>
+            </a:r>
+            <a:endParaRPr lang="en-US" dirty="0"/>
+          </a:p>
+        </p:txBody>
+      </p:sp>
+      <p:sp>
+        <p:nvSpPr>
+          <p:cNvPr id="22" name="Text Placeholder 3"/>
+          <p:cNvSpPr>
+            <a:spLocks noGrp="1"/>
+          </p:cNvSpPr>
+          <p:nvPr>
+            <p:ph type="body" sz="half" idx="18"/>
+          </p:nvPr>
+        </p:nvSpPr>
+        <p:spPr>
+          <a:xfrm>
+            <a:off x="652463" y="4827211"/>
+            <a:ext cx="2940050" cy="659189"/>
+          </a:xfrm>
+        </p:spPr>
+        <p:txBody>
+          <a:bodyPr anchor="t">
+            <a:normAutofit/>
+          </a:bodyPr>
+          <a:lstStyle>
+            <a:lvl1pPr marL="0" indent="0">
+              <a:buNone/>
+              <a:defRPr sz="1400"/>
+            </a:lvl1pPr>
+            <a:lvl2pPr marL="457200" indent="0">
+              <a:buNone/>
+              <a:defRPr sz="1200"/>
+            </a:lvl2pPr>
+            <a:lvl3pPr marL="914400" indent="0">
+              <a:buNone/>
+              <a:defRPr sz="1000"/>
+            </a:lvl3pPr>
+            <a:lvl4pPr marL="1371600" indent="0">
+              <a:buNone/>
+              <a:defRPr sz="900"/>
+            </a:lvl4pPr>
+            <a:lvl5pPr marL="1828800" indent="0">
+              <a:buNone/>
+              <a:defRPr sz="900"/>
+            </a:lvl5pPr>
+            <a:lvl6pPr marL="2286000" indent="0">
+              <a:buNone/>
+              <a:defRPr sz="900"/>
+            </a:lvl6pPr>
+            <a:lvl7pPr marL="2743200" indent="0">
+              <a:buNone/>
+              <a:defRPr sz="900"/>
+            </a:lvl7pPr>
+            <a:lvl8pPr marL="3200400" indent="0">
+              <a:buNone/>
+              <a:defRPr sz="900"/>
+            </a:lvl8pPr>
+            <a:lvl9pPr marL="3657600" indent="0">
+              <a:buNone/>
+              <a:defRPr sz="900"/>
+            </a:lvl9pPr>
+          </a:lstStyle>
+          <a:p>
+            <a:pPr lvl="0"/>
+            <a:r>
+              <a:rPr lang="fr-FR"/>
+              <a:t>Cliquez pour modifier les styles du texte du masque</a:t>
+            </a:r>
+          </a:p>
+        </p:txBody>
+      </p:sp>
+      <p:sp>
+        <p:nvSpPr>
+          <p:cNvPr id="5" name="Text Placeholder 4"/>
+          <p:cNvSpPr>
+            <a:spLocks noGrp="1"/>
+          </p:cNvSpPr>
+          <p:nvPr>
+            <p:ph type="body" sz="quarter" idx="3"/>
+          </p:nvPr>
+        </p:nvSpPr>
+        <p:spPr>
+          <a:xfrm>
+            <a:off x="3889375" y="4250949"/>
+            <a:ext cx="2930525" cy="576262"/>
+          </a:xfrm>
+        </p:spPr>
+        <p:txBody>
+          <a:bodyPr anchor="b">
+            <a:noAutofit/>
+          </a:bodyPr>
+          <a:lstStyle>
+            <a:lvl1pPr marL="0" indent="0">
+              <a:buNone/>
+              <a:defRPr sz="2400" b="0">
+                <a:solidFill>
+                  <a:schemeClr val="accent1"/>
+                </a:solidFill>
+              </a:defRPr>
+            </a:lvl1pPr>
+            <a:lvl2pPr marL="457200" indent="0">
+              <a:buNone/>
+              <a:defRPr sz="2000" b="1"/>
+            </a:lvl2pPr>
+            <a:lvl3pPr marL="914400" indent="0">
+              <a:buNone/>
+              <a:defRPr sz="1800" b="1"/>
+            </a:lvl3pPr>
+            <a:lvl4pPr marL="1371600" indent="0">
+              <a:buNone/>
+              <a:defRPr sz="1600" b="1"/>
+            </a:lvl4pPr>
+            <a:lvl5pPr marL="1828800" indent="0">
+              <a:buNone/>
+              <a:defRPr sz="1600" b="1"/>
+            </a:lvl5pPr>
+            <a:lvl6pPr marL="2286000" indent="0">
+              <a:buNone/>
+              <a:defRPr sz="1600" b="1"/>
+            </a:lvl6pPr>
+            <a:lvl7pPr marL="2743200" indent="0">
+              <a:buNone/>
+              <a:defRPr sz="1600" b="1"/>
+            </a:lvl7pPr>
+            <a:lvl8pPr marL="3200400" indent="0">
+              <a:buNone/>
+              <a:defRPr sz="1600" b="1"/>
+            </a:lvl8pPr>
+            <a:lvl9pPr marL="3657600" indent="0">
+              <a:buNone/>
+              <a:defRPr sz="1600" b="1"/>
+            </a:lvl9pPr>
+          </a:lstStyle>
+          <a:p>
+            <a:pPr lvl="0"/>
+            <a:r>
+              <a:rPr lang="fr-FR"/>
+              <a:t>Cliquez pour modifier les styles du texte du masque</a:t>
+            </a:r>
+          </a:p>
+        </p:txBody>
+      </p:sp>
+      <p:sp>
+        <p:nvSpPr>
+          <p:cNvPr id="30" name="Picture Placeholder 2"/>
+          <p:cNvSpPr>
+            <a:spLocks noGrp="1" noChangeAspect="1"/>
+          </p:cNvSpPr>
+          <p:nvPr>
+            <p:ph type="pic" idx="21"/>
+          </p:nvPr>
+        </p:nvSpPr>
+        <p:spPr>
+          <a:xfrm>
+            <a:off x="3889374" y="2209800"/>
+            <a:ext cx="2930525" cy="1524000"/>
+          </a:xfrm>
+          <a:prstGeom prst="roundRect">
+            <a:avLst>
+              <a:gd name="adj" fmla="val 1858"/>
+            </a:avLst>
+          </a:prstGeom>
+          <a:effectLst>
+            <a:outerShdw blurRad="50800" dist="50800" dir="5400000" algn="tl" rotWithShape="0">
+              <a:srgbClr val="000000">
+                <a:alpha val="43000"/>
+              </a:srgbClr>
+            </a:outerShdw>
+          </a:effectLst>
+        </p:spPr>
+        <p:txBody>
+          <a:bodyPr anchor="t">
+            <a:normAutofit/>
+          </a:bodyPr>
+          <a:lstStyle>
+            <a:lvl1pPr marL="0" indent="0" algn="ctr">
+              <a:buNone/>
+              <a:defRPr sz="1600"/>
+            </a:lvl1pPr>
+            <a:lvl2pPr marL="457200" indent="0">
+              <a:buNone/>
+              <a:defRPr sz="1600"/>
+            </a:lvl2pPr>
+            <a:lvl3pPr marL="914400" indent="0">
+              <a:buNone/>
+              <a:defRPr sz="1600"/>
+            </a:lvl3pPr>
+            <a:lvl4pPr marL="1371600" indent="0">
+              <a:buNone/>
+              <a:defRPr sz="1600"/>
+            </a:lvl4pPr>
+            <a:lvl5pPr marL="1828800" indent="0">
+              <a:buNone/>
+              <a:defRPr sz="1600"/>
+            </a:lvl5pPr>
+            <a:lvl6pPr marL="2286000" indent="0">
+              <a:buNone/>
+              <a:defRPr sz="1600"/>
+            </a:lvl6pPr>
+            <a:lvl7pPr marL="2743200" indent="0">
+              <a:buNone/>
+              <a:defRPr sz="1600"/>
+            </a:lvl7pPr>
+            <a:lvl8pPr marL="3200400" indent="0">
+              <a:buNone/>
+              <a:defRPr sz="1600"/>
+            </a:lvl8pPr>
+            <a:lvl9pPr marL="3657600" indent="0">
+              <a:buNone/>
+              <a:defRPr sz="1600"/>
+            </a:lvl9pPr>
+          </a:lstStyle>
+          <a:p>
+            <a:r>
+              <a:rPr lang="fr-FR"/>
+              <a:t>Cliquez sur l'icône pour ajouter une image</a:t>
+            </a:r>
+            <a:endParaRPr lang="en-US" dirty="0"/>
+          </a:p>
+        </p:txBody>
+      </p:sp>
+      <p:sp>
+        <p:nvSpPr>
+          <p:cNvPr id="23" name="Text Placeholder 3"/>
+          <p:cNvSpPr>
+            <a:spLocks noGrp="1"/>
+          </p:cNvSpPr>
+          <p:nvPr>
+            <p:ph type="body" sz="half" idx="19"/>
+          </p:nvPr>
+        </p:nvSpPr>
+        <p:spPr>
+          <a:xfrm>
+            <a:off x="3888022" y="4827210"/>
+            <a:ext cx="2934406" cy="659189"/>
+          </a:xfrm>
+        </p:spPr>
+        <p:txBody>
+          <a:bodyPr anchor="t">
+            <a:normAutofit/>
+          </a:bodyPr>
+          <a:lstStyle>
+            <a:lvl1pPr marL="0" indent="0">
+              <a:buNone/>
+              <a:defRPr sz="1400"/>
+            </a:lvl1pPr>
+            <a:lvl2pPr marL="457200" indent="0">
+              <a:buNone/>
+              <a:defRPr sz="1200"/>
+            </a:lvl2pPr>
+            <a:lvl3pPr marL="914400" indent="0">
+              <a:buNone/>
+              <a:defRPr sz="1000"/>
+            </a:lvl3pPr>
+            <a:lvl4pPr marL="1371600" indent="0">
+              <a:buNone/>
+              <a:defRPr sz="900"/>
+            </a:lvl4pPr>
+            <a:lvl5pPr marL="1828800" indent="0">
+              <a:buNone/>
+              <a:defRPr sz="900"/>
+            </a:lvl5pPr>
+            <a:lvl6pPr marL="2286000" indent="0">
+              <a:buNone/>
+              <a:defRPr sz="900"/>
+            </a:lvl6pPr>
+            <a:lvl7pPr marL="2743200" indent="0">
+              <a:buNone/>
+              <a:defRPr sz="900"/>
+            </a:lvl7pPr>
+            <a:lvl8pPr marL="3200400" indent="0">
+              <a:buNone/>
+              <a:defRPr sz="900"/>
+            </a:lvl8pPr>
+            <a:lvl9pPr marL="3657600" indent="0">
+              <a:buNone/>
+              <a:defRPr sz="900"/>
+            </a:lvl9pPr>
+          </a:lstStyle>
+          <a:p>
+            <a:pPr lvl="0"/>
+            <a:r>
+              <a:rPr lang="fr-FR"/>
+              <a:t>Cliquez pour modifier les styles du texte du masque</a:t>
+            </a:r>
+          </a:p>
+        </p:txBody>
+      </p:sp>
+      <p:sp>
+        <p:nvSpPr>
+          <p:cNvPr id="14" name="Text Placeholder 4"/>
+          <p:cNvSpPr>
+            <a:spLocks noGrp="1"/>
+          </p:cNvSpPr>
+          <p:nvPr>
+            <p:ph type="body" sz="quarter" idx="13"/>
+          </p:nvPr>
+        </p:nvSpPr>
+        <p:spPr>
+          <a:xfrm>
+            <a:off x="7124700" y="4250949"/>
+            <a:ext cx="2932113" cy="576262"/>
+          </a:xfrm>
+        </p:spPr>
+        <p:txBody>
+          <a:bodyPr anchor="b">
+            <a:noAutofit/>
+          </a:bodyPr>
+          <a:lstStyle>
+            <a:lvl1pPr marL="0" indent="0">
+              <a:buNone/>
+              <a:defRPr sz="2400" b="0">
+                <a:solidFill>
+                  <a:schemeClr val="accent1"/>
+                </a:solidFill>
+              </a:defRPr>
+            </a:lvl1pPr>
+            <a:lvl2pPr marL="457200" indent="0">
+              <a:buNone/>
+              <a:defRPr sz="2000" b="1"/>
+            </a:lvl2pPr>
+            <a:lvl3pPr marL="914400" indent="0">
+              <a:buNone/>
+              <a:defRPr sz="1800" b="1"/>
+            </a:lvl3pPr>
+            <a:lvl4pPr marL="1371600" indent="0">
+              <a:buNone/>
+              <a:defRPr sz="1600" b="1"/>
+            </a:lvl4pPr>
+            <a:lvl5pPr marL="1828800" indent="0">
+              <a:buNone/>
+              <a:defRPr sz="1600" b="1"/>
+            </a:lvl5pPr>
+            <a:lvl6pPr marL="2286000" indent="0">
+              <a:buNone/>
+              <a:defRPr sz="1600" b="1"/>
+            </a:lvl6pPr>
+            <a:lvl7pPr marL="2743200" indent="0">
+              <a:buNone/>
+              <a:defRPr sz="1600" b="1"/>
+            </a:lvl7pPr>
+            <a:lvl8pPr marL="3200400" indent="0">
+              <a:buNone/>
+              <a:defRPr sz="1600" b="1"/>
+            </a:lvl8pPr>
+            <a:lvl9pPr marL="3657600" indent="0">
+              <a:buNone/>
+              <a:defRPr sz="1600" b="1"/>
+            </a:lvl9pPr>
+          </a:lstStyle>
+          <a:p>
+            <a:pPr lvl="0"/>
+            <a:r>
+              <a:rPr lang="fr-FR"/>
+              <a:t>Cliquez pour modifier les styles du texte du masque</a:t>
+            </a:r>
+          </a:p>
+        </p:txBody>
+      </p:sp>
+      <p:sp>
+        <p:nvSpPr>
+          <p:cNvPr id="31" name="Picture Placeholder 2"/>
+          <p:cNvSpPr>
+            <a:spLocks noGrp="1" noChangeAspect="1"/>
+          </p:cNvSpPr>
+          <p:nvPr>
+            <p:ph type="pic" idx="22"/>
+          </p:nvPr>
+        </p:nvSpPr>
+        <p:spPr>
+          <a:xfrm>
+            <a:off x="7124699" y="2209800"/>
+            <a:ext cx="2932113" cy="1524000"/>
+          </a:xfrm>
+          <a:prstGeom prst="roundRect">
+            <a:avLst>
+              <a:gd name="adj" fmla="val 1858"/>
+            </a:avLst>
+          </a:prstGeom>
+          <a:effectLst>
+            <a:outerShdw blurRad="50800" dist="50800" dir="5400000" algn="tl" rotWithShape="0">
+              <a:srgbClr val="000000">
+                <a:alpha val="43000"/>
+              </a:srgbClr>
+            </a:outerShdw>
+          </a:effectLst>
+        </p:spPr>
+        <p:txBody>
+          <a:bodyPr anchor="t">
+            <a:normAutofit/>
+          </a:bodyPr>
+          <a:lstStyle>
+            <a:lvl1pPr marL="0" indent="0" algn="ctr">
+              <a:buNone/>
+              <a:defRPr sz="1600"/>
+            </a:lvl1pPr>
+            <a:lvl2pPr marL="457200" indent="0">
+              <a:buNone/>
+              <a:defRPr sz="1600"/>
+            </a:lvl2pPr>
+            <a:lvl3pPr marL="914400" indent="0">
+              <a:buNone/>
+              <a:defRPr sz="1600"/>
+            </a:lvl3pPr>
+            <a:lvl4pPr marL="1371600" indent="0">
+              <a:buNone/>
+              <a:defRPr sz="1600"/>
+            </a:lvl4pPr>
+            <a:lvl5pPr marL="1828800" indent="0">
+              <a:buNone/>
+              <a:defRPr sz="1600"/>
+            </a:lvl5pPr>
+            <a:lvl6pPr marL="2286000" indent="0">
+              <a:buNone/>
+              <a:defRPr sz="1600"/>
+            </a:lvl6pPr>
+            <a:lvl7pPr marL="2743200" indent="0">
+              <a:buNone/>
+              <a:defRPr sz="1600"/>
+            </a:lvl7pPr>
+            <a:lvl8pPr marL="3200400" indent="0">
+              <a:buNone/>
+              <a:defRPr sz="1600"/>
+            </a:lvl8pPr>
+            <a:lvl9pPr marL="3657600" indent="0">
+              <a:buNone/>
+              <a:defRPr sz="1600"/>
+            </a:lvl9pPr>
+          </a:lstStyle>
+          <a:p>
+            <a:r>
+              <a:rPr lang="fr-FR"/>
+              <a:t>Cliquez sur l'icône pour ajouter une image</a:t>
+            </a:r>
+            <a:endParaRPr lang="en-US" dirty="0"/>
+          </a:p>
+        </p:txBody>
+      </p:sp>
+      <p:sp>
+        <p:nvSpPr>
+          <p:cNvPr id="24" name="Text Placeholder 3"/>
+          <p:cNvSpPr>
+            <a:spLocks noGrp="1"/>
+          </p:cNvSpPr>
+          <p:nvPr>
+            <p:ph type="body" sz="half" idx="20"/>
+          </p:nvPr>
+        </p:nvSpPr>
+        <p:spPr>
+          <a:xfrm>
+            <a:off x="7124575" y="4827208"/>
+            <a:ext cx="2935997" cy="659189"/>
+          </a:xfrm>
+        </p:spPr>
+        <p:txBody>
+          <a:bodyPr anchor="t">
+            <a:normAutofit/>
+          </a:bodyPr>
+          <a:lstStyle>
+            <a:lvl1pPr marL="0" indent="0">
+              <a:buNone/>
+              <a:defRPr sz="1400"/>
+            </a:lvl1pPr>
+            <a:lvl2pPr marL="457200" indent="0">
+              <a:buNone/>
+              <a:defRPr sz="1200"/>
+            </a:lvl2pPr>
+            <a:lvl3pPr marL="914400" indent="0">
+              <a:buNone/>
+              <a:defRPr sz="1000"/>
+            </a:lvl3pPr>
+            <a:lvl4pPr marL="1371600" indent="0">
+              <a:buNone/>
+              <a:defRPr sz="900"/>
+            </a:lvl4pPr>
+            <a:lvl5pPr marL="1828800" indent="0">
+              <a:buNone/>
+              <a:defRPr sz="900"/>
+            </a:lvl5pPr>
+            <a:lvl6pPr marL="2286000" indent="0">
+              <a:buNone/>
+              <a:defRPr sz="900"/>
+            </a:lvl6pPr>
+            <a:lvl7pPr marL="2743200" indent="0">
+              <a:buNone/>
+              <a:defRPr sz="900"/>
+            </a:lvl7pPr>
+            <a:lvl8pPr marL="3200400" indent="0">
+              <a:buNone/>
+              <a:defRPr sz="900"/>
+            </a:lvl8pPr>
+            <a:lvl9pPr marL="3657600" indent="0">
+              <a:buNone/>
+              <a:defRPr sz="900"/>
+            </a:lvl9pPr>
+          </a:lstStyle>
+          <a:p>
+            <a:pPr lvl="0"/>
+            <a:r>
+              <a:rPr lang="fr-FR"/>
+              <a:t>Cliquez pour modifier les styles du texte du masque</a:t>
+            </a:r>
+          </a:p>
+        </p:txBody>
+      </p:sp>
+      <p:cxnSp>
+        <p:nvCxnSpPr>
+          <p:cNvPr id="17" name="Straight Connector 16"/>
+          <p:cNvCxnSpPr/>
+          <p:nvPr/>
+        </p:nvCxnSpPr>
+        <p:spPr>
+          <a:xfrm>
+            <a:off x="3726142" y="2133600"/>
+            <a:ext cx="0" cy="3962400"/>
+          </a:xfrm>
+          <a:prstGeom prst="line">
+            <a:avLst/>
+          </a:prstGeom>
+          <a:ln w="12700" cmpd="sng">
+            <a:solidFill>
+              <a:schemeClr val="accent1">
+                <a:alpha val="40000"/>
+              </a:schemeClr>
+            </a:solidFill>
+          </a:ln>
+        </p:spPr>
+        <p:style>
+          <a:lnRef idx="2">
+            <a:schemeClr val="accent1"/>
+          </a:lnRef>
+          <a:fillRef idx="0">
+            <a:schemeClr val="accent1"/>
+          </a:fillRef>
+          <a:effectRef idx="1">
+            <a:schemeClr val="accent1"/>
+          </a:effectRef>
+          <a:fontRef idx="minor">
+            <a:schemeClr val="tx1"/>
+          </a:fontRef>
+        </p:style>
+      </p:cxnSp>
+      <p:cxnSp>
+        <p:nvCxnSpPr>
+          <p:cNvPr id="18" name="Straight Connector 17"/>
+          <p:cNvCxnSpPr/>
+          <p:nvPr/>
+        </p:nvCxnSpPr>
+        <p:spPr>
+          <a:xfrm>
+            <a:off x="6962227" y="2133600"/>
+            <a:ext cx="0" cy="3966882"/>
+          </a:xfrm>
+          <a:prstGeom prst="line">
+            <a:avLst/>
+          </a:prstGeom>
+          <a:ln w="12700" cmpd="sng">
+            <a:solidFill>
+              <a:schemeClr val="accent1">
+                <a:alpha val="40000"/>
+              </a:schemeClr>
+            </a:solidFill>
+          </a:ln>
+        </p:spPr>
+        <p:style>
+          <a:lnRef idx="2">
+            <a:schemeClr val="accent1"/>
+          </a:lnRef>
+          <a:fillRef idx="0">
+            <a:schemeClr val="accent1"/>
+          </a:fillRef>
+          <a:effectRef idx="1">
+            <a:schemeClr val="accent1"/>
+          </a:effectRef>
+          <a:fontRef idx="minor">
+            <a:schemeClr val="tx1"/>
+          </a:fontRef>
+        </p:style>
+      </p:cxnSp>
+      <p:sp>
+        <p:nvSpPr>
+          <p:cNvPr id="7" name="Date Placeholder 3"/>
+          <p:cNvSpPr>
+            <a:spLocks noGrp="1"/>
+          </p:cNvSpPr>
+          <p:nvPr>
+            <p:ph type="dt" sz="half" idx="10"/>
+          </p:nvPr>
+        </p:nvSpPr>
+        <p:spPr/>
+        <p:txBody>
+          <a:bodyPr/>
+          <a:lstStyle/>
+          <a:p>
+            <a:fld id="{D4C1A002-2540-48EF-9E7D-CE5F1C1BD169}" type="datetimeFigureOut">
+              <a:rPr lang="fr-FR" smtClean="0"/>
+              <a:t>17/11/2022</a:t>
+            </a:fld>
+            <a:endParaRPr lang="fr-FR"/>
+          </a:p>
+        </p:txBody>
+      </p:sp>
+      <p:sp>
+        <p:nvSpPr>
+          <p:cNvPr id="4" name="Footer Placeholder 4"/>
+          <p:cNvSpPr>
+            <a:spLocks noGrp="1"/>
+          </p:cNvSpPr>
+          <p:nvPr>
+            <p:ph type="ftr" sz="quarter" idx="11"/>
+          </p:nvPr>
+        </p:nvSpPr>
+        <p:spPr/>
+        <p:txBody>
+          <a:bodyPr/>
+          <a:lstStyle/>
+          <a:p>
+            <a:endParaRPr lang="fr-FR"/>
+          </a:p>
+        </p:txBody>
+      </p:sp>
+      <p:sp>
+        <p:nvSpPr>
+          <p:cNvPr id="6" name="Slide Number Placeholder 5"/>
+          <p:cNvSpPr>
+            <a:spLocks noGrp="1"/>
+          </p:cNvSpPr>
+          <p:nvPr>
+            <p:ph type="sldNum" sz="quarter" idx="12"/>
+          </p:nvPr>
+        </p:nvSpPr>
+        <p:spPr/>
+        <p:txBody>
+          <a:bodyPr/>
+          <a:lstStyle/>
+          <a:p>
+            <a:fld id="{6213A4C2-1345-4C86-8F63-7EEB59BE9FC3}" type="slidenum">
+              <a:rPr lang="fr-FR" smtClean="0"/>
+              <a:t>‹N°›</a:t>
+            </a:fld>
+            <a:endParaRPr lang="fr-FR"/>
+          </a:p>
+        </p:txBody>
+      </p:sp>
+    </p:spTree>
+    <p:extLst>
+      <p:ext uri="{BB962C8B-B14F-4D97-AF65-F5344CB8AC3E}">
+        <p14:creationId xmlns:p14="http://schemas.microsoft.com/office/powerpoint/2010/main" val="3140577176"/>
+      </p:ext>
+    </p:extLst>
+  </p:cSld>
+  <p:clrMapOvr>
+    <a:masterClrMapping/>
+  </p:clrMapOvr>
+</p:sldLayout>
+</file>
+
+<file path=ppt/slideLayouts/slideLayout16.xml><?xml version="1.0" encoding="utf-8"?>
 <p:sldLayout xmlns:a="http://schemas.openxmlformats.org/drawingml/2006/main" xmlns:r="http://schemas.openxmlformats.org/officeDocument/2006/relationships" xmlns:p="http://schemas.openxmlformats.org/presentationml/2006/main" type="vertTx" preserve="1">
   <p:cSld name="Titre et texte vertical">
     <p:spTree>
@@ -354,13 +2904,7 @@
       </p:grpSpPr>
       <p:sp>
         <p:nvSpPr>
-          <p:cNvPr id="2" name="Titre 1">
-            <a:extLst>
-              <a:ext uri="{FF2B5EF4-FFF2-40B4-BE49-F238E27FC236}">
-                <a16:creationId xmlns:a16="http://schemas.microsoft.com/office/drawing/2014/main" id="{A886F5FA-6DA4-E7AE-DB71-41A5E0FF2594}"/>
-              </a:ext>
-            </a:extLst>
-          </p:cNvPr>
+          <p:cNvPr id="2" name="Title 1"/>
           <p:cNvSpPr>
             <a:spLocks noGrp="1"/>
           </p:cNvSpPr>
@@ -377,18 +2921,13 @@
               <a:rPr lang="fr-FR"/>
               <a:t>Modifiez le style du titre</a:t>
             </a:r>
-          </a:p>
-        </p:txBody>
-      </p:sp>
-      <p:sp>
-        <p:nvSpPr>
-          <p:cNvPr id="3" name="Espace réservé du texte vertical 2">
-            <a:extLst>
-              <a:ext uri="{FF2B5EF4-FFF2-40B4-BE49-F238E27FC236}">
-                <a16:creationId xmlns:a16="http://schemas.microsoft.com/office/drawing/2014/main" id="{32EC88B6-9597-CBFF-E75E-DE1A02D16A80}"/>
-              </a:ext>
-            </a:extLst>
-          </p:cNvPr>
+            <a:endParaRPr lang="en-US" dirty="0"/>
+          </a:p>
+        </p:txBody>
+      </p:sp>
+      <p:sp>
+        <p:nvSpPr>
+          <p:cNvPr id="3" name="Vertical Text Placeholder 2"/>
           <p:cNvSpPr>
             <a:spLocks noGrp="1"/>
           </p:cNvSpPr>
@@ -398,7 +2937,7 @@
         </p:nvSpPr>
         <p:spPr/>
         <p:txBody>
-          <a:bodyPr vert="eaVert"/>
+          <a:bodyPr vert="eaVert" anchor="t" anchorCtr="0"/>
           <a:lstStyle/>
           <a:p>
             <a:pPr lvl="0"/>
@@ -434,18 +2973,13 @@
               <a:rPr lang="fr-FR"/>
               <a:t>Cinquième niveau</a:t>
             </a:r>
-          </a:p>
-        </p:txBody>
-      </p:sp>
-      <p:sp>
-        <p:nvSpPr>
-          <p:cNvPr id="4" name="Espace réservé de la date 3">
-            <a:extLst>
-              <a:ext uri="{FF2B5EF4-FFF2-40B4-BE49-F238E27FC236}">
-                <a16:creationId xmlns:a16="http://schemas.microsoft.com/office/drawing/2014/main" id="{4A273F85-CE09-E038-1834-2EF63BE5EF91}"/>
-              </a:ext>
-            </a:extLst>
-          </p:cNvPr>
+            <a:endParaRPr lang="en-US" dirty="0"/>
+          </a:p>
+        </p:txBody>
+      </p:sp>
+      <p:sp>
+        <p:nvSpPr>
+          <p:cNvPr id="4" name="Date Placeholder 3"/>
           <p:cNvSpPr>
             <a:spLocks noGrp="1"/>
           </p:cNvSpPr>
@@ -468,13 +3002,7 @@
       </p:sp>
       <p:sp>
         <p:nvSpPr>
-          <p:cNvPr id="5" name="Espace réservé du pied de page 4">
-            <a:extLst>
-              <a:ext uri="{FF2B5EF4-FFF2-40B4-BE49-F238E27FC236}">
-                <a16:creationId xmlns:a16="http://schemas.microsoft.com/office/drawing/2014/main" id="{EE0C080D-6A8F-1AE2-E688-E5E9F23C1F29}"/>
-              </a:ext>
-            </a:extLst>
-          </p:cNvPr>
+          <p:cNvPr id="5" name="Footer Placeholder 4"/>
           <p:cNvSpPr>
             <a:spLocks noGrp="1"/>
           </p:cNvSpPr>
@@ -493,13 +3021,7 @@
       </p:sp>
       <p:sp>
         <p:nvSpPr>
-          <p:cNvPr id="6" name="Espace réservé du numéro de diapositive 5">
-            <a:extLst>
-              <a:ext uri="{FF2B5EF4-FFF2-40B4-BE49-F238E27FC236}">
-                <a16:creationId xmlns:a16="http://schemas.microsoft.com/office/drawing/2014/main" id="{1E750FED-B71D-C6AE-A425-280DA8AEA78C}"/>
-              </a:ext>
-            </a:extLst>
-          </p:cNvPr>
+          <p:cNvPr id="6" name="Slide Number Placeholder 5"/>
           <p:cNvSpPr>
             <a:spLocks noGrp="1"/>
           </p:cNvSpPr>
@@ -523,7 +3045,7 @@
     </p:spTree>
     <p:extLst>
       <p:ext uri="{BB962C8B-B14F-4D97-AF65-F5344CB8AC3E}">
-        <p14:creationId xmlns:p14="http://schemas.microsoft.com/office/powerpoint/2010/main" val="132838486"/>
+        <p14:creationId xmlns:p14="http://schemas.microsoft.com/office/powerpoint/2010/main" val="584232165"/>
       </p:ext>
     </p:extLst>
   </p:cSld>
@@ -533,7 +3055,7 @@
 </p:sldLayout>
 </file>
 
-<file path=ppt/slideLayouts/slideLayout11.xml><?xml version="1.0" encoding="utf-8"?>
+<file path=ppt/slideLayouts/slideLayout17.xml><?xml version="1.0" encoding="utf-8"?>
 <p:sldLayout xmlns:a="http://schemas.openxmlformats.org/drawingml/2006/main" xmlns:r="http://schemas.openxmlformats.org/officeDocument/2006/relationships" xmlns:p="http://schemas.openxmlformats.org/presentationml/2006/main" type="vertTitleAndTx" preserve="1">
   <p:cSld name="Titre vertical et texte">
     <p:spTree>
@@ -552,13 +3074,7 @@
       </p:grpSpPr>
       <p:sp>
         <p:nvSpPr>
-          <p:cNvPr id="2" name="Titre vertical 1">
-            <a:extLst>
-              <a:ext uri="{FF2B5EF4-FFF2-40B4-BE49-F238E27FC236}">
-                <a16:creationId xmlns:a16="http://schemas.microsoft.com/office/drawing/2014/main" id="{AF2DDB01-8CB2-F542-EAF4-E1E73DB9B1E0}"/>
-              </a:ext>
-            </a:extLst>
-          </p:cNvPr>
+          <p:cNvPr id="2" name="Vertical Title 1"/>
           <p:cNvSpPr>
             <a:spLocks noGrp="1"/>
           </p:cNvSpPr>
@@ -568,47 +3084,42 @@
         </p:nvSpPr>
         <p:spPr>
           <a:xfrm>
-            <a:off x="8724900" y="365125"/>
-            <a:ext cx="2628900" cy="5811838"/>
+            <a:off x="8304212" y="430213"/>
+            <a:ext cx="1752601" cy="5826125"/>
+          </a:xfrm>
+        </p:spPr>
+        <p:txBody>
+          <a:bodyPr vert="eaVert" anchor="b" anchorCtr="0"/>
+          <a:lstStyle/>
+          <a:p>
+            <a:r>
+              <a:rPr lang="fr-FR"/>
+              <a:t>Modifiez le style du titre</a:t>
+            </a:r>
+            <a:endParaRPr lang="en-US" dirty="0"/>
+          </a:p>
+        </p:txBody>
+      </p:sp>
+      <p:sp>
+        <p:nvSpPr>
+          <p:cNvPr id="3" name="Vertical Text Placeholder 2"/>
+          <p:cNvSpPr>
+            <a:spLocks noGrp="1"/>
+          </p:cNvSpPr>
+          <p:nvPr>
+            <p:ph type="body" orient="vert" idx="1"/>
+          </p:nvPr>
+        </p:nvSpPr>
+        <p:spPr>
+          <a:xfrm>
+            <a:off x="652463" y="887414"/>
+            <a:ext cx="7423149" cy="5368924"/>
           </a:xfrm>
         </p:spPr>
         <p:txBody>
           <a:bodyPr vert="eaVert"/>
           <a:lstStyle/>
           <a:p>
-            <a:r>
-              <a:rPr lang="fr-FR"/>
-              <a:t>Modifiez le style du titre</a:t>
-            </a:r>
-          </a:p>
-        </p:txBody>
-      </p:sp>
-      <p:sp>
-        <p:nvSpPr>
-          <p:cNvPr id="3" name="Espace réservé du texte vertical 2">
-            <a:extLst>
-              <a:ext uri="{FF2B5EF4-FFF2-40B4-BE49-F238E27FC236}">
-                <a16:creationId xmlns:a16="http://schemas.microsoft.com/office/drawing/2014/main" id="{BA1B718D-03D8-6C6C-00A4-0B4A90A9AAC8}"/>
-              </a:ext>
-            </a:extLst>
-          </p:cNvPr>
-          <p:cNvSpPr>
-            <a:spLocks noGrp="1"/>
-          </p:cNvSpPr>
-          <p:nvPr>
-            <p:ph type="body" orient="vert" idx="1"/>
-          </p:nvPr>
-        </p:nvSpPr>
-        <p:spPr>
-          <a:xfrm>
-            <a:off x="838200" y="365125"/>
-            <a:ext cx="7734300" cy="5811838"/>
-          </a:xfrm>
-        </p:spPr>
-        <p:txBody>
-          <a:bodyPr vert="eaVert"/>
-          <a:lstStyle/>
-          <a:p>
             <a:pPr lvl="0"/>
             <a:r>
               <a:rPr lang="fr-FR"/>
@@ -642,18 +3153,13 @@
               <a:rPr lang="fr-FR"/>
               <a:t>Cinquième niveau</a:t>
             </a:r>
-          </a:p>
-        </p:txBody>
-      </p:sp>
-      <p:sp>
-        <p:nvSpPr>
-          <p:cNvPr id="4" name="Espace réservé de la date 3">
-            <a:extLst>
-              <a:ext uri="{FF2B5EF4-FFF2-40B4-BE49-F238E27FC236}">
-                <a16:creationId xmlns:a16="http://schemas.microsoft.com/office/drawing/2014/main" id="{7577B016-5BE4-A0EC-2CC8-0EC970D6FE66}"/>
-              </a:ext>
-            </a:extLst>
-          </p:cNvPr>
+            <a:endParaRPr lang="en-US" dirty="0"/>
+          </a:p>
+        </p:txBody>
+      </p:sp>
+      <p:sp>
+        <p:nvSpPr>
+          <p:cNvPr id="4" name="Date Placeholder 3"/>
           <p:cNvSpPr>
             <a:spLocks noGrp="1"/>
           </p:cNvSpPr>
@@ -676,13 +3182,7 @@
       </p:sp>
       <p:sp>
         <p:nvSpPr>
-          <p:cNvPr id="5" name="Espace réservé du pied de page 4">
-            <a:extLst>
-              <a:ext uri="{FF2B5EF4-FFF2-40B4-BE49-F238E27FC236}">
-                <a16:creationId xmlns:a16="http://schemas.microsoft.com/office/drawing/2014/main" id="{D936423A-B41F-31AC-88D4-5C3EE73CC322}"/>
-              </a:ext>
-            </a:extLst>
-          </p:cNvPr>
+          <p:cNvPr id="5" name="Footer Placeholder 4"/>
           <p:cNvSpPr>
             <a:spLocks noGrp="1"/>
           </p:cNvSpPr>
@@ -701,13 +3201,7 @@
       </p:sp>
       <p:sp>
         <p:nvSpPr>
-          <p:cNvPr id="6" name="Espace réservé du numéro de diapositive 5">
-            <a:extLst>
-              <a:ext uri="{FF2B5EF4-FFF2-40B4-BE49-F238E27FC236}">
-                <a16:creationId xmlns:a16="http://schemas.microsoft.com/office/drawing/2014/main" id="{EF69EF80-CCBB-6B52-1DC2-580706A966A6}"/>
-              </a:ext>
-            </a:extLst>
-          </p:cNvPr>
+          <p:cNvPr id="6" name="Slide Number Placeholder 5"/>
           <p:cNvSpPr>
             <a:spLocks noGrp="1"/>
           </p:cNvSpPr>
@@ -731,7 +3225,7 @@
     </p:spTree>
     <p:extLst>
       <p:ext uri="{BB962C8B-B14F-4D97-AF65-F5344CB8AC3E}">
-        <p14:creationId xmlns:p14="http://schemas.microsoft.com/office/powerpoint/2010/main" val="1605915445"/>
+        <p14:creationId xmlns:p14="http://schemas.microsoft.com/office/powerpoint/2010/main" val="3142138199"/>
       </p:ext>
     </p:extLst>
   </p:cSld>
@@ -760,13 +3254,7 @@
       </p:grpSpPr>
       <p:sp>
         <p:nvSpPr>
-          <p:cNvPr id="2" name="Titre 1">
-            <a:extLst>
-              <a:ext uri="{FF2B5EF4-FFF2-40B4-BE49-F238E27FC236}">
-                <a16:creationId xmlns:a16="http://schemas.microsoft.com/office/drawing/2014/main" id="{C290F927-A263-ACF1-3212-390298DEDA94}"/>
-              </a:ext>
-            </a:extLst>
-          </p:cNvPr>
+          <p:cNvPr id="2" name="Title 1"/>
           <p:cNvSpPr>
             <a:spLocks noGrp="1"/>
           </p:cNvSpPr>
@@ -783,18 +3271,13 @@
               <a:rPr lang="fr-FR"/>
               <a:t>Modifiez le style du titre</a:t>
             </a:r>
-          </a:p>
-        </p:txBody>
-      </p:sp>
-      <p:sp>
-        <p:nvSpPr>
-          <p:cNvPr id="3" name="Espace réservé du contenu 2">
-            <a:extLst>
-              <a:ext uri="{FF2B5EF4-FFF2-40B4-BE49-F238E27FC236}">
-                <a16:creationId xmlns:a16="http://schemas.microsoft.com/office/drawing/2014/main" id="{4D8733C3-CE3C-FE96-6346-B5AA5B0D41D0}"/>
-              </a:ext>
-            </a:extLst>
-          </p:cNvPr>
+            <a:endParaRPr lang="en-US" dirty="0"/>
+          </a:p>
+        </p:txBody>
+      </p:sp>
+      <p:sp>
+        <p:nvSpPr>
+          <p:cNvPr id="3" name="Content Placeholder 2"/>
           <p:cNvSpPr>
             <a:spLocks noGrp="1"/>
           </p:cNvSpPr>
@@ -840,18 +3323,13 @@
               <a:rPr lang="fr-FR"/>
               <a:t>Cinquième niveau</a:t>
             </a:r>
-          </a:p>
-        </p:txBody>
-      </p:sp>
-      <p:sp>
-        <p:nvSpPr>
-          <p:cNvPr id="4" name="Espace réservé de la date 3">
-            <a:extLst>
-              <a:ext uri="{FF2B5EF4-FFF2-40B4-BE49-F238E27FC236}">
-                <a16:creationId xmlns:a16="http://schemas.microsoft.com/office/drawing/2014/main" id="{F52408CF-5E5B-86B0-F84F-41EAA73DECF3}"/>
-              </a:ext>
-            </a:extLst>
-          </p:cNvPr>
+            <a:endParaRPr lang="en-US" dirty="0"/>
+          </a:p>
+        </p:txBody>
+      </p:sp>
+      <p:sp>
+        <p:nvSpPr>
+          <p:cNvPr id="4" name="Date Placeholder 3"/>
           <p:cNvSpPr>
             <a:spLocks noGrp="1"/>
           </p:cNvSpPr>
@@ -874,13 +3352,7 @@
       </p:sp>
       <p:sp>
         <p:nvSpPr>
-          <p:cNvPr id="5" name="Espace réservé du pied de page 4">
-            <a:extLst>
-              <a:ext uri="{FF2B5EF4-FFF2-40B4-BE49-F238E27FC236}">
-                <a16:creationId xmlns:a16="http://schemas.microsoft.com/office/drawing/2014/main" id="{54B3407A-8648-3480-FABA-DAD7EB140467}"/>
-              </a:ext>
-            </a:extLst>
-          </p:cNvPr>
+          <p:cNvPr id="5" name="Footer Placeholder 4"/>
           <p:cNvSpPr>
             <a:spLocks noGrp="1"/>
           </p:cNvSpPr>
@@ -899,13 +3371,7 @@
       </p:sp>
       <p:sp>
         <p:nvSpPr>
-          <p:cNvPr id="6" name="Espace réservé du numéro de diapositive 5">
-            <a:extLst>
-              <a:ext uri="{FF2B5EF4-FFF2-40B4-BE49-F238E27FC236}">
-                <a16:creationId xmlns:a16="http://schemas.microsoft.com/office/drawing/2014/main" id="{6ADD2FFE-BC5E-3A4A-3A35-E664BFD07CC2}"/>
-              </a:ext>
-            </a:extLst>
-          </p:cNvPr>
+          <p:cNvPr id="6" name="Slide Number Placeholder 5"/>
           <p:cNvSpPr>
             <a:spLocks noGrp="1"/>
           </p:cNvSpPr>
@@ -929,7 +3395,7 @@
     </p:spTree>
     <p:extLst>
       <p:ext uri="{BB962C8B-B14F-4D97-AF65-F5344CB8AC3E}">
-        <p14:creationId xmlns:p14="http://schemas.microsoft.com/office/powerpoint/2010/main" val="761071913"/>
+        <p14:creationId xmlns:p14="http://schemas.microsoft.com/office/powerpoint/2010/main" val="2095226652"/>
       </p:ext>
     </p:extLst>
   </p:cSld>
@@ -958,13 +3424,7 @@
       </p:grpSpPr>
       <p:sp>
         <p:nvSpPr>
-          <p:cNvPr id="2" name="Titre 1">
-            <a:extLst>
-              <a:ext uri="{FF2B5EF4-FFF2-40B4-BE49-F238E27FC236}">
-                <a16:creationId xmlns:a16="http://schemas.microsoft.com/office/drawing/2014/main" id="{39AB8A5E-FBA8-67ED-589A-1389E4214F48}"/>
-              </a:ext>
-            </a:extLst>
-          </p:cNvPr>
+          <p:cNvPr id="2" name="Title 1"/>
           <p:cNvSpPr>
             <a:spLocks noGrp="1"/>
           </p:cNvSpPr>
@@ -974,15 +3434,15 @@
         </p:nvSpPr>
         <p:spPr>
           <a:xfrm>
-            <a:off x="831850" y="1709738"/>
-            <a:ext cx="10515600" cy="2852737"/>
+            <a:off x="1154956" y="2861733"/>
+            <a:ext cx="8825657" cy="1915647"/>
           </a:xfrm>
         </p:spPr>
         <p:txBody>
           <a:bodyPr anchor="b"/>
           <a:lstStyle>
-            <a:lvl1pPr>
-              <a:defRPr sz="6000"/>
+            <a:lvl1pPr algn="l">
+              <a:defRPr sz="4000" b="0" cap="none"/>
             </a:lvl1pPr>
           </a:lstStyle>
           <a:p>
@@ -990,18 +3450,13 @@
               <a:rPr lang="fr-FR"/>
               <a:t>Modifiez le style du titre</a:t>
             </a:r>
-          </a:p>
-        </p:txBody>
-      </p:sp>
-      <p:sp>
-        <p:nvSpPr>
-          <p:cNvPr id="3" name="Espace réservé du texte 2">
-            <a:extLst>
-              <a:ext uri="{FF2B5EF4-FFF2-40B4-BE49-F238E27FC236}">
-                <a16:creationId xmlns:a16="http://schemas.microsoft.com/office/drawing/2014/main" id="{675B136E-EC12-851F-0C9F-1C28D9E71A34}"/>
-              </a:ext>
-            </a:extLst>
-          </p:cNvPr>
+            <a:endParaRPr lang="en-US" dirty="0"/>
+          </a:p>
+        </p:txBody>
+      </p:sp>
+      <p:sp>
+        <p:nvSpPr>
+          <p:cNvPr id="3" name="Text Placeholder 2"/>
           <p:cNvSpPr>
             <a:spLocks noGrp="1"/>
           </p:cNvSpPr>
@@ -1011,26 +3466,24 @@
         </p:nvSpPr>
         <p:spPr>
           <a:xfrm>
-            <a:off x="831850" y="4589463"/>
-            <a:ext cx="10515600" cy="1500187"/>
-          </a:xfrm>
-        </p:spPr>
-        <p:txBody>
-          <a:bodyPr/>
+            <a:off x="1154955" y="4777381"/>
+            <a:ext cx="8825658" cy="860400"/>
+          </a:xfrm>
+        </p:spPr>
+        <p:txBody>
+          <a:bodyPr anchor="t"/>
           <a:lstStyle>
-            <a:lvl1pPr marL="0" indent="0">
-              <a:buNone/>
-              <a:defRPr sz="2400">
+            <a:lvl1pPr marL="0" indent="0" algn="l">
+              <a:buNone/>
+              <a:defRPr sz="2000" cap="all">
                 <a:solidFill>
-                  <a:schemeClr val="tx1">
-                    <a:tint val="75000"/>
-                  </a:schemeClr>
+                  <a:schemeClr val="accent1"/>
                 </a:solidFill>
               </a:defRPr>
             </a:lvl1pPr>
             <a:lvl2pPr marL="457200" indent="0">
               <a:buNone/>
-              <a:defRPr sz="2000">
+              <a:defRPr sz="1800">
                 <a:solidFill>
                   <a:schemeClr val="tx1">
                     <a:tint val="75000"/>
@@ -1040,7 +3493,7 @@
             </a:lvl2pPr>
             <a:lvl3pPr marL="914400" indent="0">
               <a:buNone/>
-              <a:defRPr sz="1800">
+              <a:defRPr sz="1600">
                 <a:solidFill>
                   <a:schemeClr val="tx1">
                     <a:tint val="75000"/>
@@ -1050,7 +3503,7 @@
             </a:lvl3pPr>
             <a:lvl4pPr marL="1371600" indent="0">
               <a:buNone/>
-              <a:defRPr sz="1600">
+              <a:defRPr sz="1400">
                 <a:solidFill>
                   <a:schemeClr val="tx1">
                     <a:tint val="75000"/>
@@ -1060,7 +3513,7 @@
             </a:lvl4pPr>
             <a:lvl5pPr marL="1828800" indent="0">
               <a:buNone/>
-              <a:defRPr sz="1600">
+              <a:defRPr sz="1400">
                 <a:solidFill>
                   <a:schemeClr val="tx1">
                     <a:tint val="75000"/>
@@ -1070,7 +3523,7 @@
             </a:lvl5pPr>
             <a:lvl6pPr marL="2286000" indent="0">
               <a:buNone/>
-              <a:defRPr sz="1600">
+              <a:defRPr sz="1400">
                 <a:solidFill>
                   <a:schemeClr val="tx1">
                     <a:tint val="75000"/>
@@ -1080,7 +3533,7 @@
             </a:lvl6pPr>
             <a:lvl7pPr marL="2743200" indent="0">
               <a:buNone/>
-              <a:defRPr sz="1600">
+              <a:defRPr sz="1400">
                 <a:solidFill>
                   <a:schemeClr val="tx1">
                     <a:tint val="75000"/>
@@ -1090,7 +3543,7 @@
             </a:lvl7pPr>
             <a:lvl8pPr marL="3200400" indent="0">
               <a:buNone/>
-              <a:defRPr sz="1600">
+              <a:defRPr sz="1400">
                 <a:solidFill>
                   <a:schemeClr val="tx1">
                     <a:tint val="75000"/>
@@ -1100,7 +3553,7 @@
             </a:lvl8pPr>
             <a:lvl9pPr marL="3657600" indent="0">
               <a:buNone/>
-              <a:defRPr sz="1600">
+              <a:defRPr sz="1400">
                 <a:solidFill>
                   <a:schemeClr val="tx1">
                     <a:tint val="75000"/>
@@ -1120,13 +3573,7 @@
       </p:sp>
       <p:sp>
         <p:nvSpPr>
-          <p:cNvPr id="4" name="Espace réservé de la date 3">
-            <a:extLst>
-              <a:ext uri="{FF2B5EF4-FFF2-40B4-BE49-F238E27FC236}">
-                <a16:creationId xmlns:a16="http://schemas.microsoft.com/office/drawing/2014/main" id="{5C488D43-FE8A-0824-3CDA-F619F217180B}"/>
-              </a:ext>
-            </a:extLst>
-          </p:cNvPr>
+          <p:cNvPr id="4" name="Date Placeholder 3"/>
           <p:cNvSpPr>
             <a:spLocks noGrp="1"/>
           </p:cNvSpPr>
@@ -1149,13 +3596,7 @@
       </p:sp>
       <p:sp>
         <p:nvSpPr>
-          <p:cNvPr id="5" name="Espace réservé du pied de page 4">
-            <a:extLst>
-              <a:ext uri="{FF2B5EF4-FFF2-40B4-BE49-F238E27FC236}">
-                <a16:creationId xmlns:a16="http://schemas.microsoft.com/office/drawing/2014/main" id="{058D1A4B-C697-47BE-903A-396E1F4EC0B1}"/>
-              </a:ext>
-            </a:extLst>
-          </p:cNvPr>
+          <p:cNvPr id="5" name="Footer Placeholder 4"/>
           <p:cNvSpPr>
             <a:spLocks noGrp="1"/>
           </p:cNvSpPr>
@@ -1174,13 +3615,7 @@
       </p:sp>
       <p:sp>
         <p:nvSpPr>
-          <p:cNvPr id="6" name="Espace réservé du numéro de diapositive 5">
-            <a:extLst>
-              <a:ext uri="{FF2B5EF4-FFF2-40B4-BE49-F238E27FC236}">
-                <a16:creationId xmlns:a16="http://schemas.microsoft.com/office/drawing/2014/main" id="{611BEBEF-4E48-21D2-64D5-2CCA2B381CC6}"/>
-              </a:ext>
-            </a:extLst>
-          </p:cNvPr>
+          <p:cNvPr id="6" name="Slide Number Placeholder 5"/>
           <p:cNvSpPr>
             <a:spLocks noGrp="1"/>
           </p:cNvSpPr>
@@ -1204,7 +3639,7 @@
     </p:spTree>
     <p:extLst>
       <p:ext uri="{BB962C8B-B14F-4D97-AF65-F5344CB8AC3E}">
-        <p14:creationId xmlns:p14="http://schemas.microsoft.com/office/powerpoint/2010/main" val="3154974827"/>
+        <p14:creationId xmlns:p14="http://schemas.microsoft.com/office/powerpoint/2010/main" val="2314382472"/>
       </p:ext>
     </p:extLst>
   </p:cSld>
@@ -1233,13 +3668,7 @@
       </p:grpSpPr>
       <p:sp>
         <p:nvSpPr>
-          <p:cNvPr id="2" name="Titre 1">
-            <a:extLst>
-              <a:ext uri="{FF2B5EF4-FFF2-40B4-BE49-F238E27FC236}">
-                <a16:creationId xmlns:a16="http://schemas.microsoft.com/office/drawing/2014/main" id="{F05AB2DB-FE98-9734-CF84-B3A93D3A9704}"/>
-              </a:ext>
-            </a:extLst>
-          </p:cNvPr>
+          <p:cNvPr id="2" name="Title 1"/>
           <p:cNvSpPr>
             <a:spLocks noGrp="1"/>
           </p:cNvSpPr>
@@ -1256,18 +3685,13 @@
               <a:rPr lang="fr-FR"/>
               <a:t>Modifiez le style du titre</a:t>
             </a:r>
-          </a:p>
-        </p:txBody>
-      </p:sp>
-      <p:sp>
-        <p:nvSpPr>
-          <p:cNvPr id="3" name="Espace réservé du contenu 2">
-            <a:extLst>
-              <a:ext uri="{FF2B5EF4-FFF2-40B4-BE49-F238E27FC236}">
-                <a16:creationId xmlns:a16="http://schemas.microsoft.com/office/drawing/2014/main" id="{BA458298-EBB5-961A-09E8-B8126C908EC6}"/>
-              </a:ext>
-            </a:extLst>
-          </p:cNvPr>
+            <a:endParaRPr lang="en-US" dirty="0"/>
+          </a:p>
+        </p:txBody>
+      </p:sp>
+      <p:sp>
+        <p:nvSpPr>
+          <p:cNvPr id="3" name="Content Placeholder 2"/>
           <p:cNvSpPr>
             <a:spLocks noGrp="1"/>
           </p:cNvSpPr>
@@ -1277,13 +3701,43 @@
         </p:nvSpPr>
         <p:spPr>
           <a:xfrm>
-            <a:off x="838200" y="1825625"/>
-            <a:ext cx="5181600" cy="4351338"/>
-          </a:xfrm>
-        </p:spPr>
-        <p:txBody>
-          <a:bodyPr/>
-          <a:lstStyle/>
+            <a:off x="1103312" y="2060575"/>
+            <a:ext cx="4396339" cy="4195763"/>
+          </a:xfrm>
+        </p:spPr>
+        <p:txBody>
+          <a:bodyPr>
+            <a:normAutofit/>
+          </a:bodyPr>
+          <a:lstStyle>
+            <a:lvl1pPr>
+              <a:defRPr sz="1800"/>
+            </a:lvl1pPr>
+            <a:lvl2pPr>
+              <a:defRPr sz="1600"/>
+            </a:lvl2pPr>
+            <a:lvl3pPr>
+              <a:defRPr sz="1400"/>
+            </a:lvl3pPr>
+            <a:lvl4pPr>
+              <a:defRPr sz="1200"/>
+            </a:lvl4pPr>
+            <a:lvl5pPr>
+              <a:defRPr sz="1200"/>
+            </a:lvl5pPr>
+            <a:lvl6pPr>
+              <a:defRPr sz="1200"/>
+            </a:lvl6pPr>
+            <a:lvl7pPr>
+              <a:defRPr sz="1200"/>
+            </a:lvl7pPr>
+            <a:lvl8pPr>
+              <a:defRPr sz="1200"/>
+            </a:lvl8pPr>
+            <a:lvl9pPr>
+              <a:defRPr sz="1200"/>
+            </a:lvl9pPr>
+          </a:lstStyle>
           <a:p>
             <a:pPr lvl="0"/>
             <a:r>
@@ -1318,18 +3772,13 @@
               <a:rPr lang="fr-FR"/>
               <a:t>Cinquième niveau</a:t>
             </a:r>
-          </a:p>
-        </p:txBody>
-      </p:sp>
-      <p:sp>
-        <p:nvSpPr>
-          <p:cNvPr id="4" name="Espace réservé du contenu 3">
-            <a:extLst>
-              <a:ext uri="{FF2B5EF4-FFF2-40B4-BE49-F238E27FC236}">
-                <a16:creationId xmlns:a16="http://schemas.microsoft.com/office/drawing/2014/main" id="{F639A626-866B-BBCA-FA48-975A329ECD3E}"/>
-              </a:ext>
-            </a:extLst>
-          </p:cNvPr>
+            <a:endParaRPr lang="en-US" dirty="0"/>
+          </a:p>
+        </p:txBody>
+      </p:sp>
+      <p:sp>
+        <p:nvSpPr>
+          <p:cNvPr id="4" name="Content Placeholder 3"/>
           <p:cNvSpPr>
             <a:spLocks noGrp="1"/>
           </p:cNvSpPr>
@@ -1339,13 +3788,43 @@
         </p:nvSpPr>
         <p:spPr>
           <a:xfrm>
-            <a:off x="6172200" y="1825625"/>
-            <a:ext cx="5181600" cy="4351338"/>
-          </a:xfrm>
-        </p:spPr>
-        <p:txBody>
-          <a:bodyPr/>
-          <a:lstStyle/>
+            <a:off x="5654493" y="2056092"/>
+            <a:ext cx="4396341" cy="4200245"/>
+          </a:xfrm>
+        </p:spPr>
+        <p:txBody>
+          <a:bodyPr>
+            <a:normAutofit/>
+          </a:bodyPr>
+          <a:lstStyle>
+            <a:lvl1pPr>
+              <a:defRPr sz="1800"/>
+            </a:lvl1pPr>
+            <a:lvl2pPr>
+              <a:defRPr sz="1600"/>
+            </a:lvl2pPr>
+            <a:lvl3pPr>
+              <a:defRPr sz="1400"/>
+            </a:lvl3pPr>
+            <a:lvl4pPr>
+              <a:defRPr sz="1200"/>
+            </a:lvl4pPr>
+            <a:lvl5pPr>
+              <a:defRPr sz="1200"/>
+            </a:lvl5pPr>
+            <a:lvl6pPr>
+              <a:defRPr sz="1200"/>
+            </a:lvl6pPr>
+            <a:lvl7pPr>
+              <a:defRPr sz="1200"/>
+            </a:lvl7pPr>
+            <a:lvl8pPr>
+              <a:defRPr sz="1200"/>
+            </a:lvl8pPr>
+            <a:lvl9pPr>
+              <a:defRPr sz="1200"/>
+            </a:lvl9pPr>
+          </a:lstStyle>
           <a:p>
             <a:pPr lvl="0"/>
             <a:r>
@@ -1380,18 +3859,13 @@
               <a:rPr lang="fr-FR"/>
               <a:t>Cinquième niveau</a:t>
             </a:r>
-          </a:p>
-        </p:txBody>
-      </p:sp>
-      <p:sp>
-        <p:nvSpPr>
-          <p:cNvPr id="5" name="Espace réservé de la date 4">
-            <a:extLst>
-              <a:ext uri="{FF2B5EF4-FFF2-40B4-BE49-F238E27FC236}">
-                <a16:creationId xmlns:a16="http://schemas.microsoft.com/office/drawing/2014/main" id="{8FC323CC-2C15-282D-6C54-408090E23269}"/>
-              </a:ext>
-            </a:extLst>
-          </p:cNvPr>
+            <a:endParaRPr lang="en-US" dirty="0"/>
+          </a:p>
+        </p:txBody>
+      </p:sp>
+      <p:sp>
+        <p:nvSpPr>
+          <p:cNvPr id="5" name="Date Placeholder 4"/>
           <p:cNvSpPr>
             <a:spLocks noGrp="1"/>
           </p:cNvSpPr>
@@ -1414,13 +3888,7 @@
       </p:sp>
       <p:sp>
         <p:nvSpPr>
-          <p:cNvPr id="6" name="Espace réservé du pied de page 5">
-            <a:extLst>
-              <a:ext uri="{FF2B5EF4-FFF2-40B4-BE49-F238E27FC236}">
-                <a16:creationId xmlns:a16="http://schemas.microsoft.com/office/drawing/2014/main" id="{D5854F70-204A-B7BD-68FC-2E3F0C92F46A}"/>
-              </a:ext>
-            </a:extLst>
-          </p:cNvPr>
+          <p:cNvPr id="6" name="Footer Placeholder 5"/>
           <p:cNvSpPr>
             <a:spLocks noGrp="1"/>
           </p:cNvSpPr>
@@ -1439,13 +3907,7 @@
       </p:sp>
       <p:sp>
         <p:nvSpPr>
-          <p:cNvPr id="7" name="Espace réservé du numéro de diapositive 6">
-            <a:extLst>
-              <a:ext uri="{FF2B5EF4-FFF2-40B4-BE49-F238E27FC236}">
-                <a16:creationId xmlns:a16="http://schemas.microsoft.com/office/drawing/2014/main" id="{CC1CF361-38C0-980E-9829-E32C0393631E}"/>
-              </a:ext>
-            </a:extLst>
-          </p:cNvPr>
+          <p:cNvPr id="7" name="Slide Number Placeholder 6"/>
           <p:cNvSpPr>
             <a:spLocks noGrp="1"/>
           </p:cNvSpPr>
@@ -1469,7 +3931,7 @@
     </p:spTree>
     <p:extLst>
       <p:ext uri="{BB962C8B-B14F-4D97-AF65-F5344CB8AC3E}">
-        <p14:creationId xmlns:p14="http://schemas.microsoft.com/office/powerpoint/2010/main" val="1125812305"/>
+        <p14:creationId xmlns:p14="http://schemas.microsoft.com/office/powerpoint/2010/main" val="3009743531"/>
       </p:ext>
     </p:extLst>
   </p:cSld>
@@ -1498,13 +3960,7 @@
       </p:grpSpPr>
       <p:sp>
         <p:nvSpPr>
-          <p:cNvPr id="2" name="Titre 1">
-            <a:extLst>
-              <a:ext uri="{FF2B5EF4-FFF2-40B4-BE49-F238E27FC236}">
-                <a16:creationId xmlns:a16="http://schemas.microsoft.com/office/drawing/2014/main" id="{304B0E79-DB4D-0803-9147-C7B52D971815}"/>
-              </a:ext>
-            </a:extLst>
-          </p:cNvPr>
+          <p:cNvPr id="2" name="Title 1"/>
           <p:cNvSpPr>
             <a:spLocks noGrp="1"/>
           </p:cNvSpPr>
@@ -1512,32 +3968,26 @@
             <p:ph type="title"/>
           </p:nvPr>
         </p:nvSpPr>
-        <p:spPr>
-          <a:xfrm>
-            <a:off x="839788" y="365125"/>
-            <a:ext cx="10515600" cy="1325563"/>
-          </a:xfrm>
-        </p:spPr>
+        <p:spPr/>
         <p:txBody>
           <a:bodyPr/>
-          <a:lstStyle/>
+          <a:lstStyle>
+            <a:lvl1pPr>
+              <a:defRPr/>
+            </a:lvl1pPr>
+          </a:lstStyle>
           <a:p>
             <a:r>
               <a:rPr lang="fr-FR"/>
               <a:t>Modifiez le style du titre</a:t>
             </a:r>
-          </a:p>
-        </p:txBody>
-      </p:sp>
-      <p:sp>
-        <p:nvSpPr>
-          <p:cNvPr id="3" name="Espace réservé du texte 2">
-            <a:extLst>
-              <a:ext uri="{FF2B5EF4-FFF2-40B4-BE49-F238E27FC236}">
-                <a16:creationId xmlns:a16="http://schemas.microsoft.com/office/drawing/2014/main" id="{3F5FAD4F-D241-7D25-ECD1-2168B32CF8C1}"/>
-              </a:ext>
-            </a:extLst>
-          </p:cNvPr>
+            <a:endParaRPr lang="en-US" dirty="0"/>
+          </a:p>
+        </p:txBody>
+      </p:sp>
+      <p:sp>
+        <p:nvSpPr>
+          <p:cNvPr id="3" name="Text Placeholder 2"/>
           <p:cNvSpPr>
             <a:spLocks noGrp="1"/>
           </p:cNvSpPr>
@@ -1547,16 +3997,22 @@
         </p:nvSpPr>
         <p:spPr>
           <a:xfrm>
-            <a:off x="839788" y="1681163"/>
-            <a:ext cx="5157787" cy="823912"/>
-          </a:xfrm>
-        </p:spPr>
-        <p:txBody>
-          <a:bodyPr anchor="b"/>
+            <a:off x="1103313" y="1905000"/>
+            <a:ext cx="4396338" cy="576262"/>
+          </a:xfrm>
+        </p:spPr>
+        <p:txBody>
+          <a:bodyPr anchor="b">
+            <a:noAutofit/>
+          </a:bodyPr>
           <a:lstStyle>
             <a:lvl1pPr marL="0" indent="0">
               <a:buNone/>
-              <a:defRPr sz="2400" b="1"/>
+              <a:defRPr sz="2400" b="0">
+                <a:solidFill>
+                  <a:schemeClr val="accent1"/>
+                </a:solidFill>
+              </a:defRPr>
             </a:lvl1pPr>
             <a:lvl2pPr marL="457200" indent="0">
               <a:buNone/>
@@ -1602,13 +4058,7 @@
       </p:sp>
       <p:sp>
         <p:nvSpPr>
-          <p:cNvPr id="4" name="Espace réservé du contenu 3">
-            <a:extLst>
-              <a:ext uri="{FF2B5EF4-FFF2-40B4-BE49-F238E27FC236}">
-                <a16:creationId xmlns:a16="http://schemas.microsoft.com/office/drawing/2014/main" id="{2718F50C-E249-2811-BBBF-A401CED79853}"/>
-              </a:ext>
-            </a:extLst>
-          </p:cNvPr>
+          <p:cNvPr id="4" name="Content Placeholder 3"/>
           <p:cNvSpPr>
             <a:spLocks noGrp="1"/>
           </p:cNvSpPr>
@@ -1618,13 +4068,43 @@
         </p:nvSpPr>
         <p:spPr>
           <a:xfrm>
-            <a:off x="839788" y="2505075"/>
-            <a:ext cx="5157787" cy="3684588"/>
-          </a:xfrm>
-        </p:spPr>
-        <p:txBody>
-          <a:bodyPr/>
-          <a:lstStyle/>
+            <a:off x="1103312" y="2514600"/>
+            <a:ext cx="4396339" cy="3741738"/>
+          </a:xfrm>
+        </p:spPr>
+        <p:txBody>
+          <a:bodyPr>
+            <a:normAutofit/>
+          </a:bodyPr>
+          <a:lstStyle>
+            <a:lvl1pPr>
+              <a:defRPr sz="1800"/>
+            </a:lvl1pPr>
+            <a:lvl2pPr>
+              <a:defRPr sz="1600"/>
+            </a:lvl2pPr>
+            <a:lvl3pPr>
+              <a:defRPr sz="1400"/>
+            </a:lvl3pPr>
+            <a:lvl4pPr>
+              <a:defRPr sz="1200"/>
+            </a:lvl4pPr>
+            <a:lvl5pPr>
+              <a:defRPr sz="1200"/>
+            </a:lvl5pPr>
+            <a:lvl6pPr>
+              <a:defRPr sz="1200"/>
+            </a:lvl6pPr>
+            <a:lvl7pPr>
+              <a:defRPr sz="1200"/>
+            </a:lvl7pPr>
+            <a:lvl8pPr>
+              <a:defRPr sz="1200"/>
+            </a:lvl8pPr>
+            <a:lvl9pPr>
+              <a:defRPr sz="1200"/>
+            </a:lvl9pPr>
+          </a:lstStyle>
           <a:p>
             <a:pPr lvl="0"/>
             <a:r>
@@ -1659,18 +4139,13 @@
               <a:rPr lang="fr-FR"/>
               <a:t>Cinquième niveau</a:t>
             </a:r>
-          </a:p>
-        </p:txBody>
-      </p:sp>
-      <p:sp>
-        <p:nvSpPr>
-          <p:cNvPr id="5" name="Espace réservé du texte 4">
-            <a:extLst>
-              <a:ext uri="{FF2B5EF4-FFF2-40B4-BE49-F238E27FC236}">
-                <a16:creationId xmlns:a16="http://schemas.microsoft.com/office/drawing/2014/main" id="{5D8B7ECD-02CF-1218-5BFB-BBC744005399}"/>
-              </a:ext>
-            </a:extLst>
-          </p:cNvPr>
+            <a:endParaRPr lang="en-US" dirty="0"/>
+          </a:p>
+        </p:txBody>
+      </p:sp>
+      <p:sp>
+        <p:nvSpPr>
+          <p:cNvPr id="5" name="Text Placeholder 4"/>
           <p:cNvSpPr>
             <a:spLocks noGrp="1"/>
           </p:cNvSpPr>
@@ -1680,16 +4155,22 @@
         </p:nvSpPr>
         <p:spPr>
           <a:xfrm>
-            <a:off x="6172200" y="1681163"/>
-            <a:ext cx="5183188" cy="823912"/>
-          </a:xfrm>
-        </p:spPr>
-        <p:txBody>
-          <a:bodyPr anchor="b"/>
+            <a:off x="5654495" y="1905000"/>
+            <a:ext cx="4396339" cy="576262"/>
+          </a:xfrm>
+        </p:spPr>
+        <p:txBody>
+          <a:bodyPr anchor="b">
+            <a:noAutofit/>
+          </a:bodyPr>
           <a:lstStyle>
             <a:lvl1pPr marL="0" indent="0">
               <a:buNone/>
-              <a:defRPr sz="2400" b="1"/>
+              <a:defRPr sz="2400" b="0">
+                <a:solidFill>
+                  <a:schemeClr val="accent1"/>
+                </a:solidFill>
+              </a:defRPr>
             </a:lvl1pPr>
             <a:lvl2pPr marL="457200" indent="0">
               <a:buNone/>
@@ -1735,13 +4216,7 @@
       </p:sp>
       <p:sp>
         <p:nvSpPr>
-          <p:cNvPr id="6" name="Espace réservé du contenu 5">
-            <a:extLst>
-              <a:ext uri="{FF2B5EF4-FFF2-40B4-BE49-F238E27FC236}">
-                <a16:creationId xmlns:a16="http://schemas.microsoft.com/office/drawing/2014/main" id="{D3F1B09B-7B47-7635-2FD5-6CC779632A76}"/>
-              </a:ext>
-            </a:extLst>
-          </p:cNvPr>
+          <p:cNvPr id="6" name="Content Placeholder 5"/>
           <p:cNvSpPr>
             <a:spLocks noGrp="1"/>
           </p:cNvSpPr>
@@ -1751,13 +4226,43 @@
         </p:nvSpPr>
         <p:spPr>
           <a:xfrm>
-            <a:off x="6172200" y="2505075"/>
-            <a:ext cx="5183188" cy="3684588"/>
-          </a:xfrm>
-        </p:spPr>
-        <p:txBody>
-          <a:bodyPr/>
-          <a:lstStyle/>
+            <a:off x="5654495" y="2514600"/>
+            <a:ext cx="4396339" cy="3741738"/>
+          </a:xfrm>
+        </p:spPr>
+        <p:txBody>
+          <a:bodyPr>
+            <a:normAutofit/>
+          </a:bodyPr>
+          <a:lstStyle>
+            <a:lvl1pPr>
+              <a:defRPr sz="1800"/>
+            </a:lvl1pPr>
+            <a:lvl2pPr>
+              <a:defRPr sz="1600"/>
+            </a:lvl2pPr>
+            <a:lvl3pPr>
+              <a:defRPr sz="1400"/>
+            </a:lvl3pPr>
+            <a:lvl4pPr>
+              <a:defRPr sz="1200"/>
+            </a:lvl4pPr>
+            <a:lvl5pPr>
+              <a:defRPr sz="1200"/>
+            </a:lvl5pPr>
+            <a:lvl6pPr>
+              <a:defRPr sz="1200"/>
+            </a:lvl6pPr>
+            <a:lvl7pPr>
+              <a:defRPr sz="1200"/>
+            </a:lvl7pPr>
+            <a:lvl8pPr>
+              <a:defRPr sz="1200"/>
+            </a:lvl8pPr>
+            <a:lvl9pPr>
+              <a:defRPr sz="1200"/>
+            </a:lvl9pPr>
+          </a:lstStyle>
           <a:p>
             <a:pPr lvl="0"/>
             <a:r>
@@ -1792,18 +4297,13 @@
               <a:rPr lang="fr-FR"/>
               <a:t>Cinquième niveau</a:t>
             </a:r>
-          </a:p>
-        </p:txBody>
-      </p:sp>
-      <p:sp>
-        <p:nvSpPr>
-          <p:cNvPr id="7" name="Espace réservé de la date 6">
-            <a:extLst>
-              <a:ext uri="{FF2B5EF4-FFF2-40B4-BE49-F238E27FC236}">
-                <a16:creationId xmlns:a16="http://schemas.microsoft.com/office/drawing/2014/main" id="{5CD769C2-F068-D1D8-819D-8CAA1484AFEC}"/>
-              </a:ext>
-            </a:extLst>
-          </p:cNvPr>
+            <a:endParaRPr lang="en-US" dirty="0"/>
+          </a:p>
+        </p:txBody>
+      </p:sp>
+      <p:sp>
+        <p:nvSpPr>
+          <p:cNvPr id="7" name="Date Placeholder 6"/>
           <p:cNvSpPr>
             <a:spLocks noGrp="1"/>
           </p:cNvSpPr>
@@ -1826,13 +4326,7 @@
       </p:sp>
       <p:sp>
         <p:nvSpPr>
-          <p:cNvPr id="8" name="Espace réservé du pied de page 7">
-            <a:extLst>
-              <a:ext uri="{FF2B5EF4-FFF2-40B4-BE49-F238E27FC236}">
-                <a16:creationId xmlns:a16="http://schemas.microsoft.com/office/drawing/2014/main" id="{50578C88-B297-1637-CBE7-A2D1D4E90935}"/>
-              </a:ext>
-            </a:extLst>
-          </p:cNvPr>
+          <p:cNvPr id="8" name="Footer Placeholder 7"/>
           <p:cNvSpPr>
             <a:spLocks noGrp="1"/>
           </p:cNvSpPr>
@@ -1851,13 +4345,7 @@
       </p:sp>
       <p:sp>
         <p:nvSpPr>
-          <p:cNvPr id="9" name="Espace réservé du numéro de diapositive 8">
-            <a:extLst>
-              <a:ext uri="{FF2B5EF4-FFF2-40B4-BE49-F238E27FC236}">
-                <a16:creationId xmlns:a16="http://schemas.microsoft.com/office/drawing/2014/main" id="{02846CE4-DFF6-9595-0C8F-0FE85827C818}"/>
-              </a:ext>
-            </a:extLst>
-          </p:cNvPr>
+          <p:cNvPr id="9" name="Slide Number Placeholder 8"/>
           <p:cNvSpPr>
             <a:spLocks noGrp="1"/>
           </p:cNvSpPr>
@@ -1881,7 +4369,7 @@
     </p:spTree>
     <p:extLst>
       <p:ext uri="{BB962C8B-B14F-4D97-AF65-F5344CB8AC3E}">
-        <p14:creationId xmlns:p14="http://schemas.microsoft.com/office/powerpoint/2010/main" val="3624503958"/>
+        <p14:creationId xmlns:p14="http://schemas.microsoft.com/office/powerpoint/2010/main" val="349065439"/>
       </p:ext>
     </p:extLst>
   </p:cSld>
@@ -1910,13 +4398,7 @@
       </p:grpSpPr>
       <p:sp>
         <p:nvSpPr>
-          <p:cNvPr id="2" name="Titre 1">
-            <a:extLst>
-              <a:ext uri="{FF2B5EF4-FFF2-40B4-BE49-F238E27FC236}">
-                <a16:creationId xmlns:a16="http://schemas.microsoft.com/office/drawing/2014/main" id="{57B516ED-F9AD-37C9-CF36-2C2C9BB4AD31}"/>
-              </a:ext>
-            </a:extLst>
-          </p:cNvPr>
+          <p:cNvPr id="2" name="Title 1"/>
           <p:cNvSpPr>
             <a:spLocks noGrp="1"/>
           </p:cNvSpPr>
@@ -1933,18 +4415,13 @@
               <a:rPr lang="fr-FR"/>
               <a:t>Modifiez le style du titre</a:t>
             </a:r>
-          </a:p>
-        </p:txBody>
-      </p:sp>
-      <p:sp>
-        <p:nvSpPr>
-          <p:cNvPr id="3" name="Espace réservé de la date 2">
-            <a:extLst>
-              <a:ext uri="{FF2B5EF4-FFF2-40B4-BE49-F238E27FC236}">
-                <a16:creationId xmlns:a16="http://schemas.microsoft.com/office/drawing/2014/main" id="{2B90C79C-3AB4-A919-68A1-3525AB909C89}"/>
-              </a:ext>
-            </a:extLst>
-          </p:cNvPr>
+            <a:endParaRPr lang="en-US" dirty="0"/>
+          </a:p>
+        </p:txBody>
+      </p:sp>
+      <p:sp>
+        <p:nvSpPr>
+          <p:cNvPr id="7" name="Date Placeholder 2"/>
           <p:cNvSpPr>
             <a:spLocks noGrp="1"/>
           </p:cNvSpPr>
@@ -1967,13 +4444,7 @@
       </p:sp>
       <p:sp>
         <p:nvSpPr>
-          <p:cNvPr id="4" name="Espace réservé du pied de page 3">
-            <a:extLst>
-              <a:ext uri="{FF2B5EF4-FFF2-40B4-BE49-F238E27FC236}">
-                <a16:creationId xmlns:a16="http://schemas.microsoft.com/office/drawing/2014/main" id="{B655EA2D-3D53-12D0-49C0-996BEF39FAB8}"/>
-              </a:ext>
-            </a:extLst>
-          </p:cNvPr>
+          <p:cNvPr id="5" name="Footer Placeholder 3"/>
           <p:cNvSpPr>
             <a:spLocks noGrp="1"/>
           </p:cNvSpPr>
@@ -1992,13 +4463,7 @@
       </p:sp>
       <p:sp>
         <p:nvSpPr>
-          <p:cNvPr id="5" name="Espace réservé du numéro de diapositive 4">
-            <a:extLst>
-              <a:ext uri="{FF2B5EF4-FFF2-40B4-BE49-F238E27FC236}">
-                <a16:creationId xmlns:a16="http://schemas.microsoft.com/office/drawing/2014/main" id="{59CCF070-D99B-3542-9B74-F1651FD5A762}"/>
-              </a:ext>
-            </a:extLst>
-          </p:cNvPr>
+          <p:cNvPr id="6" name="Slide Number Placeholder 4"/>
           <p:cNvSpPr>
             <a:spLocks noGrp="1"/>
           </p:cNvSpPr>
@@ -2022,7 +4487,7 @@
     </p:spTree>
     <p:extLst>
       <p:ext uri="{BB962C8B-B14F-4D97-AF65-F5344CB8AC3E}">
-        <p14:creationId xmlns:p14="http://schemas.microsoft.com/office/powerpoint/2010/main" val="4005696305"/>
+        <p14:creationId xmlns:p14="http://schemas.microsoft.com/office/powerpoint/2010/main" val="1486914715"/>
       </p:ext>
     </p:extLst>
   </p:cSld>
@@ -2051,13 +4516,7 @@
       </p:grpSpPr>
       <p:sp>
         <p:nvSpPr>
-          <p:cNvPr id="2" name="Espace réservé de la date 1">
-            <a:extLst>
-              <a:ext uri="{FF2B5EF4-FFF2-40B4-BE49-F238E27FC236}">
-                <a16:creationId xmlns:a16="http://schemas.microsoft.com/office/drawing/2014/main" id="{0BF092BE-D32A-C890-A630-986A276B02B8}"/>
-              </a:ext>
-            </a:extLst>
-          </p:cNvPr>
+          <p:cNvPr id="7" name="Date Placeholder 1"/>
           <p:cNvSpPr>
             <a:spLocks noGrp="1"/>
           </p:cNvSpPr>
@@ -2080,13 +4539,7 @@
       </p:sp>
       <p:sp>
         <p:nvSpPr>
-          <p:cNvPr id="3" name="Espace réservé du pied de page 2">
-            <a:extLst>
-              <a:ext uri="{FF2B5EF4-FFF2-40B4-BE49-F238E27FC236}">
-                <a16:creationId xmlns:a16="http://schemas.microsoft.com/office/drawing/2014/main" id="{CF1B342C-3244-3482-DB6C-C1B8FCA28B12}"/>
-              </a:ext>
-            </a:extLst>
-          </p:cNvPr>
+          <p:cNvPr id="5" name="Footer Placeholder 2"/>
           <p:cNvSpPr>
             <a:spLocks noGrp="1"/>
           </p:cNvSpPr>
@@ -2105,13 +4558,7 @@
       </p:sp>
       <p:sp>
         <p:nvSpPr>
-          <p:cNvPr id="4" name="Espace réservé du numéro de diapositive 3">
-            <a:extLst>
-              <a:ext uri="{FF2B5EF4-FFF2-40B4-BE49-F238E27FC236}">
-                <a16:creationId xmlns:a16="http://schemas.microsoft.com/office/drawing/2014/main" id="{02BBB13A-E819-D661-2F5E-7007438E8808}"/>
-              </a:ext>
-            </a:extLst>
-          </p:cNvPr>
+          <p:cNvPr id="6" name="Slide Number Placeholder 3"/>
           <p:cNvSpPr>
             <a:spLocks noGrp="1"/>
           </p:cNvSpPr>
@@ -2135,7 +4582,7 @@
     </p:spTree>
     <p:extLst>
       <p:ext uri="{BB962C8B-B14F-4D97-AF65-F5344CB8AC3E}">
-        <p14:creationId xmlns:p14="http://schemas.microsoft.com/office/powerpoint/2010/main" val="2011840299"/>
+        <p14:creationId xmlns:p14="http://schemas.microsoft.com/office/powerpoint/2010/main" val="2776521938"/>
       </p:ext>
     </p:extLst>
   </p:cSld>
@@ -2164,13 +4611,7 @@
       </p:grpSpPr>
       <p:sp>
         <p:nvSpPr>
-          <p:cNvPr id="2" name="Titre 1">
-            <a:extLst>
-              <a:ext uri="{FF2B5EF4-FFF2-40B4-BE49-F238E27FC236}">
-                <a16:creationId xmlns:a16="http://schemas.microsoft.com/office/drawing/2014/main" id="{8C0F0E51-9AE8-2DB0-33B6-BD5CCCFA725E}"/>
-              </a:ext>
-            </a:extLst>
-          </p:cNvPr>
+          <p:cNvPr id="2" name="Title 1"/>
           <p:cNvSpPr>
             <a:spLocks noGrp="1"/>
           </p:cNvSpPr>
@@ -2180,15 +4621,15 @@
         </p:nvSpPr>
         <p:spPr>
           <a:xfrm>
-            <a:off x="839788" y="457200"/>
-            <a:ext cx="3932237" cy="1600200"/>
+            <a:off x="1154954" y="1447800"/>
+            <a:ext cx="3401064" cy="1447800"/>
           </a:xfrm>
         </p:spPr>
         <p:txBody>
           <a:bodyPr anchor="b"/>
           <a:lstStyle>
-            <a:lvl1pPr>
-              <a:defRPr sz="3200"/>
+            <a:lvl1pPr algn="l">
+              <a:defRPr sz="2400" b="0"/>
             </a:lvl1pPr>
           </a:lstStyle>
           <a:p>
@@ -2196,18 +4637,13 @@
               <a:rPr lang="fr-FR"/>
               <a:t>Modifiez le style du titre</a:t>
             </a:r>
-          </a:p>
-        </p:txBody>
-      </p:sp>
-      <p:sp>
-        <p:nvSpPr>
-          <p:cNvPr id="3" name="Espace réservé du contenu 2">
-            <a:extLst>
-              <a:ext uri="{FF2B5EF4-FFF2-40B4-BE49-F238E27FC236}">
-                <a16:creationId xmlns:a16="http://schemas.microsoft.com/office/drawing/2014/main" id="{706A7FEE-0628-A85C-CE2B-B7E31BA5CE35}"/>
-              </a:ext>
-            </a:extLst>
-          </p:cNvPr>
+            <a:endParaRPr lang="en-US" dirty="0"/>
+          </a:p>
+        </p:txBody>
+      </p:sp>
+      <p:sp>
+        <p:nvSpPr>
+          <p:cNvPr id="3" name="Content Placeholder 2"/>
           <p:cNvSpPr>
             <a:spLocks noGrp="1"/>
           </p:cNvSpPr>
@@ -2217,39 +4653,41 @@
         </p:nvSpPr>
         <p:spPr>
           <a:xfrm>
-            <a:off x="5183188" y="987425"/>
-            <a:ext cx="6172200" cy="4873625"/>
-          </a:xfrm>
-        </p:spPr>
-        <p:txBody>
-          <a:bodyPr/>
+            <a:off x="4784616" y="1447800"/>
+            <a:ext cx="5195997" cy="4572000"/>
+          </a:xfrm>
+        </p:spPr>
+        <p:txBody>
+          <a:bodyPr anchor="ctr">
+            <a:normAutofit/>
+          </a:bodyPr>
           <a:lstStyle>
             <a:lvl1pPr>
-              <a:defRPr sz="3200"/>
+              <a:defRPr sz="2000"/>
             </a:lvl1pPr>
             <a:lvl2pPr>
-              <a:defRPr sz="2800"/>
+              <a:defRPr sz="1800"/>
             </a:lvl2pPr>
             <a:lvl3pPr>
-              <a:defRPr sz="2400"/>
+              <a:defRPr sz="1600"/>
             </a:lvl3pPr>
             <a:lvl4pPr>
-              <a:defRPr sz="2000"/>
+              <a:defRPr sz="1400"/>
             </a:lvl4pPr>
             <a:lvl5pPr>
-              <a:defRPr sz="2000"/>
+              <a:defRPr sz="1400"/>
             </a:lvl5pPr>
             <a:lvl6pPr>
-              <a:defRPr sz="2000"/>
+              <a:defRPr sz="1400"/>
             </a:lvl6pPr>
             <a:lvl7pPr>
-              <a:defRPr sz="2000"/>
+              <a:defRPr sz="1400"/>
             </a:lvl7pPr>
             <a:lvl8pPr>
-              <a:defRPr sz="2000"/>
+              <a:defRPr sz="1400"/>
             </a:lvl8pPr>
             <a:lvl9pPr>
-              <a:defRPr sz="2000"/>
+              <a:defRPr sz="1400"/>
             </a:lvl9pPr>
           </a:lstStyle>
           <a:p>
@@ -2286,18 +4724,13 @@
               <a:rPr lang="fr-FR"/>
               <a:t>Cinquième niveau</a:t>
             </a:r>
-          </a:p>
-        </p:txBody>
-      </p:sp>
-      <p:sp>
-        <p:nvSpPr>
-          <p:cNvPr id="4" name="Espace réservé du texte 3">
-            <a:extLst>
-              <a:ext uri="{FF2B5EF4-FFF2-40B4-BE49-F238E27FC236}">
-                <a16:creationId xmlns:a16="http://schemas.microsoft.com/office/drawing/2014/main" id="{23B96128-8535-2C9A-D202-BDFD589590C5}"/>
-              </a:ext>
-            </a:extLst>
-          </p:cNvPr>
+            <a:endParaRPr lang="en-US" dirty="0"/>
+          </a:p>
+        </p:txBody>
+      </p:sp>
+      <p:sp>
+        <p:nvSpPr>
+          <p:cNvPr id="4" name="Text Placeholder 3"/>
           <p:cNvSpPr>
             <a:spLocks noGrp="1"/>
           </p:cNvSpPr>
@@ -2307,8 +4740,8 @@
         </p:nvSpPr>
         <p:spPr>
           <a:xfrm>
-            <a:off x="839788" y="2057400"/>
-            <a:ext cx="3932237" cy="3811588"/>
+            <a:off x="1154954" y="3129280"/>
+            <a:ext cx="3401063" cy="2895599"/>
           </a:xfrm>
         </p:spPr>
         <p:txBody>
@@ -2316,39 +4749,39 @@
           <a:lstStyle>
             <a:lvl1pPr marL="0" indent="0">
               <a:buNone/>
-              <a:defRPr sz="1600"/>
+              <a:defRPr sz="1400"/>
             </a:lvl1pPr>
             <a:lvl2pPr marL="457200" indent="0">
               <a:buNone/>
-              <a:defRPr sz="1400"/>
+              <a:defRPr sz="1200"/>
             </a:lvl2pPr>
             <a:lvl3pPr marL="914400" indent="0">
               <a:buNone/>
-              <a:defRPr sz="1200"/>
+              <a:defRPr sz="1000"/>
             </a:lvl3pPr>
             <a:lvl4pPr marL="1371600" indent="0">
               <a:buNone/>
-              <a:defRPr sz="1000"/>
+              <a:defRPr sz="900"/>
             </a:lvl4pPr>
             <a:lvl5pPr marL="1828800" indent="0">
               <a:buNone/>
-              <a:defRPr sz="1000"/>
+              <a:defRPr sz="900"/>
             </a:lvl5pPr>
             <a:lvl6pPr marL="2286000" indent="0">
               <a:buNone/>
-              <a:defRPr sz="1000"/>
+              <a:defRPr sz="900"/>
             </a:lvl6pPr>
             <a:lvl7pPr marL="2743200" indent="0">
               <a:buNone/>
-              <a:defRPr sz="1000"/>
+              <a:defRPr sz="900"/>
             </a:lvl7pPr>
             <a:lvl8pPr marL="3200400" indent="0">
               <a:buNone/>
-              <a:defRPr sz="1000"/>
+              <a:defRPr sz="900"/>
             </a:lvl8pPr>
             <a:lvl9pPr marL="3657600" indent="0">
               <a:buNone/>
-              <a:defRPr sz="1000"/>
+              <a:defRPr sz="900"/>
             </a:lvl9pPr>
           </a:lstStyle>
           <a:p>
@@ -2362,13 +4795,7 @@
       </p:sp>
       <p:sp>
         <p:nvSpPr>
-          <p:cNvPr id="5" name="Espace réservé de la date 4">
-            <a:extLst>
-              <a:ext uri="{FF2B5EF4-FFF2-40B4-BE49-F238E27FC236}">
-                <a16:creationId xmlns:a16="http://schemas.microsoft.com/office/drawing/2014/main" id="{530F5E14-3FC2-FD04-A6C4-0E63B7E6DAB3}"/>
-              </a:ext>
-            </a:extLst>
-          </p:cNvPr>
+          <p:cNvPr id="7" name="Date Placeholder 4"/>
           <p:cNvSpPr>
             <a:spLocks noGrp="1"/>
           </p:cNvSpPr>
@@ -2391,13 +4818,7 @@
       </p:sp>
       <p:sp>
         <p:nvSpPr>
-          <p:cNvPr id="6" name="Espace réservé du pied de page 5">
-            <a:extLst>
-              <a:ext uri="{FF2B5EF4-FFF2-40B4-BE49-F238E27FC236}">
-                <a16:creationId xmlns:a16="http://schemas.microsoft.com/office/drawing/2014/main" id="{33FD82C9-C121-FED4-CFA2-7F412078B399}"/>
-              </a:ext>
-            </a:extLst>
-          </p:cNvPr>
+          <p:cNvPr id="5" name="Footer Placeholder 5"/>
           <p:cNvSpPr>
             <a:spLocks noGrp="1"/>
           </p:cNvSpPr>
@@ -2416,13 +4837,7 @@
       </p:sp>
       <p:sp>
         <p:nvSpPr>
-          <p:cNvPr id="7" name="Espace réservé du numéro de diapositive 6">
-            <a:extLst>
-              <a:ext uri="{FF2B5EF4-FFF2-40B4-BE49-F238E27FC236}">
-                <a16:creationId xmlns:a16="http://schemas.microsoft.com/office/drawing/2014/main" id="{E40832FF-C535-9644-9C70-7C2C9743AD55}"/>
-              </a:ext>
-            </a:extLst>
-          </p:cNvPr>
+          <p:cNvPr id="6" name="Slide Number Placeholder 6"/>
           <p:cNvSpPr>
             <a:spLocks noGrp="1"/>
           </p:cNvSpPr>
@@ -2446,7 +4861,7 @@
     </p:spTree>
     <p:extLst>
       <p:ext uri="{BB962C8B-B14F-4D97-AF65-F5344CB8AC3E}">
-        <p14:creationId xmlns:p14="http://schemas.microsoft.com/office/powerpoint/2010/main" val="1617804761"/>
+        <p14:creationId xmlns:p14="http://schemas.microsoft.com/office/powerpoint/2010/main" val="679012786"/>
       </p:ext>
     </p:extLst>
   </p:cSld>
@@ -2475,13 +4890,7 @@
       </p:grpSpPr>
       <p:sp>
         <p:nvSpPr>
-          <p:cNvPr id="2" name="Titre 1">
-            <a:extLst>
-              <a:ext uri="{FF2B5EF4-FFF2-40B4-BE49-F238E27FC236}">
-                <a16:creationId xmlns:a16="http://schemas.microsoft.com/office/drawing/2014/main" id="{AD327173-8C2B-1D59-3370-4B772A7CCBAF}"/>
-              </a:ext>
-            </a:extLst>
-          </p:cNvPr>
+          <p:cNvPr id="2" name="Title 1"/>
           <p:cNvSpPr>
             <a:spLocks noGrp="1"/>
           </p:cNvSpPr>
@@ -2491,15 +4900,17 @@
         </p:nvSpPr>
         <p:spPr>
           <a:xfrm>
-            <a:off x="839788" y="457200"/>
-            <a:ext cx="3932237" cy="1600200"/>
-          </a:xfrm>
-        </p:spPr>
-        <p:txBody>
-          <a:bodyPr anchor="b"/>
+            <a:off x="1153907" y="1854192"/>
+            <a:ext cx="5092906" cy="1574808"/>
+          </a:xfrm>
+        </p:spPr>
+        <p:txBody>
+          <a:bodyPr anchor="b">
+            <a:normAutofit/>
+          </a:bodyPr>
           <a:lstStyle>
-            <a:lvl1pPr>
-              <a:defRPr sz="3200"/>
+            <a:lvl1pPr algn="l">
+              <a:defRPr sz="3600" b="0"/>
             </a:lvl1pPr>
           </a:lstStyle>
           <a:p>
@@ -2507,20 +4918,15 @@
               <a:rPr lang="fr-FR"/>
               <a:t>Modifiez le style du titre</a:t>
             </a:r>
-          </a:p>
-        </p:txBody>
-      </p:sp>
-      <p:sp>
-        <p:nvSpPr>
-          <p:cNvPr id="3" name="Espace réservé pour une image  2">
-            <a:extLst>
-              <a:ext uri="{FF2B5EF4-FFF2-40B4-BE49-F238E27FC236}">
-                <a16:creationId xmlns:a16="http://schemas.microsoft.com/office/drawing/2014/main" id="{20ACCE68-A8DC-E63A-5E15-23824B4CF8B6}"/>
-              </a:ext>
-            </a:extLst>
-          </p:cNvPr>
-          <p:cNvSpPr>
-            <a:spLocks noGrp="1"/>
+            <a:endParaRPr lang="en-US" dirty="0"/>
+          </a:p>
+        </p:txBody>
+      </p:sp>
+      <p:sp>
+        <p:nvSpPr>
+          <p:cNvPr id="3" name="Picture Placeholder 2"/>
+          <p:cNvSpPr>
+            <a:spLocks noGrp="1" noChangeAspect="1"/>
           </p:cNvSpPr>
           <p:nvPr>
             <p:ph type="pic" idx="1"/>
@@ -2528,118 +4934,132 @@
         </p:nvSpPr>
         <p:spPr>
           <a:xfrm>
-            <a:off x="5183188" y="987425"/>
-            <a:ext cx="6172200" cy="4873625"/>
-          </a:xfrm>
-        </p:spPr>
-        <p:txBody>
-          <a:bodyPr/>
+            <a:off x="6949546" y="1143000"/>
+            <a:ext cx="3200400" cy="4572000"/>
+          </a:xfrm>
+          <a:prstGeom prst="roundRect">
+            <a:avLst>
+              <a:gd name="adj" fmla="val 1858"/>
+            </a:avLst>
+          </a:prstGeom>
+          <a:effectLst>
+            <a:outerShdw blurRad="50800" dist="50800" dir="5400000" algn="tl" rotWithShape="0">
+              <a:srgbClr val="000000">
+                <a:alpha val="43000"/>
+              </a:srgbClr>
+            </a:outerShdw>
+          </a:effectLst>
+        </p:spPr>
+        <p:txBody>
+          <a:bodyPr anchor="t">
+            <a:normAutofit/>
+          </a:bodyPr>
           <a:lstStyle>
-            <a:lvl1pPr marL="0" indent="0">
-              <a:buNone/>
-              <a:defRPr sz="3200"/>
-            </a:lvl1pPr>
-            <a:lvl2pPr marL="457200" indent="0">
-              <a:buNone/>
-              <a:defRPr sz="2800"/>
-            </a:lvl2pPr>
-            <a:lvl3pPr marL="914400" indent="0">
-              <a:buNone/>
-              <a:defRPr sz="2400"/>
-            </a:lvl3pPr>
-            <a:lvl4pPr marL="1371600" indent="0">
-              <a:buNone/>
-              <a:defRPr sz="2000"/>
-            </a:lvl4pPr>
-            <a:lvl5pPr marL="1828800" indent="0">
-              <a:buNone/>
-              <a:defRPr sz="2000"/>
-            </a:lvl5pPr>
-            <a:lvl6pPr marL="2286000" indent="0">
-              <a:buNone/>
-              <a:defRPr sz="2000"/>
-            </a:lvl6pPr>
-            <a:lvl7pPr marL="2743200" indent="0">
-              <a:buNone/>
-              <a:defRPr sz="2000"/>
-            </a:lvl7pPr>
-            <a:lvl8pPr marL="3200400" indent="0">
-              <a:buNone/>
-              <a:defRPr sz="2000"/>
-            </a:lvl8pPr>
-            <a:lvl9pPr marL="3657600" indent="0">
-              <a:buNone/>
-              <a:defRPr sz="2000"/>
-            </a:lvl9pPr>
-          </a:lstStyle>
-          <a:p>
-            <a:endParaRPr lang="fr-FR"/>
-          </a:p>
-        </p:txBody>
-      </p:sp>
-      <p:sp>
-        <p:nvSpPr>
-          <p:cNvPr id="4" name="Espace réservé du texte 3">
-            <a:extLst>
-              <a:ext uri="{FF2B5EF4-FFF2-40B4-BE49-F238E27FC236}">
-                <a16:creationId xmlns:a16="http://schemas.microsoft.com/office/drawing/2014/main" id="{F7EB72FF-139C-A8BD-344D-36EAC6445722}"/>
-              </a:ext>
-            </a:extLst>
-          </p:cNvPr>
-          <p:cNvSpPr>
-            <a:spLocks noGrp="1"/>
-          </p:cNvSpPr>
-          <p:nvPr>
-            <p:ph type="body" sz="half" idx="2"/>
-          </p:nvPr>
-        </p:nvSpPr>
-        <p:spPr>
-          <a:xfrm>
-            <a:off x="839788" y="2057400"/>
-            <a:ext cx="3932237" cy="3811588"/>
-          </a:xfrm>
-        </p:spPr>
-        <p:txBody>
-          <a:bodyPr/>
-          <a:lstStyle>
-            <a:lvl1pPr marL="0" indent="0">
+            <a:lvl1pPr marL="0" indent="0" algn="ctr">
               <a:buNone/>
               <a:defRPr sz="1600"/>
             </a:lvl1pPr>
             <a:lvl2pPr marL="457200" indent="0">
               <a:buNone/>
-              <a:defRPr sz="1400"/>
+              <a:defRPr sz="1600"/>
             </a:lvl2pPr>
             <a:lvl3pPr marL="914400" indent="0">
               <a:buNone/>
-              <a:defRPr sz="1200"/>
+              <a:defRPr sz="1600"/>
             </a:lvl3pPr>
             <a:lvl4pPr marL="1371600" indent="0">
               <a:buNone/>
-              <a:defRPr sz="1000"/>
+              <a:defRPr sz="1600"/>
             </a:lvl4pPr>
             <a:lvl5pPr marL="1828800" indent="0">
               <a:buNone/>
-              <a:defRPr sz="1000"/>
+              <a:defRPr sz="1600"/>
             </a:lvl5pPr>
             <a:lvl6pPr marL="2286000" indent="0">
               <a:buNone/>
-              <a:defRPr sz="1000"/>
+              <a:defRPr sz="1600"/>
             </a:lvl6pPr>
             <a:lvl7pPr marL="2743200" indent="0">
               <a:buNone/>
-              <a:defRPr sz="1000"/>
+              <a:defRPr sz="1600"/>
             </a:lvl7pPr>
             <a:lvl8pPr marL="3200400" indent="0">
               <a:buNone/>
-              <a:defRPr sz="1000"/>
+              <a:defRPr sz="1600"/>
             </a:lvl8pPr>
             <a:lvl9pPr marL="3657600" indent="0">
               <a:buNone/>
-              <a:defRPr sz="1000"/>
+              <a:defRPr sz="1600"/>
             </a:lvl9pPr>
           </a:lstStyle>
           <a:p>
+            <a:r>
+              <a:rPr lang="fr-FR"/>
+              <a:t>Cliquez sur l'icône pour ajouter une image</a:t>
+            </a:r>
+            <a:endParaRPr lang="en-US" dirty="0"/>
+          </a:p>
+        </p:txBody>
+      </p:sp>
+      <p:sp>
+        <p:nvSpPr>
+          <p:cNvPr id="4" name="Text Placeholder 3"/>
+          <p:cNvSpPr>
+            <a:spLocks noGrp="1"/>
+          </p:cNvSpPr>
+          <p:nvPr>
+            <p:ph type="body" sz="half" idx="2"/>
+          </p:nvPr>
+        </p:nvSpPr>
+        <p:spPr>
+          <a:xfrm>
+            <a:off x="1154954" y="3657600"/>
+            <a:ext cx="5084979" cy="1371600"/>
+          </a:xfrm>
+        </p:spPr>
+        <p:txBody>
+          <a:bodyPr>
+            <a:normAutofit/>
+          </a:bodyPr>
+          <a:lstStyle>
+            <a:lvl1pPr marL="0" indent="0">
+              <a:buNone/>
+              <a:defRPr sz="1400"/>
+            </a:lvl1pPr>
+            <a:lvl2pPr marL="457200" indent="0">
+              <a:buNone/>
+              <a:defRPr sz="1200"/>
+            </a:lvl2pPr>
+            <a:lvl3pPr marL="914400" indent="0">
+              <a:buNone/>
+              <a:defRPr sz="1000"/>
+            </a:lvl3pPr>
+            <a:lvl4pPr marL="1371600" indent="0">
+              <a:buNone/>
+              <a:defRPr sz="900"/>
+            </a:lvl4pPr>
+            <a:lvl5pPr marL="1828800" indent="0">
+              <a:buNone/>
+              <a:defRPr sz="900"/>
+            </a:lvl5pPr>
+            <a:lvl6pPr marL="2286000" indent="0">
+              <a:buNone/>
+              <a:defRPr sz="900"/>
+            </a:lvl6pPr>
+            <a:lvl7pPr marL="2743200" indent="0">
+              <a:buNone/>
+              <a:defRPr sz="900"/>
+            </a:lvl7pPr>
+            <a:lvl8pPr marL="3200400" indent="0">
+              <a:buNone/>
+              <a:defRPr sz="900"/>
+            </a:lvl8pPr>
+            <a:lvl9pPr marL="3657600" indent="0">
+              <a:buNone/>
+              <a:defRPr sz="900"/>
+            </a:lvl9pPr>
+          </a:lstStyle>
+          <a:p>
             <a:pPr lvl="0"/>
             <a:r>
               <a:rPr lang="fr-FR"/>
@@ -2650,13 +5070,7 @@
       </p:sp>
       <p:sp>
         <p:nvSpPr>
-          <p:cNvPr id="5" name="Espace réservé de la date 4">
-            <a:extLst>
-              <a:ext uri="{FF2B5EF4-FFF2-40B4-BE49-F238E27FC236}">
-                <a16:creationId xmlns:a16="http://schemas.microsoft.com/office/drawing/2014/main" id="{9C5DC190-5935-D3A3-89E1-07EF6E81530E}"/>
-              </a:ext>
-            </a:extLst>
-          </p:cNvPr>
+          <p:cNvPr id="5" name="Date Placeholder 4"/>
           <p:cNvSpPr>
             <a:spLocks noGrp="1"/>
           </p:cNvSpPr>
@@ -2679,13 +5093,7 @@
       </p:sp>
       <p:sp>
         <p:nvSpPr>
-          <p:cNvPr id="6" name="Espace réservé du pied de page 5">
-            <a:extLst>
-              <a:ext uri="{FF2B5EF4-FFF2-40B4-BE49-F238E27FC236}">
-                <a16:creationId xmlns:a16="http://schemas.microsoft.com/office/drawing/2014/main" id="{F403E35C-1A5B-3145-6500-256A919F982B}"/>
-              </a:ext>
-            </a:extLst>
-          </p:cNvPr>
+          <p:cNvPr id="6" name="Footer Placeholder 5"/>
           <p:cNvSpPr>
             <a:spLocks noGrp="1"/>
           </p:cNvSpPr>
@@ -2704,13 +5112,7 @@
       </p:sp>
       <p:sp>
         <p:nvSpPr>
-          <p:cNvPr id="7" name="Espace réservé du numéro de diapositive 6">
-            <a:extLst>
-              <a:ext uri="{FF2B5EF4-FFF2-40B4-BE49-F238E27FC236}">
-                <a16:creationId xmlns:a16="http://schemas.microsoft.com/office/drawing/2014/main" id="{DE74705B-F7B7-6C30-D2E5-2BD6BE3F8331}"/>
-              </a:ext>
-            </a:extLst>
-          </p:cNvPr>
+          <p:cNvPr id="7" name="Slide Number Placeholder 6"/>
           <p:cNvSpPr>
             <a:spLocks noGrp="1"/>
           </p:cNvSpPr>
@@ -2734,7 +5136,7 @@
     </p:spTree>
     <p:extLst>
       <p:ext uri="{BB962C8B-B14F-4D97-AF65-F5344CB8AC3E}">
-        <p14:creationId xmlns:p14="http://schemas.microsoft.com/office/powerpoint/2010/main" val="4291938092"/>
+        <p14:creationId xmlns:p14="http://schemas.microsoft.com/office/powerpoint/2010/main" val="63724615"/>
       </p:ext>
     </p:extLst>
   </p:cSld>
@@ -2748,8 +5150,8 @@
 <p:sldMaster xmlns:a="http://schemas.openxmlformats.org/drawingml/2006/main" xmlns:r="http://schemas.openxmlformats.org/officeDocument/2006/relationships" xmlns:p="http://schemas.openxmlformats.org/presentationml/2006/main">
   <p:cSld>
     <p:bg>
-      <p:bgRef idx="1001">
-        <a:schemeClr val="bg1"/>
+      <p:bgRef idx="1003">
+        <a:schemeClr val="bg2"/>
       </p:bgRef>
     </p:bg>
     <p:spTree>
@@ -2766,34 +5168,243 @@
           <a:chExt cx="0" cy="0"/>
         </a:xfrm>
       </p:grpSpPr>
-      <p:sp>
-        <p:nvSpPr>
-          <p:cNvPr id="2" name="Espace réservé du titre 1">
+      <p:pic>
+        <p:nvPicPr>
+          <p:cNvPr id="8" name="Picture 7"/>
+          <p:cNvPicPr>
+            <a:picLocks noChangeAspect="1"/>
+          </p:cNvPicPr>
+          <p:nvPr/>
+        </p:nvPicPr>
+        <p:blipFill rotWithShape="1">
+          <a:blip r:embed="rId19">
             <a:extLst>
-              <a:ext uri="{FF2B5EF4-FFF2-40B4-BE49-F238E27FC236}">
-                <a16:creationId xmlns:a16="http://schemas.microsoft.com/office/drawing/2014/main" id="{5AA3F1A6-2157-DB59-F4AA-652A0259F7E0}"/>
+              <a:ext uri="{28A0092B-C50C-407E-A947-70E740481C1C}">
+                <a14:useLocalDpi xmlns:a14="http://schemas.microsoft.com/office/drawing/2010/main" val="0"/>
               </a:ext>
             </a:extLst>
-          </p:cNvPr>
-          <p:cNvSpPr>
-            <a:spLocks noGrp="1"/>
-          </p:cNvSpPr>
-          <p:nvPr>
-            <p:ph type="title"/>
-          </p:nvPr>
-        </p:nvSpPr>
-        <p:spPr>
-          <a:xfrm>
-            <a:off x="838200" y="365125"/>
-            <a:ext cx="10515600" cy="1325563"/>
+          </a:blip>
+          <a:srcRect l="3613"/>
+          <a:stretch/>
+        </p:blipFill>
+        <p:spPr>
+          <a:xfrm>
+            <a:off x="0" y="2669685"/>
+            <a:ext cx="4037012" cy="4188315"/>
           </a:xfrm>
           <a:prstGeom prst="rect">
             <a:avLst/>
           </a:prstGeom>
         </p:spPr>
-        <p:txBody>
-          <a:bodyPr vert="horz" lIns="91440" tIns="45720" rIns="91440" bIns="45720" rtlCol="0" anchor="ctr">
-            <a:normAutofit/>
+      </p:pic>
+      <p:pic>
+        <p:nvPicPr>
+          <p:cNvPr id="7" name="Picture 6"/>
+          <p:cNvPicPr>
+            <a:picLocks noChangeAspect="1"/>
+          </p:cNvPicPr>
+          <p:nvPr/>
+        </p:nvPicPr>
+        <p:blipFill rotWithShape="1">
+          <a:blip r:embed="rId20">
+            <a:extLst>
+              <a:ext uri="{28A0092B-C50C-407E-A947-70E740481C1C}">
+                <a14:useLocalDpi xmlns:a14="http://schemas.microsoft.com/office/drawing/2010/main" val="0"/>
+              </a:ext>
+            </a:extLst>
+          </a:blip>
+          <a:srcRect l="35640"/>
+          <a:stretch/>
+        </p:blipFill>
+        <p:spPr>
+          <a:xfrm>
+            <a:off x="0" y="2892347"/>
+            <a:ext cx="1522412" cy="2365453"/>
+          </a:xfrm>
+          <a:prstGeom prst="rect">
+            <a:avLst/>
+          </a:prstGeom>
+        </p:spPr>
+      </p:pic>
+      <p:sp>
+        <p:nvSpPr>
+          <p:cNvPr id="16" name="Oval 15"/>
+          <p:cNvSpPr/>
+          <p:nvPr/>
+        </p:nvSpPr>
+        <p:spPr>
+          <a:xfrm>
+            <a:off x="8609012" y="1676400"/>
+            <a:ext cx="2819400" cy="2819400"/>
+          </a:xfrm>
+          <a:prstGeom prst="ellipse">
+            <a:avLst/>
+          </a:prstGeom>
+          <a:gradFill flip="none" rotWithShape="1">
+            <a:gsLst>
+              <a:gs pos="0">
+                <a:schemeClr val="bg2">
+                  <a:lumMod val="40000"/>
+                  <a:lumOff val="60000"/>
+                  <a:alpha val="7000"/>
+                </a:schemeClr>
+              </a:gs>
+              <a:gs pos="69000">
+                <a:schemeClr val="bg2">
+                  <a:lumMod val="40000"/>
+                  <a:lumOff val="60000"/>
+                  <a:alpha val="0"/>
+                </a:schemeClr>
+              </a:gs>
+              <a:gs pos="36000">
+                <a:schemeClr val="bg2">
+                  <a:lumMod val="40000"/>
+                  <a:lumOff val="60000"/>
+                  <a:alpha val="6000"/>
+                </a:schemeClr>
+              </a:gs>
+            </a:gsLst>
+            <a:path path="circle">
+              <a:fillToRect l="50000" t="50000" r="50000" b="50000"/>
+            </a:path>
+            <a:tileRect/>
+          </a:gradFill>
+          <a:ln>
+            <a:noFill/>
+          </a:ln>
+          <a:effectLst/>
+        </p:spPr>
+        <p:style>
+          <a:lnRef idx="1">
+            <a:schemeClr val="accent1"/>
+          </a:lnRef>
+          <a:fillRef idx="3">
+            <a:schemeClr val="accent1"/>
+          </a:fillRef>
+          <a:effectRef idx="2">
+            <a:schemeClr val="accent1"/>
+          </a:effectRef>
+          <a:fontRef idx="minor">
+            <a:schemeClr val="lt1"/>
+          </a:fontRef>
+        </p:style>
+      </p:sp>
+      <p:pic>
+        <p:nvPicPr>
+          <p:cNvPr id="9" name="Picture 8"/>
+          <p:cNvPicPr>
+            <a:picLocks noChangeAspect="1"/>
+          </p:cNvPicPr>
+          <p:nvPr/>
+        </p:nvPicPr>
+        <p:blipFill rotWithShape="1">
+          <a:blip r:embed="rId21">
+            <a:extLst>
+              <a:ext uri="{28A0092B-C50C-407E-A947-70E740481C1C}">
+                <a14:useLocalDpi xmlns:a14="http://schemas.microsoft.com/office/drawing/2010/main" val="0"/>
+              </a:ext>
+            </a:extLst>
+          </a:blip>
+          <a:srcRect t="28813"/>
+          <a:stretch/>
+        </p:blipFill>
+        <p:spPr>
+          <a:xfrm>
+            <a:off x="7999412" y="0"/>
+            <a:ext cx="1603387" cy="1141407"/>
+          </a:xfrm>
+          <a:prstGeom prst="rect">
+            <a:avLst/>
+          </a:prstGeom>
+        </p:spPr>
+      </p:pic>
+      <p:pic>
+        <p:nvPicPr>
+          <p:cNvPr id="10" name="Picture 9"/>
+          <p:cNvPicPr>
+            <a:picLocks noChangeAspect="1"/>
+          </p:cNvPicPr>
+          <p:nvPr/>
+        </p:nvPicPr>
+        <p:blipFill rotWithShape="1">
+          <a:blip r:embed="rId22">
+            <a:extLst>
+              <a:ext uri="{28A0092B-C50C-407E-A947-70E740481C1C}">
+                <a14:useLocalDpi xmlns:a14="http://schemas.microsoft.com/office/drawing/2010/main" val="0"/>
+              </a:ext>
+            </a:extLst>
+          </a:blip>
+          <a:srcRect b="23320"/>
+          <a:stretch/>
+        </p:blipFill>
+        <p:spPr>
+          <a:xfrm>
+            <a:off x="8609012" y="6096000"/>
+            <a:ext cx="993734" cy="762000"/>
+          </a:xfrm>
+          <a:prstGeom prst="rect">
+            <a:avLst/>
+          </a:prstGeom>
+        </p:spPr>
+      </p:pic>
+      <p:sp>
+        <p:nvSpPr>
+          <p:cNvPr id="14" name="Rectangle 13"/>
+          <p:cNvSpPr/>
+          <p:nvPr/>
+        </p:nvSpPr>
+        <p:spPr>
+          <a:xfrm>
+            <a:off x="10437812" y="0"/>
+            <a:ext cx="685800" cy="1143000"/>
+          </a:xfrm>
+          <a:prstGeom prst="rect">
+            <a:avLst/>
+          </a:prstGeom>
+          <a:solidFill>
+            <a:schemeClr val="accent1"/>
+          </a:solidFill>
+          <a:ln>
+            <a:noFill/>
+          </a:ln>
+        </p:spPr>
+        <p:style>
+          <a:lnRef idx="1">
+            <a:schemeClr val="accent1"/>
+          </a:lnRef>
+          <a:fillRef idx="3">
+            <a:schemeClr val="accent1"/>
+          </a:fillRef>
+          <a:effectRef idx="2">
+            <a:schemeClr val="accent1"/>
+          </a:effectRef>
+          <a:fontRef idx="minor">
+            <a:schemeClr val="lt1"/>
+          </a:fontRef>
+        </p:style>
+      </p:sp>
+      <p:sp>
+        <p:nvSpPr>
+          <p:cNvPr id="2" name="Title Placeholder 1"/>
+          <p:cNvSpPr>
+            <a:spLocks noGrp="1"/>
+          </p:cNvSpPr>
+          <p:nvPr>
+            <p:ph type="title"/>
+          </p:nvPr>
+        </p:nvSpPr>
+        <p:spPr>
+          <a:xfrm>
+            <a:off x="646111" y="452718"/>
+            <a:ext cx="9404723" cy="1400530"/>
+          </a:xfrm>
+          <a:prstGeom prst="rect">
+            <a:avLst/>
+          </a:prstGeom>
+        </p:spPr>
+        <p:txBody>
+          <a:bodyPr vert="horz" lIns="91440" tIns="45720" rIns="91440" bIns="45720" rtlCol="0" anchor="t">
+            <a:noAutofit/>
           </a:bodyPr>
           <a:lstStyle/>
           <a:p>
@@ -2801,18 +5412,13 @@
               <a:rPr lang="fr-FR"/>
               <a:t>Modifiez le style du titre</a:t>
             </a:r>
-          </a:p>
-        </p:txBody>
-      </p:sp>
-      <p:sp>
-        <p:nvSpPr>
-          <p:cNvPr id="3" name="Espace réservé du texte 2">
-            <a:extLst>
-              <a:ext uri="{FF2B5EF4-FFF2-40B4-BE49-F238E27FC236}">
-                <a16:creationId xmlns:a16="http://schemas.microsoft.com/office/drawing/2014/main" id="{66D6FA04-FC01-C552-A23C-04312FC322B5}"/>
-              </a:ext>
-            </a:extLst>
-          </p:cNvPr>
+            <a:endParaRPr lang="en-US" dirty="0"/>
+          </a:p>
+        </p:txBody>
+      </p:sp>
+      <p:sp>
+        <p:nvSpPr>
+          <p:cNvPr id="3" name="Text Placeholder 2"/>
           <p:cNvSpPr>
             <a:spLocks noGrp="1"/>
           </p:cNvSpPr>
@@ -2822,8 +5428,8 @@
         </p:nvSpPr>
         <p:spPr>
           <a:xfrm>
-            <a:off x="838200" y="1825625"/>
-            <a:ext cx="10515600" cy="4351338"/>
+            <a:off x="1103312" y="2052918"/>
+            <a:ext cx="8946541" cy="4195481"/>
           </a:xfrm>
           <a:prstGeom prst="rect">
             <a:avLst/>
@@ -2868,18 +5474,13 @@
               <a:rPr lang="fr-FR"/>
               <a:t>Cinquième niveau</a:t>
             </a:r>
-          </a:p>
-        </p:txBody>
-      </p:sp>
-      <p:sp>
-        <p:nvSpPr>
-          <p:cNvPr id="4" name="Espace réservé de la date 3">
-            <a:extLst>
-              <a:ext uri="{FF2B5EF4-FFF2-40B4-BE49-F238E27FC236}">
-                <a16:creationId xmlns:a16="http://schemas.microsoft.com/office/drawing/2014/main" id="{D8B87AB4-A2F0-DF77-E629-763EA8ED558F}"/>
-              </a:ext>
-            </a:extLst>
-          </p:cNvPr>
+            <a:endParaRPr lang="en-US" dirty="0"/>
+          </a:p>
+        </p:txBody>
+      </p:sp>
+      <p:sp>
+        <p:nvSpPr>
+          <p:cNvPr id="4" name="Date Placeholder 3"/>
           <p:cNvSpPr>
             <a:spLocks noGrp="1"/>
           </p:cNvSpPr>
@@ -2888,19 +5489,99 @@
           </p:nvPr>
         </p:nvSpPr>
         <p:spPr>
-          <a:xfrm>
-            <a:off x="838200" y="6356350"/>
-            <a:ext cx="2743200" cy="365125"/>
+          <a:xfrm rot="5400000">
+            <a:off x="10155639" y="1790701"/>
+            <a:ext cx="990599" cy="304799"/>
           </a:xfrm>
           <a:prstGeom prst="rect">
             <a:avLst/>
           </a:prstGeom>
         </p:spPr>
         <p:txBody>
-          <a:bodyPr vert="horz" lIns="91440" tIns="45720" rIns="91440" bIns="45720" rtlCol="0" anchor="ctr"/>
+          <a:bodyPr vert="horz" lIns="91440" tIns="45720" rIns="91440" bIns="45720" rtlCol="0" anchor="t"/>
           <a:lstStyle>
             <a:lvl1pPr algn="l">
-              <a:defRPr sz="1200">
+              <a:defRPr sz="1100" b="0" i="0">
+                <a:solidFill>
+                  <a:schemeClr val="tx1">
+                    <a:tint val="75000"/>
+                    <a:alpha val="60000"/>
+                  </a:schemeClr>
+                </a:solidFill>
+              </a:defRPr>
+            </a:lvl1pPr>
+          </a:lstStyle>
+          <a:p>
+            <a:fld id="{D4C1A002-2540-48EF-9E7D-CE5F1C1BD169}" type="datetimeFigureOut">
+              <a:rPr lang="fr-FR" smtClean="0"/>
+              <a:t>17/11/2022</a:t>
+            </a:fld>
+            <a:endParaRPr lang="fr-FR"/>
+          </a:p>
+        </p:txBody>
+      </p:sp>
+      <p:sp>
+        <p:nvSpPr>
+          <p:cNvPr id="5" name="Footer Placeholder 4"/>
+          <p:cNvSpPr>
+            <a:spLocks noGrp="1"/>
+          </p:cNvSpPr>
+          <p:nvPr>
+            <p:ph type="ftr" sz="quarter" idx="3"/>
+          </p:nvPr>
+        </p:nvSpPr>
+        <p:spPr>
+          <a:xfrm rot="5400000">
+            <a:off x="8951573" y="3225297"/>
+            <a:ext cx="3859795" cy="304801"/>
+          </a:xfrm>
+          <a:prstGeom prst="rect">
+            <a:avLst/>
+          </a:prstGeom>
+        </p:spPr>
+        <p:txBody>
+          <a:bodyPr vert="horz" lIns="91440" tIns="45720" rIns="91440" bIns="45720" rtlCol="0" anchor="b"/>
+          <a:lstStyle>
+            <a:lvl1pPr algn="l">
+              <a:defRPr sz="1100" b="0" i="0">
+                <a:solidFill>
+                  <a:schemeClr val="tx1">
+                    <a:tint val="75000"/>
+                    <a:alpha val="60000"/>
+                  </a:schemeClr>
+                </a:solidFill>
+              </a:defRPr>
+            </a:lvl1pPr>
+          </a:lstStyle>
+          <a:p>
+            <a:endParaRPr lang="fr-FR"/>
+          </a:p>
+        </p:txBody>
+      </p:sp>
+      <p:sp>
+        <p:nvSpPr>
+          <p:cNvPr id="6" name="Slide Number Placeholder 5"/>
+          <p:cNvSpPr>
+            <a:spLocks noGrp="1"/>
+          </p:cNvSpPr>
+          <p:nvPr>
+            <p:ph type="sldNum" sz="quarter" idx="4"/>
+          </p:nvPr>
+        </p:nvSpPr>
+        <p:spPr>
+          <a:xfrm>
+            <a:off x="10352540" y="295729"/>
+            <a:ext cx="838199" cy="767687"/>
+          </a:xfrm>
+          <a:prstGeom prst="rect">
+            <a:avLst/>
+          </a:prstGeom>
+        </p:spPr>
+        <p:txBody>
+          <a:bodyPr vert="horz" lIns="91440" tIns="45720" rIns="91440" bIns="45720" rtlCol="0" anchor="b"/>
+          <a:lstStyle>
+            <a:lvl1pPr algn="ctr">
+              <a:defRPr sz="2800" b="0" i="0">
                 <a:solidFill>
                   <a:schemeClr val="tx1">
                     <a:tint val="75000"/>
@@ -2910,96 +5591,6 @@
             </a:lvl1pPr>
           </a:lstStyle>
           <a:p>
-            <a:fld id="{D4C1A002-2540-48EF-9E7D-CE5F1C1BD169}" type="datetimeFigureOut">
-              <a:rPr lang="fr-FR" smtClean="0"/>
-              <a:t>17/11/2022</a:t>
-            </a:fld>
-            <a:endParaRPr lang="fr-FR"/>
-          </a:p>
-        </p:txBody>
-      </p:sp>
-      <p:sp>
-        <p:nvSpPr>
-          <p:cNvPr id="5" name="Espace réservé du pied de page 4">
-            <a:extLst>
-              <a:ext uri="{FF2B5EF4-FFF2-40B4-BE49-F238E27FC236}">
-                <a16:creationId xmlns:a16="http://schemas.microsoft.com/office/drawing/2014/main" id="{DA945EFC-212E-A770-E640-C916CDC91E82}"/>
-              </a:ext>
-            </a:extLst>
-          </p:cNvPr>
-          <p:cNvSpPr>
-            <a:spLocks noGrp="1"/>
-          </p:cNvSpPr>
-          <p:nvPr>
-            <p:ph type="ftr" sz="quarter" idx="3"/>
-          </p:nvPr>
-        </p:nvSpPr>
-        <p:spPr>
-          <a:xfrm>
-            <a:off x="4038600" y="6356350"/>
-            <a:ext cx="4114800" cy="365125"/>
-          </a:xfrm>
-          <a:prstGeom prst="rect">
-            <a:avLst/>
-          </a:prstGeom>
-        </p:spPr>
-        <p:txBody>
-          <a:bodyPr vert="horz" lIns="91440" tIns="45720" rIns="91440" bIns="45720" rtlCol="0" anchor="ctr"/>
-          <a:lstStyle>
-            <a:lvl1pPr algn="ctr">
-              <a:defRPr sz="1200">
-                <a:solidFill>
-                  <a:schemeClr val="tx1">
-                    <a:tint val="75000"/>
-                  </a:schemeClr>
-                </a:solidFill>
-              </a:defRPr>
-            </a:lvl1pPr>
-          </a:lstStyle>
-          <a:p>
-            <a:endParaRPr lang="fr-FR"/>
-          </a:p>
-        </p:txBody>
-      </p:sp>
-      <p:sp>
-        <p:nvSpPr>
-          <p:cNvPr id="6" name="Espace réservé du numéro de diapositive 5">
-            <a:extLst>
-              <a:ext uri="{FF2B5EF4-FFF2-40B4-BE49-F238E27FC236}">
-                <a16:creationId xmlns:a16="http://schemas.microsoft.com/office/drawing/2014/main" id="{B13F03AA-3A0E-9140-57F2-0D7E9EC54530}"/>
-              </a:ext>
-            </a:extLst>
-          </p:cNvPr>
-          <p:cNvSpPr>
-            <a:spLocks noGrp="1"/>
-          </p:cNvSpPr>
-          <p:nvPr>
-            <p:ph type="sldNum" sz="quarter" idx="4"/>
-          </p:nvPr>
-        </p:nvSpPr>
-        <p:spPr>
-          <a:xfrm>
-            <a:off x="8610600" y="6356350"/>
-            <a:ext cx="2743200" cy="365125"/>
-          </a:xfrm>
-          <a:prstGeom prst="rect">
-            <a:avLst/>
-          </a:prstGeom>
-        </p:spPr>
-        <p:txBody>
-          <a:bodyPr vert="horz" lIns="91440" tIns="45720" rIns="91440" bIns="45720" rtlCol="0" anchor="ctr"/>
-          <a:lstStyle>
-            <a:lvl1pPr algn="r">
-              <a:defRPr sz="1200">
-                <a:solidFill>
-                  <a:schemeClr val="tx1">
-                    <a:tint val="75000"/>
-                  </a:schemeClr>
-                </a:solidFill>
-              </a:defRPr>
-            </a:lvl1pPr>
-          </a:lstStyle>
-          <a:p>
             <a:fld id="{6213A4C2-1345-4C86-8F63-7EEB59BE9FC3}" type="slidenum">
               <a:rPr lang="fr-FR" smtClean="0"/>
               <a:t>‹N°›</a:t>
@@ -3011,35 +5602,118 @@
     </p:spTree>
     <p:extLst>
       <p:ext uri="{BB962C8B-B14F-4D97-AF65-F5344CB8AC3E}">
-        <p14:creationId xmlns:p14="http://schemas.microsoft.com/office/powerpoint/2010/main" val="3303909105"/>
+        <p14:creationId xmlns:p14="http://schemas.microsoft.com/office/powerpoint/2010/main" val="3983362950"/>
       </p:ext>
     </p:extLst>
   </p:cSld>
-  <p:clrMap bg1="lt1" tx1="dk1" bg2="lt2" tx2="dk2" accent1="accent1" accent2="accent2" accent3="accent3" accent4="accent4" accent5="accent5" accent6="accent6" hlink="hlink" folHlink="folHlink"/>
+  <p:clrMap bg1="dk1" tx1="lt1" bg2="dk2" tx2="lt2" accent1="accent1" accent2="accent2" accent3="accent3" accent4="accent4" accent5="accent5" accent6="accent6" hlink="hlink" folHlink="folHlink"/>
   <p:sldLayoutIdLst>
-    <p:sldLayoutId id="2147483649" r:id="rId1"/>
-    <p:sldLayoutId id="2147483650" r:id="rId2"/>
-    <p:sldLayoutId id="2147483651" r:id="rId3"/>
-    <p:sldLayoutId id="2147483652" r:id="rId4"/>
-    <p:sldLayoutId id="2147483653" r:id="rId5"/>
-    <p:sldLayoutId id="2147483654" r:id="rId6"/>
-    <p:sldLayoutId id="2147483655" r:id="rId7"/>
-    <p:sldLayoutId id="2147483656" r:id="rId8"/>
-    <p:sldLayoutId id="2147483657" r:id="rId9"/>
-    <p:sldLayoutId id="2147483658" r:id="rId10"/>
-    <p:sldLayoutId id="2147483659" r:id="rId11"/>
+    <p:sldLayoutId id="2147483679" r:id="rId1"/>
+    <p:sldLayoutId id="2147483680" r:id="rId2"/>
+    <p:sldLayoutId id="2147483681" r:id="rId3"/>
+    <p:sldLayoutId id="2147483682" r:id="rId4"/>
+    <p:sldLayoutId id="2147483683" r:id="rId5"/>
+    <p:sldLayoutId id="2147483684" r:id="rId6"/>
+    <p:sldLayoutId id="2147483685" r:id="rId7"/>
+    <p:sldLayoutId id="2147483686" r:id="rId8"/>
+    <p:sldLayoutId id="2147483687" r:id="rId9"/>
+    <p:sldLayoutId id="2147483688" r:id="rId10"/>
+    <p:sldLayoutId id="2147483689" r:id="rId11"/>
+    <p:sldLayoutId id="2147483690" r:id="rId12"/>
+    <p:sldLayoutId id="2147483691" r:id="rId13"/>
+    <p:sldLayoutId id="2147483692" r:id="rId14"/>
+    <p:sldLayoutId id="2147483693" r:id="rId15"/>
+    <p:sldLayoutId id="2147483694" r:id="rId16"/>
+    <p:sldLayoutId id="2147483695" r:id="rId17"/>
   </p:sldLayoutIdLst>
   <p:txStyles>
     <p:titleStyle>
-      <a:lvl1pPr algn="l" defTabSz="914400" rtl="0" eaLnBrk="1" latinLnBrk="0" hangingPunct="1">
-        <a:lnSpc>
-          <a:spcPct val="90000"/>
-        </a:lnSpc>
+      <a:lvl1pPr algn="l" defTabSz="457200" rtl="0" eaLnBrk="1" latinLnBrk="0" hangingPunct="1">
         <a:spcBef>
           <a:spcPct val="0"/>
         </a:spcBef>
         <a:buNone/>
-        <a:defRPr sz="4400" kern="1200">
+        <a:defRPr sz="4200" b="0" i="0" kern="1200">
+          <a:solidFill>
+            <a:schemeClr val="tx2"/>
+          </a:solidFill>
+          <a:latin typeface="+mj-lt"/>
+          <a:ea typeface="+mj-ea"/>
+          <a:cs typeface="+mj-cs"/>
+        </a:defRPr>
+      </a:lvl1pPr>
+      <a:lvl2pPr eaLnBrk="1" hangingPunct="1">
+        <a:defRPr>
+          <a:solidFill>
+            <a:schemeClr val="tx2"/>
+          </a:solidFill>
+        </a:defRPr>
+      </a:lvl2pPr>
+      <a:lvl3pPr eaLnBrk="1" hangingPunct="1">
+        <a:defRPr>
+          <a:solidFill>
+            <a:schemeClr val="tx2"/>
+          </a:solidFill>
+        </a:defRPr>
+      </a:lvl3pPr>
+      <a:lvl4pPr eaLnBrk="1" hangingPunct="1">
+        <a:defRPr>
+          <a:solidFill>
+            <a:schemeClr val="tx2"/>
+          </a:solidFill>
+        </a:defRPr>
+      </a:lvl4pPr>
+      <a:lvl5pPr eaLnBrk="1" hangingPunct="1">
+        <a:defRPr>
+          <a:solidFill>
+            <a:schemeClr val="tx2"/>
+          </a:solidFill>
+        </a:defRPr>
+      </a:lvl5pPr>
+      <a:lvl6pPr eaLnBrk="1" hangingPunct="1">
+        <a:defRPr>
+          <a:solidFill>
+            <a:schemeClr val="tx2"/>
+          </a:solidFill>
+        </a:defRPr>
+      </a:lvl6pPr>
+      <a:lvl7pPr eaLnBrk="1" hangingPunct="1">
+        <a:defRPr>
+          <a:solidFill>
+            <a:schemeClr val="tx2"/>
+          </a:solidFill>
+        </a:defRPr>
+      </a:lvl7pPr>
+      <a:lvl8pPr eaLnBrk="1" hangingPunct="1">
+        <a:defRPr>
+          <a:solidFill>
+            <a:schemeClr val="tx2"/>
+          </a:solidFill>
+        </a:defRPr>
+      </a:lvl8pPr>
+      <a:lvl9pPr eaLnBrk="1" hangingPunct="1">
+        <a:defRPr>
+          <a:solidFill>
+            <a:schemeClr val="tx2"/>
+          </a:solidFill>
+        </a:defRPr>
+      </a:lvl9pPr>
+    </p:titleStyle>
+    <p:bodyStyle>
+      <a:lvl1pPr marL="342900" indent="-342900" algn="l" defTabSz="457200" rtl="0" eaLnBrk="1" latinLnBrk="0" hangingPunct="1">
+        <a:spcBef>
+          <a:spcPts val="1000"/>
+        </a:spcBef>
+        <a:spcAft>
+          <a:spcPts val="0"/>
+        </a:spcAft>
+        <a:buClr>
+          <a:schemeClr val="accent1"/>
+        </a:buClr>
+        <a:buSzPct val="80000"/>
+        <a:buFont typeface="Wingdings 3" charset="2"/>
+        <a:buChar char=""/>
+        <a:defRPr sz="2000" b="0" i="0" kern="1200">
           <a:solidFill>
             <a:schemeClr val="tx1"/>
           </a:solidFill>
@@ -3048,18 +5722,189 @@
           <a:cs typeface="+mj-cs"/>
         </a:defRPr>
       </a:lvl1pPr>
-    </p:titleStyle>
-    <p:bodyStyle>
-      <a:lvl1pPr marL="228600" indent="-228600" algn="l" defTabSz="914400" rtl="0" eaLnBrk="1" latinLnBrk="0" hangingPunct="1">
-        <a:lnSpc>
-          <a:spcPct val="90000"/>
-        </a:lnSpc>
+      <a:lvl2pPr marL="742950" indent="-285750" algn="l" defTabSz="457200" rtl="0" eaLnBrk="1" latinLnBrk="0" hangingPunct="1">
         <a:spcBef>
           <a:spcPts val="1000"/>
         </a:spcBef>
-        <a:buFont typeface="Arial" panose="020B0604020202020204" pitchFamily="34" charset="0"/>
-        <a:buChar char="•"/>
-        <a:defRPr sz="2800" kern="1200">
+        <a:spcAft>
+          <a:spcPts val="0"/>
+        </a:spcAft>
+        <a:buClr>
+          <a:schemeClr val="accent1"/>
+        </a:buClr>
+        <a:buSzPct val="80000"/>
+        <a:buFont typeface="Wingdings 3" charset="2"/>
+        <a:buChar char=""/>
+        <a:defRPr sz="1800" b="0" i="0" kern="1200">
+          <a:solidFill>
+            <a:schemeClr val="tx1"/>
+          </a:solidFill>
+          <a:latin typeface="+mj-lt"/>
+          <a:ea typeface="+mj-ea"/>
+          <a:cs typeface="+mj-cs"/>
+        </a:defRPr>
+      </a:lvl2pPr>
+      <a:lvl3pPr marL="1143000" indent="-228600" algn="l" defTabSz="457200" rtl="0" eaLnBrk="1" latinLnBrk="0" hangingPunct="1">
+        <a:spcBef>
+          <a:spcPts val="1000"/>
+        </a:spcBef>
+        <a:spcAft>
+          <a:spcPts val="0"/>
+        </a:spcAft>
+        <a:buClr>
+          <a:schemeClr val="accent1"/>
+        </a:buClr>
+        <a:buSzPct val="80000"/>
+        <a:buFont typeface="Wingdings 3" charset="2"/>
+        <a:buChar char=""/>
+        <a:defRPr sz="1600" b="0" i="0" kern="1200">
+          <a:solidFill>
+            <a:schemeClr val="tx1"/>
+          </a:solidFill>
+          <a:latin typeface="+mj-lt"/>
+          <a:ea typeface="+mj-ea"/>
+          <a:cs typeface="+mj-cs"/>
+        </a:defRPr>
+      </a:lvl3pPr>
+      <a:lvl4pPr marL="1600200" indent="-228600" algn="l" defTabSz="457200" rtl="0" eaLnBrk="1" latinLnBrk="0" hangingPunct="1">
+        <a:spcBef>
+          <a:spcPts val="1000"/>
+        </a:spcBef>
+        <a:spcAft>
+          <a:spcPts val="0"/>
+        </a:spcAft>
+        <a:buClr>
+          <a:schemeClr val="accent1"/>
+        </a:buClr>
+        <a:buSzPct val="80000"/>
+        <a:buFont typeface="Wingdings 3" charset="2"/>
+        <a:buChar char=""/>
+        <a:defRPr sz="1400" b="0" i="0" kern="1200">
+          <a:solidFill>
+            <a:schemeClr val="tx1"/>
+          </a:solidFill>
+          <a:latin typeface="+mj-lt"/>
+          <a:ea typeface="+mj-ea"/>
+          <a:cs typeface="+mj-cs"/>
+        </a:defRPr>
+      </a:lvl4pPr>
+      <a:lvl5pPr marL="2057400" indent="-228600" algn="l" defTabSz="457200" rtl="0" eaLnBrk="1" latinLnBrk="0" hangingPunct="1">
+        <a:spcBef>
+          <a:spcPts val="1000"/>
+        </a:spcBef>
+        <a:spcAft>
+          <a:spcPts val="0"/>
+        </a:spcAft>
+        <a:buClr>
+          <a:schemeClr val="accent1"/>
+        </a:buClr>
+        <a:buSzPct val="80000"/>
+        <a:buFont typeface="Wingdings 3" charset="2"/>
+        <a:buChar char=""/>
+        <a:defRPr sz="1400" b="0" i="0" kern="1200">
+          <a:solidFill>
+            <a:schemeClr val="tx1"/>
+          </a:solidFill>
+          <a:latin typeface="+mj-lt"/>
+          <a:ea typeface="+mj-ea"/>
+          <a:cs typeface="+mj-cs"/>
+        </a:defRPr>
+      </a:lvl5pPr>
+      <a:lvl6pPr marL="2514600" indent="-228600" algn="l" defTabSz="457200" rtl="0" eaLnBrk="1" latinLnBrk="0" hangingPunct="1">
+        <a:spcBef>
+          <a:spcPts val="1000"/>
+        </a:spcBef>
+        <a:spcAft>
+          <a:spcPts val="0"/>
+        </a:spcAft>
+        <a:buClr>
+          <a:schemeClr val="accent1"/>
+        </a:buClr>
+        <a:buSzPct val="80000"/>
+        <a:buFont typeface="Wingdings 3" charset="2"/>
+        <a:buChar char=""/>
+        <a:defRPr sz="1400" b="0" i="0" kern="1200">
+          <a:solidFill>
+            <a:schemeClr val="tx1"/>
+          </a:solidFill>
+          <a:latin typeface="+mj-lt"/>
+          <a:ea typeface="+mj-ea"/>
+          <a:cs typeface="+mj-cs"/>
+        </a:defRPr>
+      </a:lvl6pPr>
+      <a:lvl7pPr marL="2971800" indent="-228600" algn="l" defTabSz="457200" rtl="0" eaLnBrk="1" latinLnBrk="0" hangingPunct="1">
+        <a:spcBef>
+          <a:spcPts val="1000"/>
+        </a:spcBef>
+        <a:spcAft>
+          <a:spcPts val="0"/>
+        </a:spcAft>
+        <a:buClr>
+          <a:schemeClr val="accent1"/>
+        </a:buClr>
+        <a:buSzPct val="80000"/>
+        <a:buFont typeface="Wingdings 3" charset="2"/>
+        <a:buChar char=""/>
+        <a:defRPr sz="1400" b="0" i="0" kern="1200">
+          <a:solidFill>
+            <a:schemeClr val="tx1"/>
+          </a:solidFill>
+          <a:latin typeface="+mj-lt"/>
+          <a:ea typeface="+mj-ea"/>
+          <a:cs typeface="+mj-cs"/>
+        </a:defRPr>
+      </a:lvl7pPr>
+      <a:lvl8pPr marL="3429000" indent="-228600" algn="l" defTabSz="457200" rtl="0" eaLnBrk="1" latinLnBrk="0" hangingPunct="1">
+        <a:spcBef>
+          <a:spcPts val="1000"/>
+        </a:spcBef>
+        <a:spcAft>
+          <a:spcPts val="0"/>
+        </a:spcAft>
+        <a:buClr>
+          <a:schemeClr val="accent1"/>
+        </a:buClr>
+        <a:buSzPct val="80000"/>
+        <a:buFont typeface="Wingdings 3" charset="2"/>
+        <a:buChar char=""/>
+        <a:defRPr sz="1400" b="0" i="0" kern="1200">
+          <a:solidFill>
+            <a:schemeClr val="tx1"/>
+          </a:solidFill>
+          <a:latin typeface="+mj-lt"/>
+          <a:ea typeface="+mj-ea"/>
+          <a:cs typeface="+mj-cs"/>
+        </a:defRPr>
+      </a:lvl8pPr>
+      <a:lvl9pPr marL="3886200" indent="-228600" algn="l" defTabSz="457200" rtl="0" eaLnBrk="1" latinLnBrk="0" hangingPunct="1">
+        <a:spcBef>
+          <a:spcPts val="1000"/>
+        </a:spcBef>
+        <a:spcAft>
+          <a:spcPts val="0"/>
+        </a:spcAft>
+        <a:buClr>
+          <a:schemeClr val="accent1"/>
+        </a:buClr>
+        <a:buSzPct val="80000"/>
+        <a:buFont typeface="Wingdings 3" charset="2"/>
+        <a:buChar char=""/>
+        <a:defRPr sz="1400" b="0" i="0" kern="1200">
+          <a:solidFill>
+            <a:schemeClr val="tx1"/>
+          </a:solidFill>
+          <a:latin typeface="+mj-lt"/>
+          <a:ea typeface="+mj-ea"/>
+          <a:cs typeface="+mj-cs"/>
+        </a:defRPr>
+      </a:lvl9pPr>
+    </p:bodyStyle>
+    <p:otherStyle>
+      <a:defPPr>
+        <a:defRPr lang="en-US"/>
+      </a:defPPr>
+      <a:lvl1pPr marL="0" algn="l" defTabSz="457200" rtl="0" eaLnBrk="1" latinLnBrk="0" hangingPunct="1">
+        <a:defRPr sz="1800" kern="1200">
           <a:solidFill>
             <a:schemeClr val="tx1"/>
           </a:solidFill>
@@ -3068,16 +5913,8 @@
           <a:cs typeface="+mn-cs"/>
         </a:defRPr>
       </a:lvl1pPr>
-      <a:lvl2pPr marL="685800" indent="-228600" algn="l" defTabSz="914400" rtl="0" eaLnBrk="1" latinLnBrk="0" hangingPunct="1">
-        <a:lnSpc>
-          <a:spcPct val="90000"/>
-        </a:lnSpc>
-        <a:spcBef>
-          <a:spcPts val="500"/>
-        </a:spcBef>
-        <a:buFont typeface="Arial" panose="020B0604020202020204" pitchFamily="34" charset="0"/>
-        <a:buChar char="•"/>
-        <a:defRPr sz="2400" kern="1200">
+      <a:lvl2pPr marL="457200" algn="l" defTabSz="457200" rtl="0" eaLnBrk="1" latinLnBrk="0" hangingPunct="1">
+        <a:defRPr sz="1800" kern="1200">
           <a:solidFill>
             <a:schemeClr val="tx1"/>
           </a:solidFill>
@@ -3086,16 +5923,8 @@
           <a:cs typeface="+mn-cs"/>
         </a:defRPr>
       </a:lvl2pPr>
-      <a:lvl3pPr marL="1143000" indent="-228600" algn="l" defTabSz="914400" rtl="0" eaLnBrk="1" latinLnBrk="0" hangingPunct="1">
-        <a:lnSpc>
-          <a:spcPct val="90000"/>
-        </a:lnSpc>
-        <a:spcBef>
-          <a:spcPts val="500"/>
-        </a:spcBef>
-        <a:buFont typeface="Arial" panose="020B0604020202020204" pitchFamily="34" charset="0"/>
-        <a:buChar char="•"/>
-        <a:defRPr sz="2000" kern="1200">
+      <a:lvl3pPr marL="914400" algn="l" defTabSz="457200" rtl="0" eaLnBrk="1" latinLnBrk="0" hangingPunct="1">
+        <a:defRPr sz="1800" kern="1200">
           <a:solidFill>
             <a:schemeClr val="tx1"/>
           </a:solidFill>
@@ -3104,15 +5933,7 @@
           <a:cs typeface="+mn-cs"/>
         </a:defRPr>
       </a:lvl3pPr>
-      <a:lvl4pPr marL="1600200" indent="-228600" algn="l" defTabSz="914400" rtl="0" eaLnBrk="1" latinLnBrk="0" hangingPunct="1">
-        <a:lnSpc>
-          <a:spcPct val="90000"/>
-        </a:lnSpc>
-        <a:spcBef>
-          <a:spcPts val="500"/>
-        </a:spcBef>
-        <a:buFont typeface="Arial" panose="020B0604020202020204" pitchFamily="34" charset="0"/>
-        <a:buChar char="•"/>
+      <a:lvl4pPr marL="1371600" algn="l" defTabSz="457200" rtl="0" eaLnBrk="1" latinLnBrk="0" hangingPunct="1">
         <a:defRPr sz="1800" kern="1200">
           <a:solidFill>
             <a:schemeClr val="tx1"/>
@@ -3122,15 +5943,7 @@
           <a:cs typeface="+mn-cs"/>
         </a:defRPr>
       </a:lvl4pPr>
-      <a:lvl5pPr marL="2057400" indent="-228600" algn="l" defTabSz="914400" rtl="0" eaLnBrk="1" latinLnBrk="0" hangingPunct="1">
-        <a:lnSpc>
-          <a:spcPct val="90000"/>
-        </a:lnSpc>
-        <a:spcBef>
-          <a:spcPts val="500"/>
-        </a:spcBef>
-        <a:buFont typeface="Arial" panose="020B0604020202020204" pitchFamily="34" charset="0"/>
-        <a:buChar char="•"/>
+      <a:lvl5pPr marL="1828800" algn="l" defTabSz="457200" rtl="0" eaLnBrk="1" latinLnBrk="0" hangingPunct="1">
         <a:defRPr sz="1800" kern="1200">
           <a:solidFill>
             <a:schemeClr val="tx1"/>
@@ -3140,15 +5953,7 @@
           <a:cs typeface="+mn-cs"/>
         </a:defRPr>
       </a:lvl5pPr>
-      <a:lvl6pPr marL="2514600" indent="-228600" algn="l" defTabSz="914400" rtl="0" eaLnBrk="1" latinLnBrk="0" hangingPunct="1">
-        <a:lnSpc>
-          <a:spcPct val="90000"/>
-        </a:lnSpc>
-        <a:spcBef>
-          <a:spcPts val="500"/>
-        </a:spcBef>
-        <a:buFont typeface="Arial" panose="020B0604020202020204" pitchFamily="34" charset="0"/>
-        <a:buChar char="•"/>
+      <a:lvl6pPr marL="2286000" algn="l" defTabSz="457200" rtl="0" eaLnBrk="1" latinLnBrk="0" hangingPunct="1">
         <a:defRPr sz="1800" kern="1200">
           <a:solidFill>
             <a:schemeClr val="tx1"/>
@@ -3158,15 +5963,7 @@
           <a:cs typeface="+mn-cs"/>
         </a:defRPr>
       </a:lvl6pPr>
-      <a:lvl7pPr marL="2971800" indent="-228600" algn="l" defTabSz="914400" rtl="0" eaLnBrk="1" latinLnBrk="0" hangingPunct="1">
-        <a:lnSpc>
-          <a:spcPct val="90000"/>
-        </a:lnSpc>
-        <a:spcBef>
-          <a:spcPts val="500"/>
-        </a:spcBef>
-        <a:buFont typeface="Arial" panose="020B0604020202020204" pitchFamily="34" charset="0"/>
-        <a:buChar char="•"/>
+      <a:lvl7pPr marL="2743200" algn="l" defTabSz="457200" rtl="0" eaLnBrk="1" latinLnBrk="0" hangingPunct="1">
         <a:defRPr sz="1800" kern="1200">
           <a:solidFill>
             <a:schemeClr val="tx1"/>
@@ -3176,15 +5973,7 @@
           <a:cs typeface="+mn-cs"/>
         </a:defRPr>
       </a:lvl7pPr>
-      <a:lvl8pPr marL="3429000" indent="-228600" algn="l" defTabSz="914400" rtl="0" eaLnBrk="1" latinLnBrk="0" hangingPunct="1">
-        <a:lnSpc>
-          <a:spcPct val="90000"/>
-        </a:lnSpc>
-        <a:spcBef>
-          <a:spcPts val="500"/>
-        </a:spcBef>
-        <a:buFont typeface="Arial" panose="020B0604020202020204" pitchFamily="34" charset="0"/>
-        <a:buChar char="•"/>
+      <a:lvl8pPr marL="3200400" algn="l" defTabSz="457200" rtl="0" eaLnBrk="1" latinLnBrk="0" hangingPunct="1">
         <a:defRPr sz="1800" kern="1200">
           <a:solidFill>
             <a:schemeClr val="tx1"/>
@@ -3194,110 +5983,7 @@
           <a:cs typeface="+mn-cs"/>
         </a:defRPr>
       </a:lvl8pPr>
-      <a:lvl9pPr marL="3886200" indent="-228600" algn="l" defTabSz="914400" rtl="0" eaLnBrk="1" latinLnBrk="0" hangingPunct="1">
-        <a:lnSpc>
-          <a:spcPct val="90000"/>
-        </a:lnSpc>
-        <a:spcBef>
-          <a:spcPts val="500"/>
-        </a:spcBef>
-        <a:buFont typeface="Arial" panose="020B0604020202020204" pitchFamily="34" charset="0"/>
-        <a:buChar char="•"/>
-        <a:defRPr sz="1800" kern="1200">
-          <a:solidFill>
-            <a:schemeClr val="tx1"/>
-          </a:solidFill>
-          <a:latin typeface="+mn-lt"/>
-          <a:ea typeface="+mn-ea"/>
-          <a:cs typeface="+mn-cs"/>
-        </a:defRPr>
-      </a:lvl9pPr>
-    </p:bodyStyle>
-    <p:otherStyle>
-      <a:defPPr>
-        <a:defRPr lang="fr-FR"/>
-      </a:defPPr>
-      <a:lvl1pPr marL="0" algn="l" defTabSz="914400" rtl="0" eaLnBrk="1" latinLnBrk="0" hangingPunct="1">
-        <a:defRPr sz="1800" kern="1200">
-          <a:solidFill>
-            <a:schemeClr val="tx1"/>
-          </a:solidFill>
-          <a:latin typeface="+mn-lt"/>
-          <a:ea typeface="+mn-ea"/>
-          <a:cs typeface="+mn-cs"/>
-        </a:defRPr>
-      </a:lvl1pPr>
-      <a:lvl2pPr marL="457200" algn="l" defTabSz="914400" rtl="0" eaLnBrk="1" latinLnBrk="0" hangingPunct="1">
-        <a:defRPr sz="1800" kern="1200">
-          <a:solidFill>
-            <a:schemeClr val="tx1"/>
-          </a:solidFill>
-          <a:latin typeface="+mn-lt"/>
-          <a:ea typeface="+mn-ea"/>
-          <a:cs typeface="+mn-cs"/>
-        </a:defRPr>
-      </a:lvl2pPr>
-      <a:lvl3pPr marL="914400" algn="l" defTabSz="914400" rtl="0" eaLnBrk="1" latinLnBrk="0" hangingPunct="1">
-        <a:defRPr sz="1800" kern="1200">
-          <a:solidFill>
-            <a:schemeClr val="tx1"/>
-          </a:solidFill>
-          <a:latin typeface="+mn-lt"/>
-          <a:ea typeface="+mn-ea"/>
-          <a:cs typeface="+mn-cs"/>
-        </a:defRPr>
-      </a:lvl3pPr>
-      <a:lvl4pPr marL="1371600" algn="l" defTabSz="914400" rtl="0" eaLnBrk="1" latinLnBrk="0" hangingPunct="1">
-        <a:defRPr sz="1800" kern="1200">
-          <a:solidFill>
-            <a:schemeClr val="tx1"/>
-          </a:solidFill>
-          <a:latin typeface="+mn-lt"/>
-          <a:ea typeface="+mn-ea"/>
-          <a:cs typeface="+mn-cs"/>
-        </a:defRPr>
-      </a:lvl4pPr>
-      <a:lvl5pPr marL="1828800" algn="l" defTabSz="914400" rtl="0" eaLnBrk="1" latinLnBrk="0" hangingPunct="1">
-        <a:defRPr sz="1800" kern="1200">
-          <a:solidFill>
-            <a:schemeClr val="tx1"/>
-          </a:solidFill>
-          <a:latin typeface="+mn-lt"/>
-          <a:ea typeface="+mn-ea"/>
-          <a:cs typeface="+mn-cs"/>
-        </a:defRPr>
-      </a:lvl5pPr>
-      <a:lvl6pPr marL="2286000" algn="l" defTabSz="914400" rtl="0" eaLnBrk="1" latinLnBrk="0" hangingPunct="1">
-        <a:defRPr sz="1800" kern="1200">
-          <a:solidFill>
-            <a:schemeClr val="tx1"/>
-          </a:solidFill>
-          <a:latin typeface="+mn-lt"/>
-          <a:ea typeface="+mn-ea"/>
-          <a:cs typeface="+mn-cs"/>
-        </a:defRPr>
-      </a:lvl6pPr>
-      <a:lvl7pPr marL="2743200" algn="l" defTabSz="914400" rtl="0" eaLnBrk="1" latinLnBrk="0" hangingPunct="1">
-        <a:defRPr sz="1800" kern="1200">
-          <a:solidFill>
-            <a:schemeClr val="tx1"/>
-          </a:solidFill>
-          <a:latin typeface="+mn-lt"/>
-          <a:ea typeface="+mn-ea"/>
-          <a:cs typeface="+mn-cs"/>
-        </a:defRPr>
-      </a:lvl7pPr>
-      <a:lvl8pPr marL="3200400" algn="l" defTabSz="914400" rtl="0" eaLnBrk="1" latinLnBrk="0" hangingPunct="1">
-        <a:defRPr sz="1800" kern="1200">
-          <a:solidFill>
-            <a:schemeClr val="tx1"/>
-          </a:solidFill>
-          <a:latin typeface="+mn-lt"/>
-          <a:ea typeface="+mn-ea"/>
-          <a:cs typeface="+mn-cs"/>
-        </a:defRPr>
-      </a:lvl8pPr>
-      <a:lvl9pPr marL="3657600" algn="l" defTabSz="914400" rtl="0" eaLnBrk="1" latinLnBrk="0" hangingPunct="1">
+      <a:lvl9pPr marL="3657600" algn="l" defTabSz="457200" rtl="0" eaLnBrk="1" latinLnBrk="0" hangingPunct="1">
         <a:defRPr sz="1800" kern="1200">
           <a:solidFill>
             <a:schemeClr val="tx1"/>
@@ -3356,7 +6042,7 @@
         </p:blipFill>
         <p:spPr>
           <a:xfrm>
-            <a:off x="3252764" y="3881530"/>
+            <a:off x="3252764" y="3918692"/>
             <a:ext cx="2334740" cy="2628246"/>
           </a:xfrm>
           <a:prstGeom prst="rect">
@@ -3391,7 +6077,7 @@
         </p:blipFill>
         <p:spPr>
           <a:xfrm>
-            <a:off x="5636242" y="3881530"/>
+            <a:off x="6253019" y="3918163"/>
             <a:ext cx="2334740" cy="2628246"/>
           </a:xfrm>
           <a:prstGeom prst="rect">
@@ -3426,7 +6112,7 @@
         </p:blipFill>
         <p:spPr>
           <a:xfrm>
-            <a:off x="4420134" y="800683"/>
+            <a:off x="4420134" y="843588"/>
             <a:ext cx="2588738" cy="2134792"/>
           </a:xfrm>
           <a:prstGeom prst="rect">
@@ -3448,8 +6134,8 @@
         </p:nvSpPr>
         <p:spPr>
           <a:xfrm>
-            <a:off x="3352800" y="520155"/>
-            <a:ext cx="5237018" cy="369332"/>
+            <a:off x="3252764" y="279462"/>
+            <a:ext cx="5237018" cy="400110"/>
           </a:xfrm>
           <a:prstGeom prst="rect">
             <a:avLst/>
@@ -3464,7 +6150,7 @@
           <a:p>
             <a:pPr algn="ctr"/>
             <a:r>
-              <a:rPr lang="fr-FR" dirty="0"/>
+              <a:rPr lang="fr-FR" sz="2000" dirty="0"/>
               <a:t>Pie Chart Genre sans corrélation</a:t>
             </a:r>
           </a:p>
@@ -3484,8 +6170,8 @@
         </p:nvSpPr>
         <p:spPr>
           <a:xfrm>
-            <a:off x="2836345" y="3348182"/>
-            <a:ext cx="6519309" cy="369332"/>
+            <a:off x="1753485" y="3429000"/>
+            <a:ext cx="8599055" cy="400110"/>
           </a:xfrm>
           <a:prstGeom prst="rect">
             <a:avLst/>
@@ -3500,9 +6186,51 @@
           <a:p>
             <a:pPr algn="ctr"/>
             <a:r>
-              <a:rPr lang="fr-FR" dirty="0"/>
+              <a:rPr lang="fr-FR" sz="2000" dirty="0"/>
               <a:t>Pie Chart Genre avec corrélation de la cible (DEFAULT_PAYMENT) </a:t>
             </a:r>
+          </a:p>
+        </p:txBody>
+      </p:sp>
+      <p:sp>
+        <p:nvSpPr>
+          <p:cNvPr id="3" name="Espace réservé du numéro de diapositive 3">
+            <a:extLst>
+              <a:ext uri="{FF2B5EF4-FFF2-40B4-BE49-F238E27FC236}">
+                <a16:creationId xmlns:a16="http://schemas.microsoft.com/office/drawing/2014/main" id="{910D945D-D167-F877-AAD2-C574AB191D17}"/>
+              </a:ext>
+            </a:extLst>
+          </p:cNvPr>
+          <p:cNvSpPr>
+            <a:spLocks noGrp="1"/>
+          </p:cNvSpPr>
+          <p:nvPr>
+            <p:ph type="sldNum" sz="quarter" idx="12"/>
+          </p:nvPr>
+        </p:nvSpPr>
+        <p:spPr>
+          <a:xfrm>
+            <a:off x="10352540" y="295729"/>
+            <a:ext cx="838199" cy="767687"/>
+          </a:xfrm>
+        </p:spPr>
+        <p:txBody>
+          <a:bodyPr/>
+          <a:lstStyle/>
+          <a:p>
+            <a:fld id="{756A6F2F-FAD6-4D10-A9E2-51EFC692D845}" type="slidenum">
+              <a:rPr lang="fr-FR" b="1" smtClean="0">
+                <a:solidFill>
+                  <a:schemeClr val="bg1"/>
+                </a:solidFill>
+              </a:rPr>
+              <a:t>1</a:t>
+            </a:fld>
+            <a:endParaRPr lang="fr-FR" b="1" dirty="0">
+              <a:solidFill>
+                <a:schemeClr val="bg1"/>
+              </a:solidFill>
+            </a:endParaRPr>
           </a:p>
         </p:txBody>
       </p:sp>
@@ -3550,8 +6278,8 @@
         </p:nvSpPr>
         <p:spPr>
           <a:xfrm>
-            <a:off x="3347684" y="412045"/>
-            <a:ext cx="5237018" cy="369332"/>
+            <a:off x="3477488" y="283301"/>
+            <a:ext cx="5237018" cy="400110"/>
           </a:xfrm>
           <a:prstGeom prst="rect">
             <a:avLst/>
@@ -3566,7 +6294,7 @@
           <a:p>
             <a:pPr algn="ctr"/>
             <a:r>
-              <a:rPr lang="fr-FR" dirty="0"/>
+              <a:rPr lang="fr-FR" sz="2000" dirty="0"/>
               <a:t>Pie Chart Education sans corrélation</a:t>
             </a:r>
           </a:p>
@@ -3586,8 +6314,8 @@
         </p:nvSpPr>
         <p:spPr>
           <a:xfrm>
-            <a:off x="2890983" y="3506584"/>
-            <a:ext cx="6890326" cy="369332"/>
+            <a:off x="1708725" y="3456421"/>
+            <a:ext cx="8774544" cy="400110"/>
           </a:xfrm>
           <a:prstGeom prst="rect">
             <a:avLst/>
@@ -3602,7 +6330,7 @@
           <a:p>
             <a:pPr algn="ctr"/>
             <a:r>
-              <a:rPr lang="fr-FR" dirty="0"/>
+              <a:rPr lang="fr-FR" sz="2000" dirty="0"/>
               <a:t>Pie Chart Education avec corrélation de la cible (DEFAULT_PAYMENT) </a:t>
             </a:r>
           </a:p>
@@ -3635,7 +6363,7 @@
         </p:blipFill>
         <p:spPr>
           <a:xfrm>
-            <a:off x="4015260" y="951835"/>
+            <a:off x="3895176" y="812645"/>
             <a:ext cx="4161479" cy="2253814"/>
           </a:xfrm>
           <a:prstGeom prst="rect">
@@ -3670,7 +6398,7 @@
         </p:blipFill>
         <p:spPr>
           <a:xfrm>
-            <a:off x="2302987" y="4176851"/>
+            <a:off x="2192151" y="4113030"/>
             <a:ext cx="3575959" cy="2332925"/>
           </a:xfrm>
           <a:prstGeom prst="rect">
@@ -3705,14 +6433,56 @@
         </p:blipFill>
         <p:spPr>
           <a:xfrm>
-            <a:off x="6096000" y="4314080"/>
-            <a:ext cx="3195783" cy="2068524"/>
+            <a:off x="6303819" y="4113030"/>
+            <a:ext cx="3505671" cy="2269104"/>
           </a:xfrm>
           <a:prstGeom prst="rect">
             <a:avLst/>
           </a:prstGeom>
         </p:spPr>
       </p:pic>
+      <p:sp>
+        <p:nvSpPr>
+          <p:cNvPr id="2" name="Espace réservé du numéro de diapositive 3">
+            <a:extLst>
+              <a:ext uri="{FF2B5EF4-FFF2-40B4-BE49-F238E27FC236}">
+                <a16:creationId xmlns:a16="http://schemas.microsoft.com/office/drawing/2014/main" id="{6A0F17C3-D2AD-3393-E74E-AB605CECAD4D}"/>
+              </a:ext>
+            </a:extLst>
+          </p:cNvPr>
+          <p:cNvSpPr>
+            <a:spLocks noGrp="1"/>
+          </p:cNvSpPr>
+          <p:nvPr>
+            <p:ph type="sldNum" sz="quarter" idx="12"/>
+          </p:nvPr>
+        </p:nvSpPr>
+        <p:spPr>
+          <a:xfrm>
+            <a:off x="10352540" y="295729"/>
+            <a:ext cx="838199" cy="767687"/>
+          </a:xfrm>
+        </p:spPr>
+        <p:txBody>
+          <a:bodyPr/>
+          <a:lstStyle/>
+          <a:p>
+            <a:fld id="{756A6F2F-FAD6-4D10-A9E2-51EFC692D845}" type="slidenum">
+              <a:rPr lang="fr-FR" b="1" smtClean="0">
+                <a:solidFill>
+                  <a:schemeClr val="bg1"/>
+                </a:solidFill>
+              </a:rPr>
+              <a:t>2</a:t>
+            </a:fld>
+            <a:endParaRPr lang="fr-FR" b="1" dirty="0">
+              <a:solidFill>
+                <a:schemeClr val="bg1"/>
+              </a:solidFill>
+            </a:endParaRPr>
+          </a:p>
+        </p:txBody>
+      </p:sp>
     </p:spTree>
     <p:extLst>
       <p:ext uri="{BB962C8B-B14F-4D97-AF65-F5344CB8AC3E}">
@@ -3757,8 +6527,8 @@
         </p:nvSpPr>
         <p:spPr>
           <a:xfrm>
-            <a:off x="3262498" y="364834"/>
-            <a:ext cx="5237018" cy="369332"/>
+            <a:off x="3595007" y="210509"/>
+            <a:ext cx="5237018" cy="400110"/>
           </a:xfrm>
           <a:prstGeom prst="rect">
             <a:avLst/>
@@ -3773,7 +6543,7 @@
           <a:p>
             <a:pPr algn="ctr"/>
             <a:r>
-              <a:rPr lang="fr-FR" dirty="0"/>
+              <a:rPr lang="fr-FR" sz="2000" dirty="0"/>
               <a:t>Pie Chart Mariage sans corrélation</a:t>
             </a:r>
           </a:p>
@@ -3793,8 +6563,8 @@
         </p:nvSpPr>
         <p:spPr>
           <a:xfrm>
-            <a:off x="3262498" y="3310003"/>
-            <a:ext cx="6428508" cy="369332"/>
+            <a:off x="1995054" y="3581586"/>
+            <a:ext cx="8977746" cy="400110"/>
           </a:xfrm>
           <a:prstGeom prst="rect">
             <a:avLst/>
@@ -3809,7 +6579,7 @@
           <a:p>
             <a:pPr algn="ctr"/>
             <a:r>
-              <a:rPr lang="fr-FR" dirty="0"/>
+              <a:rPr lang="fr-FR" sz="2000" dirty="0"/>
               <a:t>Pie Chart Mariage avec corrélation de la cible (DEFAULT_PAYMENT) </a:t>
             </a:r>
           </a:p>
@@ -3842,7 +6612,7 @@
         </p:blipFill>
         <p:spPr>
           <a:xfrm>
-            <a:off x="4618182" y="794660"/>
+            <a:off x="4618182" y="789214"/>
             <a:ext cx="2955636" cy="2367525"/>
           </a:xfrm>
           <a:prstGeom prst="rect">
@@ -3877,8 +6647,8 @@
         </p:blipFill>
         <p:spPr>
           <a:xfrm>
-            <a:off x="3932134" y="3851028"/>
-            <a:ext cx="2687782" cy="2325217"/>
+            <a:off x="3190668" y="4165737"/>
+            <a:ext cx="2690339" cy="2327429"/>
           </a:xfrm>
           <a:prstGeom prst="rect">
             <a:avLst/>
@@ -3912,14 +6682,56 @@
         </p:blipFill>
         <p:spPr>
           <a:xfrm>
-            <a:off x="6619916" y="3775694"/>
-            <a:ext cx="2528702" cy="2475883"/>
+            <a:off x="6721516" y="4160291"/>
+            <a:ext cx="2310690" cy="2262425"/>
           </a:xfrm>
           <a:prstGeom prst="rect">
             <a:avLst/>
           </a:prstGeom>
         </p:spPr>
       </p:pic>
+      <p:sp>
+        <p:nvSpPr>
+          <p:cNvPr id="2" name="Espace réservé du numéro de diapositive 3">
+            <a:extLst>
+              <a:ext uri="{FF2B5EF4-FFF2-40B4-BE49-F238E27FC236}">
+                <a16:creationId xmlns:a16="http://schemas.microsoft.com/office/drawing/2014/main" id="{938FC349-C036-B9F9-EA83-FFB9FD22802E}"/>
+              </a:ext>
+            </a:extLst>
+          </p:cNvPr>
+          <p:cNvSpPr>
+            <a:spLocks noGrp="1"/>
+          </p:cNvSpPr>
+          <p:nvPr>
+            <p:ph type="sldNum" sz="quarter" idx="12"/>
+          </p:nvPr>
+        </p:nvSpPr>
+        <p:spPr>
+          <a:xfrm>
+            <a:off x="10352540" y="295729"/>
+            <a:ext cx="838199" cy="767687"/>
+          </a:xfrm>
+        </p:spPr>
+        <p:txBody>
+          <a:bodyPr/>
+          <a:lstStyle/>
+          <a:p>
+            <a:fld id="{756A6F2F-FAD6-4D10-A9E2-51EFC692D845}" type="slidenum">
+              <a:rPr lang="fr-FR" b="1" smtClean="0">
+                <a:solidFill>
+                  <a:schemeClr val="bg1"/>
+                </a:solidFill>
+              </a:rPr>
+              <a:t>3</a:t>
+            </a:fld>
+            <a:endParaRPr lang="fr-FR" b="1" dirty="0">
+              <a:solidFill>
+                <a:schemeClr val="bg1"/>
+              </a:solidFill>
+            </a:endParaRPr>
+          </a:p>
+        </p:txBody>
+      </p:sp>
     </p:spTree>
     <p:extLst>
       <p:ext uri="{BB962C8B-B14F-4D97-AF65-F5344CB8AC3E}">
@@ -3964,8 +6776,8 @@
         </p:nvSpPr>
         <p:spPr>
           <a:xfrm>
-            <a:off x="3207080" y="1186870"/>
-            <a:ext cx="5237018" cy="369332"/>
+            <a:off x="2401454" y="1510144"/>
+            <a:ext cx="6699456" cy="400110"/>
           </a:xfrm>
           <a:prstGeom prst="rect">
             <a:avLst/>
@@ -3980,7 +6792,7 @@
           <a:p>
             <a:pPr algn="ctr"/>
             <a:r>
-              <a:rPr lang="fr-FR" dirty="0"/>
+              <a:rPr lang="fr-FR" sz="2000" dirty="0"/>
               <a:t>Pie Chart Cible (DEFAULT_PAYMENT) sans corrélation</a:t>
             </a:r>
           </a:p>
@@ -4013,7 +6825,7 @@
         </p:blipFill>
         <p:spPr>
           <a:xfrm>
-            <a:off x="3262498" y="1976583"/>
+            <a:off x="3317916" y="2299855"/>
             <a:ext cx="5126182" cy="2447636"/>
           </a:xfrm>
           <a:prstGeom prst="rect">
@@ -4021,6 +6833,48 @@
           </a:prstGeom>
         </p:spPr>
       </p:pic>
+      <p:sp>
+        <p:nvSpPr>
+          <p:cNvPr id="2" name="Espace réservé du numéro de diapositive 3">
+            <a:extLst>
+              <a:ext uri="{FF2B5EF4-FFF2-40B4-BE49-F238E27FC236}">
+                <a16:creationId xmlns:a16="http://schemas.microsoft.com/office/drawing/2014/main" id="{B2A89CF8-EF06-5ACA-32E4-36F06435590D}"/>
+              </a:ext>
+            </a:extLst>
+          </p:cNvPr>
+          <p:cNvSpPr>
+            <a:spLocks noGrp="1"/>
+          </p:cNvSpPr>
+          <p:nvPr>
+            <p:ph type="sldNum" sz="quarter" idx="12"/>
+          </p:nvPr>
+        </p:nvSpPr>
+        <p:spPr>
+          <a:xfrm>
+            <a:off x="10352540" y="295729"/>
+            <a:ext cx="838199" cy="767687"/>
+          </a:xfrm>
+        </p:spPr>
+        <p:txBody>
+          <a:bodyPr/>
+          <a:lstStyle/>
+          <a:p>
+            <a:fld id="{756A6F2F-FAD6-4D10-A9E2-51EFC692D845}" type="slidenum">
+              <a:rPr lang="fr-FR" b="1" smtClean="0">
+                <a:solidFill>
+                  <a:schemeClr val="bg1"/>
+                </a:solidFill>
+              </a:rPr>
+              <a:t>4</a:t>
+            </a:fld>
+            <a:endParaRPr lang="fr-FR" b="1" dirty="0">
+              <a:solidFill>
+                <a:schemeClr val="bg1"/>
+              </a:solidFill>
+            </a:endParaRPr>
+          </a:p>
+        </p:txBody>
+      </p:sp>
     </p:spTree>
     <p:extLst>
       <p:ext uri="{BB962C8B-B14F-4D97-AF65-F5344CB8AC3E}">
@@ -4035,9 +6889,9 @@
 </file>
 
 <file path=ppt/theme/theme1.xml><?xml version="1.0" encoding="utf-8"?>
-<a:theme xmlns:a="http://schemas.openxmlformats.org/drawingml/2006/main" name="Thème Office">
+<a:theme xmlns:a="http://schemas.openxmlformats.org/drawingml/2006/main" name="Ion">
   <a:themeElements>
-    <a:clrScheme name="Office">
+    <a:clrScheme name="Ion">
       <a:dk1>
         <a:sysClr val="windowText" lastClr="000000"/>
       </a:dk1>
@@ -4045,44 +6899,44 @@
         <a:sysClr val="window" lastClr="FFFFFF"/>
       </a:lt1>
       <a:dk2>
-        <a:srgbClr val="44546A"/>
+        <a:srgbClr val="0E5580"/>
       </a:dk2>
       <a:lt2>
-        <a:srgbClr val="E7E6E6"/>
+        <a:srgbClr val="EBEBEB"/>
       </a:lt2>
       <a:accent1>
-        <a:srgbClr val="4472C4"/>
+        <a:srgbClr val="ACD433"/>
       </a:accent1>
       <a:accent2>
-        <a:srgbClr val="ED7D31"/>
+        <a:srgbClr val="E6C133"/>
       </a:accent2>
       <a:accent3>
-        <a:srgbClr val="A5A5A5"/>
+        <a:srgbClr val="EF7A24"/>
       </a:accent3>
       <a:accent4>
-        <a:srgbClr val="FFC000"/>
+        <a:srgbClr val="5AA0F5"/>
       </a:accent4>
       <a:accent5>
-        <a:srgbClr val="5B9BD5"/>
+        <a:srgbClr val="75CEEC"/>
       </a:accent5>
       <a:accent6>
-        <a:srgbClr val="70AD47"/>
+        <a:srgbClr val="65D6A0"/>
       </a:accent6>
       <a:hlink>
-        <a:srgbClr val="0563C1"/>
+        <a:srgbClr val="C4E46E"/>
       </a:hlink>
       <a:folHlink>
-        <a:srgbClr val="954F72"/>
+        <a:srgbClr val="BDE0FB"/>
       </a:folHlink>
     </a:clrScheme>
-    <a:fontScheme name="Office">
+    <a:fontScheme name="Ion">
       <a:majorFont>
-        <a:latin typeface="Calibri Light" panose="020F0302020204030204"/>
+        <a:latin typeface="Century Gothic" panose="020B0502020202020204"/>
         <a:ea typeface=""/>
         <a:cs typeface=""/>
-        <a:font script="Jpan" typeface="游ゴシック Light"/>
+        <a:font script="Jpan" typeface="メイリオ"/>
         <a:font script="Hang" typeface="맑은 고딕"/>
-        <a:font script="Hans" typeface="等线 Light"/>
+        <a:font script="Hans" typeface="宋体"/>
         <a:font script="Hant" typeface="新細明體"/>
         <a:font script="Arab" typeface="Times New Roman"/>
         <a:font script="Hebr" typeface="Times New Roman"/>
@@ -4110,31 +6964,14 @@
         <a:font script="Viet" typeface="Times New Roman"/>
         <a:font script="Uigh" typeface="Microsoft Uighur"/>
         <a:font script="Geor" typeface="Sylfaen"/>
-        <a:font script="Armn" typeface="Arial"/>
-        <a:font script="Bugi" typeface="Leelawadee UI"/>
-        <a:font script="Bopo" typeface="Microsoft JhengHei"/>
-        <a:font script="Java" typeface="Javanese Text"/>
-        <a:font script="Lisu" typeface="Segoe UI"/>
-        <a:font script="Mymr" typeface="Myanmar Text"/>
-        <a:font script="Nkoo" typeface="Ebrima"/>
-        <a:font script="Olck" typeface="Nirmala UI"/>
-        <a:font script="Osma" typeface="Ebrima"/>
-        <a:font script="Phag" typeface="Phagspa"/>
-        <a:font script="Syrn" typeface="Estrangelo Edessa"/>
-        <a:font script="Syrj" typeface="Estrangelo Edessa"/>
-        <a:font script="Syre" typeface="Estrangelo Edessa"/>
-        <a:font script="Sora" typeface="Nirmala UI"/>
-        <a:font script="Tale" typeface="Microsoft Tai Le"/>
-        <a:font script="Talu" typeface="Microsoft New Tai Lue"/>
-        <a:font script="Tfng" typeface="Ebrima"/>
       </a:majorFont>
       <a:minorFont>
-        <a:latin typeface="Calibri" panose="020F0502020204030204"/>
+        <a:latin typeface="Century Gothic" panose="020B0502020202020204"/>
         <a:ea typeface=""/>
         <a:cs typeface=""/>
-        <a:font script="Jpan" typeface="游ゴシック"/>
+        <a:font script="Jpan" typeface="メイリオ"/>
         <a:font script="Hang" typeface="맑은 고딕"/>
-        <a:font script="Hans" typeface="等线"/>
+        <a:font script="Hans" typeface="宋体"/>
         <a:font script="Hant" typeface="新細明體"/>
         <a:font script="Arab" typeface="Arial"/>
         <a:font script="Hebr" typeface="Arial"/>
@@ -4162,26 +6999,9 @@
         <a:font script="Viet" typeface="Arial"/>
         <a:font script="Uigh" typeface="Microsoft Uighur"/>
         <a:font script="Geor" typeface="Sylfaen"/>
-        <a:font script="Armn" typeface="Arial"/>
-        <a:font script="Bugi" typeface="Leelawadee UI"/>
-        <a:font script="Bopo" typeface="Microsoft JhengHei"/>
-        <a:font script="Java" typeface="Javanese Text"/>
-        <a:font script="Lisu" typeface="Segoe UI"/>
-        <a:font script="Mymr" typeface="Myanmar Text"/>
-        <a:font script="Nkoo" typeface="Ebrima"/>
-        <a:font script="Olck" typeface="Nirmala UI"/>
-        <a:font script="Osma" typeface="Ebrima"/>
-        <a:font script="Phag" typeface="Phagspa"/>
-        <a:font script="Syrn" typeface="Estrangelo Edessa"/>
-        <a:font script="Syrj" typeface="Estrangelo Edessa"/>
-        <a:font script="Syre" typeface="Estrangelo Edessa"/>
-        <a:font script="Sora" typeface="Nirmala UI"/>
-        <a:font script="Tale" typeface="Microsoft Tai Le"/>
-        <a:font script="Talu" typeface="Microsoft New Tai Lue"/>
-        <a:font script="Tfng" typeface="Ebrima"/>
       </a:minorFont>
     </a:fontScheme>
-    <a:fmtScheme name="Office">
+    <a:fmtScheme name="Ion">
       <a:fillStyleLst>
         <a:solidFill>
           <a:schemeClr val="phClr"/>
@@ -4190,23 +7010,15 @@
           <a:gsLst>
             <a:gs pos="0">
               <a:schemeClr val="phClr">
-                <a:lumMod val="110000"/>
-                <a:satMod val="105000"/>
-                <a:tint val="67000"/>
-              </a:schemeClr>
-            </a:gs>
-            <a:gs pos="50000">
-              <a:schemeClr val="phClr">
-                <a:lumMod val="105000"/>
-                <a:satMod val="103000"/>
-                <a:tint val="73000"/>
+                <a:tint val="64000"/>
+                <a:lumMod val="118000"/>
               </a:schemeClr>
             </a:gs>
             <a:gs pos="100000">
               <a:schemeClr val="phClr">
-                <a:lumMod val="105000"/>
-                <a:satMod val="109000"/>
-                <a:tint val="81000"/>
+                <a:tint val="92000"/>
+                <a:alpha val="100000"/>
+                <a:lumMod val="110000"/>
               </a:schemeClr>
             </a:gs>
           </a:gsLst>
@@ -4216,23 +7028,14 @@
           <a:gsLst>
             <a:gs pos="0">
               <a:schemeClr val="phClr">
-                <a:satMod val="103000"/>
-                <a:lumMod val="102000"/>
-                <a:tint val="94000"/>
-              </a:schemeClr>
-            </a:gs>
-            <a:gs pos="50000">
-              <a:schemeClr val="phClr">
-                <a:satMod val="110000"/>
-                <a:lumMod val="100000"/>
-                <a:shade val="100000"/>
+                <a:tint val="98000"/>
+                <a:lumMod val="114000"/>
               </a:schemeClr>
             </a:gs>
             <a:gs pos="100000">
               <a:schemeClr val="phClr">
-                <a:lumMod val="99000"/>
-                <a:satMod val="120000"/>
-                <a:shade val="78000"/>
+                <a:shade val="90000"/>
+                <a:lumMod val="84000"/>
               </a:schemeClr>
             </a:gs>
           </a:gsLst>
@@ -4240,26 +7043,23 @@
         </a:gradFill>
       </a:fillStyleLst>
       <a:lnStyleLst>
-        <a:ln w="6350" cap="flat" cmpd="sng" algn="ctr">
+        <a:ln w="9525" cap="rnd" cmpd="sng" algn="ctr">
           <a:solidFill>
             <a:schemeClr val="phClr"/>
           </a:solidFill>
           <a:prstDash val="solid"/>
-          <a:miter lim="800000"/>
         </a:ln>
-        <a:ln w="12700" cap="flat" cmpd="sng" algn="ctr">
+        <a:ln w="19050" cap="rnd" cmpd="sng" algn="ctr">
           <a:solidFill>
             <a:schemeClr val="phClr"/>
           </a:solidFill>
           <a:prstDash val="solid"/>
-          <a:miter lim="800000"/>
         </a:ln>
-        <a:ln w="19050" cap="flat" cmpd="sng" algn="ctr">
+        <a:ln w="28575" cap="rnd" cmpd="sng" algn="ctr">
           <a:solidFill>
             <a:schemeClr val="phClr"/>
           </a:solidFill>
           <a:prstDash val="solid"/>
-          <a:miter lim="800000"/>
         </a:ln>
       </a:lnStyleLst>
       <a:effectStyleLst>
@@ -4267,55 +7067,79 @@
           <a:effectLst/>
         </a:effectStyle>
         <a:effectStyle>
-          <a:effectLst/>
+          <a:effectLst>
+            <a:outerShdw blurRad="38100" dist="25400" dir="5400000" rotWithShape="0">
+              <a:srgbClr val="000000">
+                <a:alpha val="45000"/>
+              </a:srgbClr>
+            </a:outerShdw>
+          </a:effectLst>
         </a:effectStyle>
         <a:effectStyle>
           <a:effectLst>
-            <a:outerShdw blurRad="57150" dist="19050" dir="5400000" algn="ctr" rotWithShape="0">
+            <a:outerShdw blurRad="63500" dist="38100" dir="5400000" rotWithShape="0">
               <a:srgbClr val="000000">
-                <a:alpha val="63000"/>
+                <a:alpha val="60000"/>
               </a:srgbClr>
             </a:outerShdw>
           </a:effectLst>
+          <a:scene3d>
+            <a:camera prst="orthographicFront">
+              <a:rot lat="0" lon="0" rev="0"/>
+            </a:camera>
+            <a:lightRig rig="threePt" dir="tl"/>
+          </a:scene3d>
+          <a:sp3d prstMaterial="plastic">
+            <a:bevelT w="0" h="0"/>
+          </a:sp3d>
         </a:effectStyle>
       </a:effectStyleLst>
       <a:bgFillStyleLst>
         <a:solidFill>
           <a:schemeClr val="phClr"/>
         </a:solidFill>
-        <a:solidFill>
-          <a:schemeClr val="phClr">
-            <a:tint val="95000"/>
-            <a:satMod val="170000"/>
-          </a:schemeClr>
-        </a:solidFill>
         <a:gradFill rotWithShape="1">
           <a:gsLst>
             <a:gs pos="0">
               <a:schemeClr val="phClr">
-                <a:tint val="93000"/>
-                <a:satMod val="150000"/>
-                <a:shade val="98000"/>
-                <a:lumMod val="102000"/>
-              </a:schemeClr>
-            </a:gs>
-            <a:gs pos="50000">
-              <a:schemeClr val="phClr">
-                <a:tint val="98000"/>
-                <a:satMod val="130000"/>
-                <a:shade val="90000"/>
-                <a:lumMod val="103000"/>
+                <a:tint val="92000"/>
+                <a:hueMod val="96000"/>
+                <a:satMod val="128000"/>
+                <a:lumMod val="114000"/>
               </a:schemeClr>
             </a:gs>
             <a:gs pos="100000">
               <a:schemeClr val="phClr">
-                <a:shade val="63000"/>
-                <a:satMod val="120000"/>
+                <a:shade val="62000"/>
+                <a:hueMod val="100000"/>
+                <a:satMod val="134000"/>
+                <a:lumMod val="56000"/>
               </a:schemeClr>
             </a:gs>
           </a:gsLst>
-          <a:lin ang="5400000" scaled="0"/>
+          <a:path path="circle">
+            <a:fillToRect l="45000" t="65000" r="125000" b="100000"/>
+          </a:path>
         </a:gradFill>
+        <a:blipFill rotWithShape="1">
+          <a:blip xmlns:r="http://schemas.openxmlformats.org/officeDocument/2006/relationships" r:embed="rId1">
+            <a:duotone>
+              <a:schemeClr val="phClr">
+                <a:shade val="62000"/>
+                <a:hueMod val="108000"/>
+                <a:satMod val="164000"/>
+                <a:lumMod val="69000"/>
+              </a:schemeClr>
+              <a:schemeClr val="phClr">
+                <a:tint val="96000"/>
+                <a:hueMod val="90000"/>
+                <a:satMod val="130000"/>
+                <a:lumMod val="134000"/>
+              </a:schemeClr>
+            </a:duotone>
+          </a:blip>
+          <a:stretch/>
+        </a:blipFill>
       </a:bgFillStyleLst>
     </a:fmtScheme>
   </a:themeElements>
@@ -4323,7 +7147,7 @@
   <a:extraClrSchemeLst/>
   <a:extLst>
     <a:ext uri="{05A4C25C-085E-4340-85A3-A5531E510DB2}">
-      <thm15:themeFamily xmlns:thm15="http://schemas.microsoft.com/office/thememl/2012/main" name="Office Theme" id="{62F939B6-93AF-4DB8-9C6B-D6C7DFDC589F}" vid="{4A3C46E8-61CC-4603-A589-7422A47A8E4A}"/>
+      <thm15:themeFamily xmlns:thm15="http://schemas.microsoft.com/office/thememl/2012/main" name="Ion" id="{B8441ADB-2E43-4AF7-B97A-BD870242C6A8}" vid="{BACC050B-8757-4460-95D8-E37B46A6B421}"/>
     </a:ext>
   </a:extLst>
 </a:theme>

--- a/Présentation_R_Projet.pptx
+++ b/Présentation_R_Projet.pptx
@@ -9,6 +9,7 @@
     <p:sldId id="258" r:id="rId3"/>
     <p:sldId id="259" r:id="rId4"/>
     <p:sldId id="260" r:id="rId5"/>
+    <p:sldId id="261" r:id="rId6"/>
   </p:sldIdLst>
   <p:sldSz cx="12192000" cy="6858000"/>
   <p:notesSz cx="6858000" cy="9144000"/>
@@ -6888,6 +6889,484 @@
 </p:sld>
 </file>
 
+<file path=ppt/slides/slide5.xml><?xml version="1.0" encoding="utf-8"?>
+<p:sld xmlns:a="http://schemas.openxmlformats.org/drawingml/2006/main" xmlns:r="http://schemas.openxmlformats.org/officeDocument/2006/relationships" xmlns:p="http://schemas.openxmlformats.org/presentationml/2006/main">
+  <p:cSld>
+    <p:spTree>
+      <p:nvGrpSpPr>
+        <p:cNvPr id="1" name=""/>
+        <p:cNvGrpSpPr/>
+        <p:nvPr/>
+      </p:nvGrpSpPr>
+      <p:grpSpPr>
+        <a:xfrm>
+          <a:off x="0" y="0"/>
+          <a:ext cx="0" cy="0"/>
+          <a:chOff x="0" y="0"/>
+          <a:chExt cx="0" cy="0"/>
+        </a:xfrm>
+      </p:grpSpPr>
+      <p:sp>
+        <p:nvSpPr>
+          <p:cNvPr id="10" name="ZoneTexte 9">
+            <a:extLst>
+              <a:ext uri="{FF2B5EF4-FFF2-40B4-BE49-F238E27FC236}">
+                <a16:creationId xmlns:a16="http://schemas.microsoft.com/office/drawing/2014/main" id="{F7B4297F-14F8-518E-FE68-97A88C957DDB}"/>
+              </a:ext>
+            </a:extLst>
+          </p:cNvPr>
+          <p:cNvSpPr txBox="1"/>
+          <p:nvPr/>
+        </p:nvSpPr>
+        <p:spPr>
+          <a:xfrm>
+            <a:off x="1852777" y="331126"/>
+            <a:ext cx="8303490" cy="400110"/>
+          </a:xfrm>
+          <a:prstGeom prst="rect">
+            <a:avLst/>
+          </a:prstGeom>
+          <a:noFill/>
+        </p:spPr>
+        <p:txBody>
+          <a:bodyPr wrap="square" rtlCol="0">
+            <a:spAutoFit/>
+          </a:bodyPr>
+          <a:lstStyle/>
+          <a:p>
+            <a:pPr algn="ctr"/>
+            <a:r>
+              <a:rPr lang="fr-FR" sz="2000" dirty="0"/>
+              <a:t>Tableau Genre avec corrélation de la cible (DEFAULT_PAYMENT) </a:t>
+            </a:r>
+          </a:p>
+        </p:txBody>
+      </p:sp>
+      <p:sp>
+        <p:nvSpPr>
+          <p:cNvPr id="2" name="Espace réservé du numéro de diapositive 3">
+            <a:extLst>
+              <a:ext uri="{FF2B5EF4-FFF2-40B4-BE49-F238E27FC236}">
+                <a16:creationId xmlns:a16="http://schemas.microsoft.com/office/drawing/2014/main" id="{B2A89CF8-EF06-5ACA-32E4-36F06435590D}"/>
+              </a:ext>
+            </a:extLst>
+          </p:cNvPr>
+          <p:cNvSpPr>
+            <a:spLocks noGrp="1"/>
+          </p:cNvSpPr>
+          <p:nvPr>
+            <p:ph type="sldNum" sz="quarter" idx="12"/>
+          </p:nvPr>
+        </p:nvSpPr>
+        <p:spPr>
+          <a:xfrm>
+            <a:off x="10352540" y="295729"/>
+            <a:ext cx="838199" cy="767687"/>
+          </a:xfrm>
+        </p:spPr>
+        <p:txBody>
+          <a:bodyPr/>
+          <a:lstStyle/>
+          <a:p>
+            <a:fld id="{756A6F2F-FAD6-4D10-A9E2-51EFC692D845}" type="slidenum">
+              <a:rPr lang="fr-FR" b="1" smtClean="0">
+                <a:solidFill>
+                  <a:schemeClr val="bg1"/>
+                </a:solidFill>
+              </a:rPr>
+              <a:t>5</a:t>
+            </a:fld>
+            <a:endParaRPr lang="fr-FR" b="1" dirty="0">
+              <a:solidFill>
+                <a:schemeClr val="bg1"/>
+              </a:solidFill>
+            </a:endParaRPr>
+          </a:p>
+        </p:txBody>
+      </p:sp>
+      <p:pic>
+        <p:nvPicPr>
+          <p:cNvPr id="3" name="Image 2" descr="Une image contenant texte&#10;&#10;Description générée automatiquement">
+            <a:extLst>
+              <a:ext uri="{FF2B5EF4-FFF2-40B4-BE49-F238E27FC236}">
+                <a16:creationId xmlns:a16="http://schemas.microsoft.com/office/drawing/2014/main" id="{1CC2762C-7FD2-F905-BDC1-F192AA0EF56A}"/>
+              </a:ext>
+            </a:extLst>
+          </p:cNvPr>
+          <p:cNvPicPr>
+            <a:picLocks noChangeAspect="1"/>
+          </p:cNvPicPr>
+          <p:nvPr/>
+        </p:nvPicPr>
+        <p:blipFill>
+          <a:blip r:embed="rId2">
+            <a:extLst>
+              <a:ext uri="{28A0092B-C50C-407E-A947-70E740481C1C}">
+                <a14:useLocalDpi xmlns:a14="http://schemas.microsoft.com/office/drawing/2010/main" val="0"/>
+              </a:ext>
+            </a:extLst>
+          </a:blip>
+          <a:stretch>
+            <a:fillRect/>
+          </a:stretch>
+        </p:blipFill>
+        <p:spPr>
+          <a:xfrm>
+            <a:off x="4117359" y="847365"/>
+            <a:ext cx="3018540" cy="1177636"/>
+          </a:xfrm>
+          <a:prstGeom prst="rect">
+            <a:avLst/>
+          </a:prstGeom>
+        </p:spPr>
+      </p:pic>
+      <p:pic>
+        <p:nvPicPr>
+          <p:cNvPr id="6" name="Image 5" descr="Une image contenant texte, route&#10;&#10;Description générée automatiquement">
+            <a:extLst>
+              <a:ext uri="{FF2B5EF4-FFF2-40B4-BE49-F238E27FC236}">
+                <a16:creationId xmlns:a16="http://schemas.microsoft.com/office/drawing/2014/main" id="{230EC72A-03C7-2BA8-12F4-B6781D48DD5D}"/>
+              </a:ext>
+            </a:extLst>
+          </p:cNvPr>
+          <p:cNvPicPr>
+            <a:picLocks noChangeAspect="1"/>
+          </p:cNvPicPr>
+          <p:nvPr/>
+        </p:nvPicPr>
+        <p:blipFill>
+          <a:blip r:embed="rId3">
+            <a:extLst>
+              <a:ext uri="{28A0092B-C50C-407E-A947-70E740481C1C}">
+                <a14:useLocalDpi xmlns:a14="http://schemas.microsoft.com/office/drawing/2010/main" val="0"/>
+              </a:ext>
+            </a:extLst>
+          </a:blip>
+          <a:stretch>
+            <a:fillRect/>
+          </a:stretch>
+        </p:blipFill>
+        <p:spPr>
+          <a:xfrm>
+            <a:off x="4430709" y="2636777"/>
+            <a:ext cx="2255367" cy="2122138"/>
+          </a:xfrm>
+          <a:prstGeom prst="rect">
+            <a:avLst/>
+          </a:prstGeom>
+        </p:spPr>
+      </p:pic>
+      <p:sp>
+        <p:nvSpPr>
+          <p:cNvPr id="7" name="ZoneTexte 6">
+            <a:extLst>
+              <a:ext uri="{FF2B5EF4-FFF2-40B4-BE49-F238E27FC236}">
+                <a16:creationId xmlns:a16="http://schemas.microsoft.com/office/drawing/2014/main" id="{99A15445-25A7-BB22-8FD8-E7B5CB97D589}"/>
+              </a:ext>
+            </a:extLst>
+          </p:cNvPr>
+          <p:cNvSpPr txBox="1"/>
+          <p:nvPr/>
+        </p:nvSpPr>
+        <p:spPr>
+          <a:xfrm>
+            <a:off x="1656504" y="2180576"/>
+            <a:ext cx="8696036" cy="400110"/>
+          </a:xfrm>
+          <a:prstGeom prst="rect">
+            <a:avLst/>
+          </a:prstGeom>
+          <a:noFill/>
+        </p:spPr>
+        <p:txBody>
+          <a:bodyPr wrap="square" rtlCol="0">
+            <a:spAutoFit/>
+          </a:bodyPr>
+          <a:lstStyle/>
+          <a:p>
+            <a:pPr algn="ctr"/>
+            <a:r>
+              <a:rPr lang="fr-FR" sz="2000" dirty="0"/>
+              <a:t>Tableau Education avec corrélation de la cible (DEFAULT_PAYMENT) </a:t>
+            </a:r>
+          </a:p>
+        </p:txBody>
+      </p:sp>
+      <p:sp>
+        <p:nvSpPr>
+          <p:cNvPr id="8" name="ZoneTexte 7">
+            <a:extLst>
+              <a:ext uri="{FF2B5EF4-FFF2-40B4-BE49-F238E27FC236}">
+                <a16:creationId xmlns:a16="http://schemas.microsoft.com/office/drawing/2014/main" id="{289EE2F4-EAF0-0D50-287D-577295C888B8}"/>
+              </a:ext>
+            </a:extLst>
+          </p:cNvPr>
+          <p:cNvSpPr txBox="1"/>
+          <p:nvPr/>
+        </p:nvSpPr>
+        <p:spPr>
+          <a:xfrm>
+            <a:off x="1852777" y="4860423"/>
+            <a:ext cx="8594436" cy="400110"/>
+          </a:xfrm>
+          <a:prstGeom prst="rect">
+            <a:avLst/>
+          </a:prstGeom>
+          <a:noFill/>
+        </p:spPr>
+        <p:txBody>
+          <a:bodyPr wrap="square" rtlCol="0">
+            <a:spAutoFit/>
+          </a:bodyPr>
+          <a:lstStyle/>
+          <a:p>
+            <a:pPr algn="ctr"/>
+            <a:r>
+              <a:rPr lang="fr-FR" sz="2000" dirty="0"/>
+              <a:t>Tableau Mariage avec corrélation de la cible (DEFAULT_PAYMENT) </a:t>
+            </a:r>
+          </a:p>
+        </p:txBody>
+      </p:sp>
+      <p:pic>
+        <p:nvPicPr>
+          <p:cNvPr id="11" name="Image 10" descr="Une image contenant texte&#10;&#10;Description générée automatiquement">
+            <a:extLst>
+              <a:ext uri="{FF2B5EF4-FFF2-40B4-BE49-F238E27FC236}">
+                <a16:creationId xmlns:a16="http://schemas.microsoft.com/office/drawing/2014/main" id="{7A9A340A-26AE-73E0-53D8-2787AB6A20D5}"/>
+              </a:ext>
+            </a:extLst>
+          </p:cNvPr>
+          <p:cNvPicPr>
+            <a:picLocks noChangeAspect="1"/>
+          </p:cNvPicPr>
+          <p:nvPr/>
+        </p:nvPicPr>
+        <p:blipFill>
+          <a:blip r:embed="rId4">
+            <a:extLst>
+              <a:ext uri="{28A0092B-C50C-407E-A947-70E740481C1C}">
+                <a14:useLocalDpi xmlns:a14="http://schemas.microsoft.com/office/drawing/2010/main" val="0"/>
+              </a:ext>
+            </a:extLst>
+          </a:blip>
+          <a:stretch>
+            <a:fillRect/>
+          </a:stretch>
+        </p:blipFill>
+        <p:spPr>
+          <a:xfrm>
+            <a:off x="4430709" y="5362042"/>
+            <a:ext cx="2705190" cy="1361988"/>
+          </a:xfrm>
+          <a:prstGeom prst="rect">
+            <a:avLst/>
+          </a:prstGeom>
+        </p:spPr>
+      </p:pic>
+      <p:sp>
+        <p:nvSpPr>
+          <p:cNvPr id="12" name="ZoneTexte 11">
+            <a:extLst>
+              <a:ext uri="{FF2B5EF4-FFF2-40B4-BE49-F238E27FC236}">
+                <a16:creationId xmlns:a16="http://schemas.microsoft.com/office/drawing/2014/main" id="{31F25449-1320-9824-3EC2-DFEEF935CFED}"/>
+              </a:ext>
+            </a:extLst>
+          </p:cNvPr>
+          <p:cNvSpPr txBox="1"/>
+          <p:nvPr/>
+        </p:nvSpPr>
+        <p:spPr>
+          <a:xfrm>
+            <a:off x="7135899" y="5858370"/>
+            <a:ext cx="4156364" cy="369332"/>
+          </a:xfrm>
+          <a:prstGeom prst="rect">
+            <a:avLst/>
+          </a:prstGeom>
+          <a:noFill/>
+        </p:spPr>
+        <p:txBody>
+          <a:bodyPr wrap="square" rtlCol="0">
+            <a:spAutoFit/>
+          </a:bodyPr>
+          <a:lstStyle/>
+          <a:p>
+            <a:pPr algn="ctr"/>
+            <a:r>
+              <a:rPr lang="en-US" dirty="0"/>
+              <a:t>1 = Married, 2 = Single, 3 = Others </a:t>
+            </a:r>
+            <a:endParaRPr lang="fr-FR" dirty="0"/>
+          </a:p>
+        </p:txBody>
+      </p:sp>
+      <p:sp>
+        <p:nvSpPr>
+          <p:cNvPr id="13" name="ZoneTexte 12">
+            <a:extLst>
+              <a:ext uri="{FF2B5EF4-FFF2-40B4-BE49-F238E27FC236}">
+                <a16:creationId xmlns:a16="http://schemas.microsoft.com/office/drawing/2014/main" id="{0BF6D0B6-E8D5-C82A-B6A2-5841322CB58E}"/>
+              </a:ext>
+            </a:extLst>
+          </p:cNvPr>
+          <p:cNvSpPr txBox="1"/>
+          <p:nvPr/>
+        </p:nvSpPr>
+        <p:spPr>
+          <a:xfrm>
+            <a:off x="6794702" y="3397389"/>
+            <a:ext cx="4497561" cy="646331"/>
+          </a:xfrm>
+          <a:prstGeom prst="rect">
+            <a:avLst/>
+          </a:prstGeom>
+          <a:noFill/>
+        </p:spPr>
+        <p:txBody>
+          <a:bodyPr wrap="square" rtlCol="0">
+            <a:spAutoFit/>
+          </a:bodyPr>
+          <a:lstStyle/>
+          <a:p>
+            <a:pPr algn="ctr"/>
+            <a:r>
+              <a:rPr lang="en-US" dirty="0"/>
+              <a:t>1 = Graduate School, 2 = University, </a:t>
+            </a:r>
+            <a:br>
+              <a:rPr lang="en-US" dirty="0"/>
+            </a:br>
+            <a:r>
+              <a:rPr lang="en-US" dirty="0"/>
+              <a:t>3 = High School, 4 = Others</a:t>
+            </a:r>
+            <a:endParaRPr lang="fr-FR" dirty="0"/>
+          </a:p>
+        </p:txBody>
+      </p:sp>
+      <p:sp>
+        <p:nvSpPr>
+          <p:cNvPr id="14" name="ZoneTexte 13">
+            <a:extLst>
+              <a:ext uri="{FF2B5EF4-FFF2-40B4-BE49-F238E27FC236}">
+                <a16:creationId xmlns:a16="http://schemas.microsoft.com/office/drawing/2014/main" id="{38C1E8BE-9765-7DBE-3B60-42BE8014CE38}"/>
+              </a:ext>
+            </a:extLst>
+          </p:cNvPr>
+          <p:cNvSpPr txBox="1"/>
+          <p:nvPr/>
+        </p:nvSpPr>
+        <p:spPr>
+          <a:xfrm>
+            <a:off x="7334000" y="1300726"/>
+            <a:ext cx="3018540" cy="369332"/>
+          </a:xfrm>
+          <a:prstGeom prst="rect">
+            <a:avLst/>
+          </a:prstGeom>
+          <a:noFill/>
+        </p:spPr>
+        <p:txBody>
+          <a:bodyPr wrap="square" rtlCol="0">
+            <a:spAutoFit/>
+          </a:bodyPr>
+          <a:lstStyle/>
+          <a:p>
+            <a:pPr algn="ctr"/>
+            <a:r>
+              <a:rPr lang="en-US" dirty="0"/>
+              <a:t>1 = Male, 2 = Female </a:t>
+            </a:r>
+            <a:endParaRPr lang="fr-FR" dirty="0"/>
+          </a:p>
+        </p:txBody>
+      </p:sp>
+      <p:sp>
+        <p:nvSpPr>
+          <p:cNvPr id="17" name="ZoneTexte 16">
+            <a:extLst>
+              <a:ext uri="{FF2B5EF4-FFF2-40B4-BE49-F238E27FC236}">
+                <a16:creationId xmlns:a16="http://schemas.microsoft.com/office/drawing/2014/main" id="{C39B03FB-3843-89D6-F797-2BD842E25434}"/>
+              </a:ext>
+            </a:extLst>
+          </p:cNvPr>
+          <p:cNvSpPr txBox="1"/>
+          <p:nvPr/>
+        </p:nvSpPr>
+        <p:spPr>
+          <a:xfrm>
+            <a:off x="0" y="954921"/>
+            <a:ext cx="2786342" cy="369332"/>
+          </a:xfrm>
+          <a:prstGeom prst="rect">
+            <a:avLst/>
+          </a:prstGeom>
+          <a:noFill/>
+        </p:spPr>
+        <p:txBody>
+          <a:bodyPr wrap="square" rtlCol="0">
+            <a:spAutoFit/>
+          </a:bodyPr>
+          <a:lstStyle/>
+          <a:p>
+            <a:pPr algn="ctr"/>
+            <a:r>
+              <a:rPr lang="fr-FR" dirty="0"/>
+              <a:t>1 = Défaut Paiement</a:t>
+            </a:r>
+          </a:p>
+        </p:txBody>
+      </p:sp>
+      <p:sp>
+        <p:nvSpPr>
+          <p:cNvPr id="20" name="ZoneTexte 19">
+            <a:extLst>
+              <a:ext uri="{FF2B5EF4-FFF2-40B4-BE49-F238E27FC236}">
+                <a16:creationId xmlns:a16="http://schemas.microsoft.com/office/drawing/2014/main" id="{62982628-E50A-2873-12A8-EEE5B52FB5CB}"/>
+              </a:ext>
+            </a:extLst>
+          </p:cNvPr>
+          <p:cNvSpPr txBox="1"/>
+          <p:nvPr/>
+        </p:nvSpPr>
+        <p:spPr>
+          <a:xfrm>
+            <a:off x="90957" y="1271240"/>
+            <a:ext cx="3812068" cy="369332"/>
+          </a:xfrm>
+          <a:prstGeom prst="rect">
+            <a:avLst/>
+          </a:prstGeom>
+          <a:noFill/>
+        </p:spPr>
+        <p:txBody>
+          <a:bodyPr wrap="square" rtlCol="0">
+            <a:spAutoFit/>
+          </a:bodyPr>
+          <a:lstStyle/>
+          <a:p>
+            <a:pPr algn="ctr"/>
+            <a:r>
+              <a:rPr lang="fr-FR" dirty="0"/>
+              <a:t>0 = Pas de défaut de paiement</a:t>
+            </a:r>
+          </a:p>
+        </p:txBody>
+      </p:sp>
+    </p:spTree>
+    <p:extLst>
+      <p:ext uri="{BB962C8B-B14F-4D97-AF65-F5344CB8AC3E}">
+        <p14:creationId xmlns:p14="http://schemas.microsoft.com/office/powerpoint/2010/main" val="2353690274"/>
+      </p:ext>
+    </p:extLst>
+  </p:cSld>
+  <p:clrMapOvr>
+    <a:masterClrMapping/>
+  </p:clrMapOvr>
+</p:sld>
+</file>
+
 <file path=ppt/theme/theme1.xml><?xml version="1.0" encoding="utf-8"?>
 <a:theme xmlns:a="http://schemas.openxmlformats.org/drawingml/2006/main" name="Ion">
   <a:themeElements>

--- a/Présentation_R_Projet.pptx
+++ b/Présentation_R_Projet.pptx
@@ -10,6 +10,11 @@
     <p:sldId id="259" r:id="rId4"/>
     <p:sldId id="260" r:id="rId5"/>
     <p:sldId id="261" r:id="rId6"/>
+    <p:sldId id="263" r:id="rId7"/>
+    <p:sldId id="264" r:id="rId8"/>
+    <p:sldId id="265" r:id="rId9"/>
+    <p:sldId id="267" r:id="rId10"/>
+    <p:sldId id="269" r:id="rId11"/>
   </p:sldIdLst>
   <p:sldSz cx="12192000" cy="6858000"/>
   <p:notesSz cx="6858000" cy="9144000"/>
@@ -299,7 +304,7 @@
           <a:p>
             <a:fld id="{D4C1A002-2540-48EF-9E7D-CE5F1C1BD169}" type="datetimeFigureOut">
               <a:rPr lang="fr-FR" smtClean="0"/>
-              <a:t>17/11/2022</a:t>
+              <a:t>18/11/2022</a:t>
             </a:fld>
             <a:endParaRPr lang="fr-FR"/>
           </a:p>
@@ -574,7 +579,7 @@
           <a:p>
             <a:fld id="{D4C1A002-2540-48EF-9E7D-CE5F1C1BD169}" type="datetimeFigureOut">
               <a:rPr lang="fr-FR" smtClean="0"/>
-              <a:t>17/11/2022</a:t>
+              <a:t>18/11/2022</a:t>
             </a:fld>
             <a:endParaRPr lang="fr-FR"/>
           </a:p>
@@ -768,7 +773,7 @@
           <a:p>
             <a:fld id="{D4C1A002-2540-48EF-9E7D-CE5F1C1BD169}" type="datetimeFigureOut">
               <a:rPr lang="fr-FR" smtClean="0"/>
-              <a:t>17/11/2022</a:t>
+              <a:t>18/11/2022</a:t>
             </a:fld>
             <a:endParaRPr lang="fr-FR"/>
           </a:p>
@@ -1036,7 +1041,7 @@
           <a:p>
             <a:fld id="{D4C1A002-2540-48EF-9E7D-CE5F1C1BD169}" type="datetimeFigureOut">
               <a:rPr lang="fr-FR" smtClean="0"/>
-              <a:t>17/11/2022</a:t>
+              <a:t>18/11/2022</a:t>
             </a:fld>
             <a:endParaRPr lang="fr-FR"/>
           </a:p>
@@ -1368,7 +1373,7 @@
           <a:p>
             <a:fld id="{D4C1A002-2540-48EF-9E7D-CE5F1C1BD169}" type="datetimeFigureOut">
               <a:rPr lang="fr-FR" smtClean="0"/>
-              <a:t>17/11/2022</a:t>
+              <a:t>18/11/2022</a:t>
             </a:fld>
             <a:endParaRPr lang="fr-FR"/>
           </a:p>
@@ -1978,7 +1983,7 @@
           <a:p>
             <a:fld id="{D4C1A002-2540-48EF-9E7D-CE5F1C1BD169}" type="datetimeFigureOut">
               <a:rPr lang="fr-FR" smtClean="0"/>
-              <a:t>17/11/2022</a:t>
+              <a:t>18/11/2022</a:t>
             </a:fld>
             <a:endParaRPr lang="fr-FR"/>
           </a:p>
@@ -2825,7 +2830,7 @@
           <a:p>
             <a:fld id="{D4C1A002-2540-48EF-9E7D-CE5F1C1BD169}" type="datetimeFigureOut">
               <a:rPr lang="fr-FR" smtClean="0"/>
-              <a:t>17/11/2022</a:t>
+              <a:t>18/11/2022</a:t>
             </a:fld>
             <a:endParaRPr lang="fr-FR"/>
           </a:p>
@@ -2995,7 +3000,7 @@
           <a:p>
             <a:fld id="{D4C1A002-2540-48EF-9E7D-CE5F1C1BD169}" type="datetimeFigureOut">
               <a:rPr lang="fr-FR" smtClean="0"/>
-              <a:t>17/11/2022</a:t>
+              <a:t>18/11/2022</a:t>
             </a:fld>
             <a:endParaRPr lang="fr-FR"/>
           </a:p>
@@ -3175,7 +3180,7 @@
           <a:p>
             <a:fld id="{D4C1A002-2540-48EF-9E7D-CE5F1C1BD169}" type="datetimeFigureOut">
               <a:rPr lang="fr-FR" smtClean="0"/>
-              <a:t>17/11/2022</a:t>
+              <a:t>18/11/2022</a:t>
             </a:fld>
             <a:endParaRPr lang="fr-FR"/>
           </a:p>
@@ -3345,7 +3350,7 @@
           <a:p>
             <a:fld id="{D4C1A002-2540-48EF-9E7D-CE5F1C1BD169}" type="datetimeFigureOut">
               <a:rPr lang="fr-FR" smtClean="0"/>
-              <a:t>17/11/2022</a:t>
+              <a:t>18/11/2022</a:t>
             </a:fld>
             <a:endParaRPr lang="fr-FR"/>
           </a:p>
@@ -3589,7 +3594,7 @@
           <a:p>
             <a:fld id="{D4C1A002-2540-48EF-9E7D-CE5F1C1BD169}" type="datetimeFigureOut">
               <a:rPr lang="fr-FR" smtClean="0"/>
-              <a:t>17/11/2022</a:t>
+              <a:t>18/11/2022</a:t>
             </a:fld>
             <a:endParaRPr lang="fr-FR"/>
           </a:p>
@@ -3881,7 +3886,7 @@
           <a:p>
             <a:fld id="{D4C1A002-2540-48EF-9E7D-CE5F1C1BD169}" type="datetimeFigureOut">
               <a:rPr lang="fr-FR" smtClean="0"/>
-              <a:t>17/11/2022</a:t>
+              <a:t>18/11/2022</a:t>
             </a:fld>
             <a:endParaRPr lang="fr-FR"/>
           </a:p>
@@ -4319,7 +4324,7 @@
           <a:p>
             <a:fld id="{D4C1A002-2540-48EF-9E7D-CE5F1C1BD169}" type="datetimeFigureOut">
               <a:rPr lang="fr-FR" smtClean="0"/>
-              <a:t>17/11/2022</a:t>
+              <a:t>18/11/2022</a:t>
             </a:fld>
             <a:endParaRPr lang="fr-FR"/>
           </a:p>
@@ -4437,7 +4442,7 @@
           <a:p>
             <a:fld id="{D4C1A002-2540-48EF-9E7D-CE5F1C1BD169}" type="datetimeFigureOut">
               <a:rPr lang="fr-FR" smtClean="0"/>
-              <a:t>17/11/2022</a:t>
+              <a:t>18/11/2022</a:t>
             </a:fld>
             <a:endParaRPr lang="fr-FR"/>
           </a:p>
@@ -4532,7 +4537,7 @@
           <a:p>
             <a:fld id="{D4C1A002-2540-48EF-9E7D-CE5F1C1BD169}" type="datetimeFigureOut">
               <a:rPr lang="fr-FR" smtClean="0"/>
-              <a:t>17/11/2022</a:t>
+              <a:t>18/11/2022</a:t>
             </a:fld>
             <a:endParaRPr lang="fr-FR"/>
           </a:p>
@@ -4811,7 +4816,7 @@
           <a:p>
             <a:fld id="{D4C1A002-2540-48EF-9E7D-CE5F1C1BD169}" type="datetimeFigureOut">
               <a:rPr lang="fr-FR" smtClean="0"/>
-              <a:t>17/11/2022</a:t>
+              <a:t>18/11/2022</a:t>
             </a:fld>
             <a:endParaRPr lang="fr-FR"/>
           </a:p>
@@ -5086,7 +5091,7 @@
           <a:p>
             <a:fld id="{D4C1A002-2540-48EF-9E7D-CE5F1C1BD169}" type="datetimeFigureOut">
               <a:rPr lang="fr-FR" smtClean="0"/>
-              <a:t>17/11/2022</a:t>
+              <a:t>18/11/2022</a:t>
             </a:fld>
             <a:endParaRPr lang="fr-FR"/>
           </a:p>
@@ -5515,7 +5520,7 @@
           <a:p>
             <a:fld id="{D4C1A002-2540-48EF-9E7D-CE5F1C1BD169}" type="datetimeFigureOut">
               <a:rPr lang="fr-FR" smtClean="0"/>
-              <a:t>17/11/2022</a:t>
+              <a:t>18/11/2022</a:t>
             </a:fld>
             <a:endParaRPr lang="fr-FR"/>
           </a:p>
@@ -6248,6 +6253,174 @@
 </p:sld>
 </file>
 
+<file path=ppt/slides/slide10.xml><?xml version="1.0" encoding="utf-8"?>
+<p:sld xmlns:a="http://schemas.openxmlformats.org/drawingml/2006/main" xmlns:r="http://schemas.openxmlformats.org/officeDocument/2006/relationships" xmlns:p="http://schemas.openxmlformats.org/presentationml/2006/main">
+  <p:cSld>
+    <p:spTree>
+      <p:nvGrpSpPr>
+        <p:cNvPr id="1" name=""/>
+        <p:cNvGrpSpPr/>
+        <p:nvPr/>
+      </p:nvGrpSpPr>
+      <p:grpSpPr>
+        <a:xfrm>
+          <a:off x="0" y="0"/>
+          <a:ext cx="0" cy="0"/>
+          <a:chOff x="0" y="0"/>
+          <a:chExt cx="0" cy="0"/>
+        </a:xfrm>
+      </p:grpSpPr>
+      <p:sp>
+        <p:nvSpPr>
+          <p:cNvPr id="3" name="Espace réservé du contenu 2">
+            <a:extLst>
+              <a:ext uri="{FF2B5EF4-FFF2-40B4-BE49-F238E27FC236}">
+                <a16:creationId xmlns:a16="http://schemas.microsoft.com/office/drawing/2014/main" id="{C9E42898-04D7-FC29-3D9F-AFE4D93C58F3}"/>
+              </a:ext>
+            </a:extLst>
+          </p:cNvPr>
+          <p:cNvSpPr>
+            <a:spLocks noGrp="1"/>
+          </p:cNvSpPr>
+          <p:nvPr>
+            <p:ph idx="1"/>
+          </p:nvPr>
+        </p:nvSpPr>
+        <p:spPr>
+          <a:xfrm>
+            <a:off x="200890" y="1302327"/>
+            <a:ext cx="11790219" cy="2854037"/>
+          </a:xfrm>
+        </p:spPr>
+        <p:txBody>
+          <a:bodyPr>
+            <a:normAutofit/>
+          </a:bodyPr>
+          <a:lstStyle/>
+          <a:p>
+            <a:r>
+              <a:rPr lang="fr-FR" sz="1800" dirty="0"/>
+              <a:t>Partie B :</a:t>
+            </a:r>
+          </a:p>
+          <a:p>
+            <a:pPr lvl="1"/>
+            <a:r>
+              <a:rPr lang="fr-FR" dirty="0"/>
+              <a:t>Un arbre de décision est un schéma représentant les résultats possibles d'une série de choix interconnectés et les probabilités associées à chaque résultat</a:t>
+            </a:r>
+          </a:p>
+          <a:p>
+            <a:pPr lvl="1"/>
+            <a:r>
+              <a:rPr lang="fr-FR" dirty="0"/>
+              <a:t>Les paramètres à varier pour améliorer la précision de l'arbre de décision sont le nombre de nœuds, la profondeur de l'arbre, le nombre de variables à prendre en compte pour la construction de l'arbre</a:t>
+            </a:r>
+          </a:p>
+          <a:p>
+            <a:pPr lvl="1"/>
+            <a:r>
+              <a:rPr lang="fr-FR" dirty="0"/>
+              <a:t>Une forêt aléatoire est un ensemble d'arbres de décision. Chaque arbre est construit à partir d'un échantillon aléatoire de données</a:t>
+            </a:r>
+          </a:p>
+          <a:p>
+            <a:pPr marL="457200" lvl="1" indent="0">
+              <a:buNone/>
+            </a:pPr>
+            <a:endParaRPr lang="fr-FR" sz="1200" dirty="0"/>
+          </a:p>
+        </p:txBody>
+      </p:sp>
+      <p:sp>
+        <p:nvSpPr>
+          <p:cNvPr id="5" name="Espace réservé du numéro de diapositive 3">
+            <a:extLst>
+              <a:ext uri="{FF2B5EF4-FFF2-40B4-BE49-F238E27FC236}">
+                <a16:creationId xmlns:a16="http://schemas.microsoft.com/office/drawing/2014/main" id="{B505BADD-B193-9E2C-80D0-F4B4EE2E89E7}"/>
+              </a:ext>
+            </a:extLst>
+          </p:cNvPr>
+          <p:cNvSpPr>
+            <a:spLocks noGrp="1"/>
+          </p:cNvSpPr>
+          <p:nvPr>
+            <p:ph type="sldNum" sz="quarter" idx="12"/>
+          </p:nvPr>
+        </p:nvSpPr>
+        <p:spPr>
+          <a:xfrm>
+            <a:off x="10352540" y="295729"/>
+            <a:ext cx="838199" cy="767687"/>
+          </a:xfrm>
+        </p:spPr>
+        <p:txBody>
+          <a:bodyPr/>
+          <a:lstStyle/>
+          <a:p>
+            <a:fld id="{756A6F2F-FAD6-4D10-A9E2-51EFC692D845}" type="slidenum">
+              <a:rPr lang="fr-FR" b="1" smtClean="0">
+                <a:solidFill>
+                  <a:schemeClr val="bg1"/>
+                </a:solidFill>
+              </a:rPr>
+              <a:t>10</a:t>
+            </a:fld>
+            <a:endParaRPr lang="fr-FR" b="1" dirty="0">
+              <a:solidFill>
+                <a:schemeClr val="bg1"/>
+              </a:solidFill>
+            </a:endParaRPr>
+          </a:p>
+        </p:txBody>
+      </p:sp>
+      <p:sp>
+        <p:nvSpPr>
+          <p:cNvPr id="6" name="Titre 1">
+            <a:extLst>
+              <a:ext uri="{FF2B5EF4-FFF2-40B4-BE49-F238E27FC236}">
+                <a16:creationId xmlns:a16="http://schemas.microsoft.com/office/drawing/2014/main" id="{A7BB5B11-B546-195C-0606-F31C0FB11E31}"/>
+              </a:ext>
+            </a:extLst>
+          </p:cNvPr>
+          <p:cNvSpPr>
+            <a:spLocks noGrp="1"/>
+          </p:cNvSpPr>
+          <p:nvPr>
+            <p:ph type="title"/>
+          </p:nvPr>
+        </p:nvSpPr>
+        <p:spPr>
+          <a:xfrm>
+            <a:off x="672491" y="9236"/>
+            <a:ext cx="9404723" cy="803399"/>
+          </a:xfrm>
+        </p:spPr>
+        <p:txBody>
+          <a:bodyPr/>
+          <a:lstStyle/>
+          <a:p>
+            <a:pPr algn="ctr"/>
+            <a:r>
+              <a:rPr lang="fr-FR" dirty="0"/>
+              <a:t>Notes (2)</a:t>
+            </a:r>
+          </a:p>
+        </p:txBody>
+      </p:sp>
+    </p:spTree>
+    <p:extLst>
+      <p:ext uri="{BB962C8B-B14F-4D97-AF65-F5344CB8AC3E}">
+        <p14:creationId xmlns:p14="http://schemas.microsoft.com/office/powerpoint/2010/main" val="821282623"/>
+      </p:ext>
+    </p:extLst>
+  </p:cSld>
+  <p:clrMapOvr>
+    <a:masterClrMapping/>
+  </p:clrMapOvr>
+</p:sld>
+</file>
+
 <file path=ppt/slides/slide2.xml><?xml version="1.0" encoding="utf-8"?>
 <p:sld xmlns:a="http://schemas.openxmlformats.org/drawingml/2006/main" xmlns:r="http://schemas.openxmlformats.org/officeDocument/2006/relationships" xmlns:p="http://schemas.openxmlformats.org/presentationml/2006/main">
   <p:cSld>
@@ -7358,6 +7531,678 @@
     <p:extLst>
       <p:ext uri="{BB962C8B-B14F-4D97-AF65-F5344CB8AC3E}">
         <p14:creationId xmlns:p14="http://schemas.microsoft.com/office/powerpoint/2010/main" val="2353690274"/>
+      </p:ext>
+    </p:extLst>
+  </p:cSld>
+  <p:clrMapOvr>
+    <a:masterClrMapping/>
+  </p:clrMapOvr>
+</p:sld>
+</file>
+
+<file path=ppt/slides/slide6.xml><?xml version="1.0" encoding="utf-8"?>
+<p:sld xmlns:a="http://schemas.openxmlformats.org/drawingml/2006/main" xmlns:r="http://schemas.openxmlformats.org/officeDocument/2006/relationships" xmlns:p="http://schemas.openxmlformats.org/presentationml/2006/main">
+  <p:cSld>
+    <p:spTree>
+      <p:nvGrpSpPr>
+        <p:cNvPr id="1" name=""/>
+        <p:cNvGrpSpPr/>
+        <p:nvPr/>
+      </p:nvGrpSpPr>
+      <p:grpSpPr>
+        <a:xfrm>
+          <a:off x="0" y="0"/>
+          <a:ext cx="0" cy="0"/>
+          <a:chOff x="0" y="0"/>
+          <a:chExt cx="0" cy="0"/>
+        </a:xfrm>
+      </p:grpSpPr>
+      <p:sp>
+        <p:nvSpPr>
+          <p:cNvPr id="10" name="ZoneTexte 9">
+            <a:extLst>
+              <a:ext uri="{FF2B5EF4-FFF2-40B4-BE49-F238E27FC236}">
+                <a16:creationId xmlns:a16="http://schemas.microsoft.com/office/drawing/2014/main" id="{F7B4297F-14F8-518E-FE68-97A88C957DDB}"/>
+              </a:ext>
+            </a:extLst>
+          </p:cNvPr>
+          <p:cNvSpPr txBox="1"/>
+          <p:nvPr/>
+        </p:nvSpPr>
+        <p:spPr>
+          <a:xfrm>
+            <a:off x="1571727" y="1454726"/>
+            <a:ext cx="8358909" cy="400110"/>
+          </a:xfrm>
+          <a:prstGeom prst="rect">
+            <a:avLst/>
+          </a:prstGeom>
+          <a:noFill/>
+        </p:spPr>
+        <p:txBody>
+          <a:bodyPr wrap="square" rtlCol="0">
+            <a:spAutoFit/>
+          </a:bodyPr>
+          <a:lstStyle/>
+          <a:p>
+            <a:pPr algn="ctr"/>
+            <a:r>
+              <a:rPr lang="fr-FR" sz="2000" dirty="0"/>
+              <a:t>Corrplot Cible avec corrélation de la cible (DEFAULT_PAYMENT)</a:t>
+            </a:r>
+          </a:p>
+        </p:txBody>
+      </p:sp>
+      <p:sp>
+        <p:nvSpPr>
+          <p:cNvPr id="2" name="Espace réservé du numéro de diapositive 3">
+            <a:extLst>
+              <a:ext uri="{FF2B5EF4-FFF2-40B4-BE49-F238E27FC236}">
+                <a16:creationId xmlns:a16="http://schemas.microsoft.com/office/drawing/2014/main" id="{B2A89CF8-EF06-5ACA-32E4-36F06435590D}"/>
+              </a:ext>
+            </a:extLst>
+          </p:cNvPr>
+          <p:cNvSpPr>
+            <a:spLocks noGrp="1"/>
+          </p:cNvSpPr>
+          <p:nvPr>
+            <p:ph type="sldNum" sz="quarter" idx="12"/>
+          </p:nvPr>
+        </p:nvSpPr>
+        <p:spPr>
+          <a:xfrm>
+            <a:off x="10352540" y="295729"/>
+            <a:ext cx="838199" cy="767687"/>
+          </a:xfrm>
+        </p:spPr>
+        <p:txBody>
+          <a:bodyPr/>
+          <a:lstStyle/>
+          <a:p>
+            <a:fld id="{756A6F2F-FAD6-4D10-A9E2-51EFC692D845}" type="slidenum">
+              <a:rPr lang="fr-FR" b="1" smtClean="0">
+                <a:solidFill>
+                  <a:schemeClr val="bg1"/>
+                </a:solidFill>
+              </a:rPr>
+              <a:t>6</a:t>
+            </a:fld>
+            <a:endParaRPr lang="fr-FR" b="1" dirty="0">
+              <a:solidFill>
+                <a:schemeClr val="bg1"/>
+              </a:solidFill>
+            </a:endParaRPr>
+          </a:p>
+        </p:txBody>
+      </p:sp>
+      <p:pic>
+        <p:nvPicPr>
+          <p:cNvPr id="5" name="Image 4">
+            <a:extLst>
+              <a:ext uri="{FF2B5EF4-FFF2-40B4-BE49-F238E27FC236}">
+                <a16:creationId xmlns:a16="http://schemas.microsoft.com/office/drawing/2014/main" id="{EAA473F2-8649-2C42-E843-8C1520547E1E}"/>
+              </a:ext>
+            </a:extLst>
+          </p:cNvPr>
+          <p:cNvPicPr>
+            <a:picLocks noChangeAspect="1"/>
+          </p:cNvPicPr>
+          <p:nvPr/>
+        </p:nvPicPr>
+        <p:blipFill rotWithShape="1">
+          <a:blip r:embed="rId2">
+            <a:extLst>
+              <a:ext uri="{28A0092B-C50C-407E-A947-70E740481C1C}">
+                <a14:useLocalDpi xmlns:a14="http://schemas.microsoft.com/office/drawing/2010/main" val="0"/>
+              </a:ext>
+            </a:extLst>
+          </a:blip>
+          <a:srcRect l="2219" t="8135" r="13797" b="11509"/>
+          <a:stretch/>
+        </p:blipFill>
+        <p:spPr>
+          <a:xfrm>
+            <a:off x="3325090" y="2098033"/>
+            <a:ext cx="4840534" cy="4332786"/>
+          </a:xfrm>
+          <a:prstGeom prst="rect">
+            <a:avLst/>
+          </a:prstGeom>
+        </p:spPr>
+      </p:pic>
+    </p:spTree>
+    <p:extLst>
+      <p:ext uri="{BB962C8B-B14F-4D97-AF65-F5344CB8AC3E}">
+        <p14:creationId xmlns:p14="http://schemas.microsoft.com/office/powerpoint/2010/main" val="1669636292"/>
+      </p:ext>
+    </p:extLst>
+  </p:cSld>
+  <p:clrMapOvr>
+    <a:masterClrMapping/>
+  </p:clrMapOvr>
+</p:sld>
+</file>
+
+<file path=ppt/slides/slide7.xml><?xml version="1.0" encoding="utf-8"?>
+<p:sld xmlns:a="http://schemas.openxmlformats.org/drawingml/2006/main" xmlns:r="http://schemas.openxmlformats.org/officeDocument/2006/relationships" xmlns:p="http://schemas.openxmlformats.org/presentationml/2006/main">
+  <p:cSld>
+    <p:spTree>
+      <p:nvGrpSpPr>
+        <p:cNvPr id="1" name=""/>
+        <p:cNvGrpSpPr/>
+        <p:nvPr/>
+      </p:nvGrpSpPr>
+      <p:grpSpPr>
+        <a:xfrm>
+          <a:off x="0" y="0"/>
+          <a:ext cx="0" cy="0"/>
+          <a:chOff x="0" y="0"/>
+          <a:chExt cx="0" cy="0"/>
+        </a:xfrm>
+      </p:grpSpPr>
+      <p:sp>
+        <p:nvSpPr>
+          <p:cNvPr id="10" name="ZoneTexte 9">
+            <a:extLst>
+              <a:ext uri="{FF2B5EF4-FFF2-40B4-BE49-F238E27FC236}">
+                <a16:creationId xmlns:a16="http://schemas.microsoft.com/office/drawing/2014/main" id="{F7B4297F-14F8-518E-FE68-97A88C957DDB}"/>
+              </a:ext>
+            </a:extLst>
+          </p:cNvPr>
+          <p:cNvSpPr txBox="1"/>
+          <p:nvPr/>
+        </p:nvSpPr>
+        <p:spPr>
+          <a:xfrm>
+            <a:off x="1800327" y="1273751"/>
+            <a:ext cx="8358909" cy="400110"/>
+          </a:xfrm>
+          <a:prstGeom prst="rect">
+            <a:avLst/>
+          </a:prstGeom>
+          <a:noFill/>
+        </p:spPr>
+        <p:txBody>
+          <a:bodyPr wrap="square" rtlCol="0">
+            <a:spAutoFit/>
+          </a:bodyPr>
+          <a:lstStyle/>
+          <a:p>
+            <a:pPr algn="ctr"/>
+            <a:r>
+              <a:rPr lang="fr-FR" sz="2000" dirty="0"/>
+              <a:t>Corrplot Cible avec corrélation de la cible (DEFAULT_PAYMENT)</a:t>
+            </a:r>
+          </a:p>
+        </p:txBody>
+      </p:sp>
+      <p:sp>
+        <p:nvSpPr>
+          <p:cNvPr id="2" name="Espace réservé du numéro de diapositive 3">
+            <a:extLst>
+              <a:ext uri="{FF2B5EF4-FFF2-40B4-BE49-F238E27FC236}">
+                <a16:creationId xmlns:a16="http://schemas.microsoft.com/office/drawing/2014/main" id="{B2A89CF8-EF06-5ACA-32E4-36F06435590D}"/>
+              </a:ext>
+            </a:extLst>
+          </p:cNvPr>
+          <p:cNvSpPr>
+            <a:spLocks noGrp="1"/>
+          </p:cNvSpPr>
+          <p:nvPr>
+            <p:ph type="sldNum" sz="quarter" idx="12"/>
+          </p:nvPr>
+        </p:nvSpPr>
+        <p:spPr>
+          <a:xfrm>
+            <a:off x="10352540" y="295729"/>
+            <a:ext cx="838199" cy="767687"/>
+          </a:xfrm>
+        </p:spPr>
+        <p:txBody>
+          <a:bodyPr/>
+          <a:lstStyle/>
+          <a:p>
+            <a:fld id="{756A6F2F-FAD6-4D10-A9E2-51EFC692D845}" type="slidenum">
+              <a:rPr lang="fr-FR" b="1" smtClean="0">
+                <a:solidFill>
+                  <a:schemeClr val="bg1"/>
+                </a:solidFill>
+              </a:rPr>
+              <a:t>7</a:t>
+            </a:fld>
+            <a:endParaRPr lang="fr-FR" b="1" dirty="0">
+              <a:solidFill>
+                <a:schemeClr val="bg1"/>
+              </a:solidFill>
+            </a:endParaRPr>
+          </a:p>
+        </p:txBody>
+      </p:sp>
+      <p:pic>
+        <p:nvPicPr>
+          <p:cNvPr id="4" name="Image 3">
+            <a:extLst>
+              <a:ext uri="{FF2B5EF4-FFF2-40B4-BE49-F238E27FC236}">
+                <a16:creationId xmlns:a16="http://schemas.microsoft.com/office/drawing/2014/main" id="{1902A856-A49E-6A08-F894-2326E4123717}"/>
+              </a:ext>
+            </a:extLst>
+          </p:cNvPr>
+          <p:cNvPicPr>
+            <a:picLocks noChangeAspect="1"/>
+          </p:cNvPicPr>
+          <p:nvPr/>
+        </p:nvPicPr>
+        <p:blipFill rotWithShape="1">
+          <a:blip r:embed="rId2">
+            <a:extLst>
+              <a:ext uri="{28A0092B-C50C-407E-A947-70E740481C1C}">
+                <a14:useLocalDpi xmlns:a14="http://schemas.microsoft.com/office/drawing/2010/main" val="0"/>
+              </a:ext>
+            </a:extLst>
+          </a:blip>
+          <a:srcRect l="538" t="1111" r="1753" b="2666"/>
+          <a:stretch/>
+        </p:blipFill>
+        <p:spPr>
+          <a:xfrm>
+            <a:off x="3209925" y="1854836"/>
+            <a:ext cx="5019675" cy="4624510"/>
+          </a:xfrm>
+          <a:prstGeom prst="rect">
+            <a:avLst/>
+          </a:prstGeom>
+        </p:spPr>
+      </p:pic>
+    </p:spTree>
+    <p:extLst>
+      <p:ext uri="{BB962C8B-B14F-4D97-AF65-F5344CB8AC3E}">
+        <p14:creationId xmlns:p14="http://schemas.microsoft.com/office/powerpoint/2010/main" val="2479413518"/>
+      </p:ext>
+    </p:extLst>
+  </p:cSld>
+  <p:clrMapOvr>
+    <a:masterClrMapping/>
+  </p:clrMapOvr>
+</p:sld>
+</file>
+
+<file path=ppt/slides/slide8.xml><?xml version="1.0" encoding="utf-8"?>
+<p:sld xmlns:a="http://schemas.openxmlformats.org/drawingml/2006/main" xmlns:r="http://schemas.openxmlformats.org/officeDocument/2006/relationships" xmlns:p="http://schemas.openxmlformats.org/presentationml/2006/main">
+  <p:cSld>
+    <p:spTree>
+      <p:nvGrpSpPr>
+        <p:cNvPr id="1" name=""/>
+        <p:cNvGrpSpPr/>
+        <p:nvPr/>
+      </p:nvGrpSpPr>
+      <p:grpSpPr>
+        <a:xfrm>
+          <a:off x="0" y="0"/>
+          <a:ext cx="0" cy="0"/>
+          <a:chOff x="0" y="0"/>
+          <a:chExt cx="0" cy="0"/>
+        </a:xfrm>
+      </p:grpSpPr>
+      <p:sp>
+        <p:nvSpPr>
+          <p:cNvPr id="10" name="ZoneTexte 9">
+            <a:extLst>
+              <a:ext uri="{FF2B5EF4-FFF2-40B4-BE49-F238E27FC236}">
+                <a16:creationId xmlns:a16="http://schemas.microsoft.com/office/drawing/2014/main" id="{F7B4297F-14F8-518E-FE68-97A88C957DDB}"/>
+              </a:ext>
+            </a:extLst>
+          </p:cNvPr>
+          <p:cNvSpPr txBox="1"/>
+          <p:nvPr/>
+        </p:nvSpPr>
+        <p:spPr>
+          <a:xfrm>
+            <a:off x="1366981" y="1319932"/>
+            <a:ext cx="10095346" cy="400110"/>
+          </a:xfrm>
+          <a:prstGeom prst="rect">
+            <a:avLst/>
+          </a:prstGeom>
+          <a:noFill/>
+        </p:spPr>
+        <p:txBody>
+          <a:bodyPr wrap="square" rtlCol="0">
+            <a:spAutoFit/>
+          </a:bodyPr>
+          <a:lstStyle/>
+          <a:p>
+            <a:pPr algn="ctr"/>
+            <a:r>
+              <a:rPr lang="fr-FR" sz="2000" dirty="0"/>
+              <a:t>Jeu de données  avec un échantillon d’apprentissage et un échantillon de test</a:t>
+            </a:r>
+          </a:p>
+        </p:txBody>
+      </p:sp>
+      <p:sp>
+        <p:nvSpPr>
+          <p:cNvPr id="2" name="Espace réservé du numéro de diapositive 3">
+            <a:extLst>
+              <a:ext uri="{FF2B5EF4-FFF2-40B4-BE49-F238E27FC236}">
+                <a16:creationId xmlns:a16="http://schemas.microsoft.com/office/drawing/2014/main" id="{B2A89CF8-EF06-5ACA-32E4-36F06435590D}"/>
+              </a:ext>
+            </a:extLst>
+          </p:cNvPr>
+          <p:cNvSpPr>
+            <a:spLocks noGrp="1"/>
+          </p:cNvSpPr>
+          <p:nvPr>
+            <p:ph type="sldNum" sz="quarter" idx="12"/>
+          </p:nvPr>
+        </p:nvSpPr>
+        <p:spPr>
+          <a:xfrm>
+            <a:off x="10352540" y="295729"/>
+            <a:ext cx="838199" cy="767687"/>
+          </a:xfrm>
+        </p:spPr>
+        <p:txBody>
+          <a:bodyPr/>
+          <a:lstStyle/>
+          <a:p>
+            <a:fld id="{756A6F2F-FAD6-4D10-A9E2-51EFC692D845}" type="slidenum">
+              <a:rPr lang="fr-FR" b="1" smtClean="0">
+                <a:solidFill>
+                  <a:schemeClr val="bg1"/>
+                </a:solidFill>
+              </a:rPr>
+              <a:t>8</a:t>
+            </a:fld>
+            <a:endParaRPr lang="fr-FR" b="1" dirty="0">
+              <a:solidFill>
+                <a:schemeClr val="bg1"/>
+              </a:solidFill>
+            </a:endParaRPr>
+          </a:p>
+        </p:txBody>
+      </p:sp>
+      <p:pic>
+        <p:nvPicPr>
+          <p:cNvPr id="5" name="Image 4">
+            <a:extLst>
+              <a:ext uri="{FF2B5EF4-FFF2-40B4-BE49-F238E27FC236}">
+                <a16:creationId xmlns:a16="http://schemas.microsoft.com/office/drawing/2014/main" id="{4B32CE0A-1784-DCC1-E885-719A12E37B66}"/>
+              </a:ext>
+            </a:extLst>
+          </p:cNvPr>
+          <p:cNvPicPr>
+            <a:picLocks noChangeAspect="1"/>
+          </p:cNvPicPr>
+          <p:nvPr/>
+        </p:nvPicPr>
+        <p:blipFill rotWithShape="1">
+          <a:blip r:embed="rId2">
+            <a:extLst>
+              <a:ext uri="{28A0092B-C50C-407E-A947-70E740481C1C}">
+                <a14:useLocalDpi xmlns:a14="http://schemas.microsoft.com/office/drawing/2010/main" val="0"/>
+              </a:ext>
+            </a:extLst>
+          </a:blip>
+          <a:srcRect t="5714" r="3796"/>
+          <a:stretch/>
+        </p:blipFill>
+        <p:spPr>
+          <a:xfrm>
+            <a:off x="980641" y="1976558"/>
+            <a:ext cx="4876800" cy="4471397"/>
+          </a:xfrm>
+          <a:prstGeom prst="rect">
+            <a:avLst/>
+          </a:prstGeom>
+        </p:spPr>
+      </p:pic>
+      <p:pic>
+        <p:nvPicPr>
+          <p:cNvPr id="7" name="Image 6">
+            <a:extLst>
+              <a:ext uri="{FF2B5EF4-FFF2-40B4-BE49-F238E27FC236}">
+                <a16:creationId xmlns:a16="http://schemas.microsoft.com/office/drawing/2014/main" id="{74EC3B31-D0E1-87D4-FAB8-CFD9E34B12B6}"/>
+              </a:ext>
+            </a:extLst>
+          </p:cNvPr>
+          <p:cNvPicPr>
+            <a:picLocks noChangeAspect="1"/>
+          </p:cNvPicPr>
+          <p:nvPr/>
+        </p:nvPicPr>
+        <p:blipFill rotWithShape="1">
+          <a:blip r:embed="rId3">
+            <a:extLst>
+              <a:ext uri="{28A0092B-C50C-407E-A947-70E740481C1C}">
+                <a14:useLocalDpi xmlns:a14="http://schemas.microsoft.com/office/drawing/2010/main" val="0"/>
+              </a:ext>
+            </a:extLst>
+          </a:blip>
+          <a:srcRect l="3354" t="7500" r="3094" b="10277"/>
+          <a:stretch/>
+        </p:blipFill>
+        <p:spPr>
+          <a:xfrm>
+            <a:off x="6334561" y="1976557"/>
+            <a:ext cx="5438187" cy="4471397"/>
+          </a:xfrm>
+          <a:prstGeom prst="rect">
+            <a:avLst/>
+          </a:prstGeom>
+        </p:spPr>
+      </p:pic>
+    </p:spTree>
+    <p:extLst>
+      <p:ext uri="{BB962C8B-B14F-4D97-AF65-F5344CB8AC3E}">
+        <p14:creationId xmlns:p14="http://schemas.microsoft.com/office/powerpoint/2010/main" val="3483305602"/>
+      </p:ext>
+    </p:extLst>
+  </p:cSld>
+  <p:clrMapOvr>
+    <a:masterClrMapping/>
+  </p:clrMapOvr>
+</p:sld>
+</file>
+
+<file path=ppt/slides/slide9.xml><?xml version="1.0" encoding="utf-8"?>
+<p:sld xmlns:a="http://schemas.openxmlformats.org/drawingml/2006/main" xmlns:r="http://schemas.openxmlformats.org/officeDocument/2006/relationships" xmlns:p="http://schemas.openxmlformats.org/presentationml/2006/main">
+  <p:cSld>
+    <p:spTree>
+      <p:nvGrpSpPr>
+        <p:cNvPr id="1" name=""/>
+        <p:cNvGrpSpPr/>
+        <p:nvPr/>
+      </p:nvGrpSpPr>
+      <p:grpSpPr>
+        <a:xfrm>
+          <a:off x="0" y="0"/>
+          <a:ext cx="0" cy="0"/>
+          <a:chOff x="0" y="0"/>
+          <a:chExt cx="0" cy="0"/>
+        </a:xfrm>
+      </p:grpSpPr>
+      <p:sp>
+        <p:nvSpPr>
+          <p:cNvPr id="3" name="Espace réservé du contenu 2">
+            <a:extLst>
+              <a:ext uri="{FF2B5EF4-FFF2-40B4-BE49-F238E27FC236}">
+                <a16:creationId xmlns:a16="http://schemas.microsoft.com/office/drawing/2014/main" id="{C9E42898-04D7-FC29-3D9F-AFE4D93C58F3}"/>
+              </a:ext>
+            </a:extLst>
+          </p:cNvPr>
+          <p:cNvSpPr>
+            <a:spLocks noGrp="1"/>
+          </p:cNvSpPr>
+          <p:nvPr>
+            <p:ph idx="1"/>
+          </p:nvPr>
+        </p:nvSpPr>
+        <p:spPr>
+          <a:xfrm>
+            <a:off x="124690" y="1154546"/>
+            <a:ext cx="11799455" cy="5310909"/>
+          </a:xfrm>
+        </p:spPr>
+        <p:txBody>
+          <a:bodyPr>
+            <a:normAutofit/>
+          </a:bodyPr>
+          <a:lstStyle/>
+          <a:p>
+            <a:r>
+              <a:rPr lang="fr-FR" sz="1800" dirty="0"/>
+              <a:t>Q5 :</a:t>
+            </a:r>
+          </a:p>
+          <a:p>
+            <a:pPr lvl="1"/>
+            <a:r>
+              <a:rPr lang="fr-FR" dirty="0"/>
+              <a:t>Colonne MARRIAGE possède des données où la valeur est 0, =&gt; donnée non reconnu</a:t>
+            </a:r>
+          </a:p>
+          <a:p>
+            <a:pPr lvl="1"/>
+            <a:r>
+              <a:rPr lang="fr-FR" dirty="0"/>
+              <a:t>Colonne EDUCATION possède des données où la valeur est 0, 5, 6 =&gt; donnée non reconnu</a:t>
+            </a:r>
+          </a:p>
+          <a:p>
+            <a:r>
+              <a:rPr lang="fr-FR" sz="1800" dirty="0"/>
+              <a:t>Q7 :</a:t>
+            </a:r>
+          </a:p>
+          <a:p>
+            <a:pPr lvl="1"/>
+            <a:r>
+              <a:rPr lang="fr-FR" dirty="0"/>
+              <a:t>Les variables BILL_AMT1 jusqu’à BILL_AMT6 sont fortement corrélées entre elles</a:t>
+            </a:r>
+          </a:p>
+          <a:p>
+            <a:pPr lvl="1"/>
+            <a:r>
+              <a:rPr lang="fr-FR" dirty="0"/>
+              <a:t>Les variables PAY_1, jusqu’à PAY_6 sont fortement corrélées entre elles</a:t>
+            </a:r>
+          </a:p>
+          <a:p>
+            <a:r>
+              <a:rPr lang="fr-FR" sz="1800" dirty="0"/>
+              <a:t>Q11 :</a:t>
+            </a:r>
+          </a:p>
+          <a:p>
+            <a:pPr lvl="1"/>
+            <a:r>
+              <a:rPr lang="fr-FR" dirty="0"/>
+              <a:t>Quand on sépare les données en Train et Test, on peut travailler sur les données de Train et ensuite on teste ces données sur Test afin de juger la précision de notre modèle</a:t>
+            </a:r>
+          </a:p>
+          <a:p>
+            <a:r>
+              <a:rPr lang="fr-FR" sz="1800" dirty="0"/>
+              <a:t>Q13 :</a:t>
+            </a:r>
+          </a:p>
+          <a:p>
+            <a:pPr lvl="1"/>
+            <a:r>
+              <a:rPr lang="fr-FR" dirty="0"/>
+              <a:t>L'indice de Gini permet de mesurer la qualité d'un modèle de classification où tous les salaires, revenus sont supérieurs à 0</a:t>
+            </a:r>
+          </a:p>
+          <a:p>
+            <a:pPr lvl="1"/>
+            <a:r>
+              <a:rPr lang="fr-FR" dirty="0"/>
+              <a:t>On voit que les indices de Gini ont une valeur proche de 0.4, ce qui indique que les inégalités de salaire, revenus et niveaux sont à peu près égales entre elles</a:t>
+            </a:r>
+          </a:p>
+        </p:txBody>
+      </p:sp>
+      <p:sp>
+        <p:nvSpPr>
+          <p:cNvPr id="5" name="Espace réservé du numéro de diapositive 3">
+            <a:extLst>
+              <a:ext uri="{FF2B5EF4-FFF2-40B4-BE49-F238E27FC236}">
+                <a16:creationId xmlns:a16="http://schemas.microsoft.com/office/drawing/2014/main" id="{B505BADD-B193-9E2C-80D0-F4B4EE2E89E7}"/>
+              </a:ext>
+            </a:extLst>
+          </p:cNvPr>
+          <p:cNvSpPr>
+            <a:spLocks noGrp="1"/>
+          </p:cNvSpPr>
+          <p:nvPr>
+            <p:ph type="sldNum" sz="quarter" idx="12"/>
+          </p:nvPr>
+        </p:nvSpPr>
+        <p:spPr>
+          <a:xfrm>
+            <a:off x="10352540" y="295729"/>
+            <a:ext cx="838199" cy="767687"/>
+          </a:xfrm>
+        </p:spPr>
+        <p:txBody>
+          <a:bodyPr/>
+          <a:lstStyle/>
+          <a:p>
+            <a:fld id="{756A6F2F-FAD6-4D10-A9E2-51EFC692D845}" type="slidenum">
+              <a:rPr lang="fr-FR" b="1" smtClean="0">
+                <a:solidFill>
+                  <a:schemeClr val="bg1"/>
+                </a:solidFill>
+              </a:rPr>
+              <a:t>9</a:t>
+            </a:fld>
+            <a:endParaRPr lang="fr-FR" b="1" dirty="0">
+              <a:solidFill>
+                <a:schemeClr val="bg1"/>
+              </a:solidFill>
+            </a:endParaRPr>
+          </a:p>
+        </p:txBody>
+      </p:sp>
+      <p:sp>
+        <p:nvSpPr>
+          <p:cNvPr id="6" name="Titre 1">
+            <a:extLst>
+              <a:ext uri="{FF2B5EF4-FFF2-40B4-BE49-F238E27FC236}">
+                <a16:creationId xmlns:a16="http://schemas.microsoft.com/office/drawing/2014/main" id="{A7BB5B11-B546-195C-0606-F31C0FB11E31}"/>
+              </a:ext>
+            </a:extLst>
+          </p:cNvPr>
+          <p:cNvSpPr>
+            <a:spLocks noGrp="1"/>
+          </p:cNvSpPr>
+          <p:nvPr>
+            <p:ph type="title"/>
+          </p:nvPr>
+        </p:nvSpPr>
+        <p:spPr>
+          <a:xfrm>
+            <a:off x="672491" y="9236"/>
+            <a:ext cx="9404723" cy="803399"/>
+          </a:xfrm>
+        </p:spPr>
+        <p:txBody>
+          <a:bodyPr/>
+          <a:lstStyle/>
+          <a:p>
+            <a:pPr algn="ctr"/>
+            <a:r>
+              <a:rPr lang="fr-FR" dirty="0"/>
+              <a:t>Notes (1)</a:t>
+            </a:r>
+          </a:p>
+        </p:txBody>
+      </p:sp>
+    </p:spTree>
+    <p:extLst>
+      <p:ext uri="{BB962C8B-B14F-4D97-AF65-F5344CB8AC3E}">
+        <p14:creationId xmlns:p14="http://schemas.microsoft.com/office/powerpoint/2010/main" val="2811765407"/>
       </p:ext>
     </p:extLst>
   </p:cSld>

--- a/Présentation_R_Projet.pptx
+++ b/Présentation_R_Projet.pptx
@@ -13,8 +13,9 @@
     <p:sldId id="263" r:id="rId7"/>
     <p:sldId id="264" r:id="rId8"/>
     <p:sldId id="265" r:id="rId9"/>
-    <p:sldId id="267" r:id="rId10"/>
-    <p:sldId id="269" r:id="rId11"/>
+    <p:sldId id="270" r:id="rId10"/>
+    <p:sldId id="267" r:id="rId11"/>
+    <p:sldId id="269" r:id="rId12"/>
   </p:sldIdLst>
   <p:sldSz cx="12192000" cy="6858000"/>
   <p:notesSz cx="6858000" cy="9144000"/>
@@ -6288,8 +6289,8 @@
         </p:nvSpPr>
         <p:spPr>
           <a:xfrm>
-            <a:off x="200890" y="1302327"/>
-            <a:ext cx="11790219" cy="2854037"/>
+            <a:off x="124690" y="1154546"/>
+            <a:ext cx="11799455" cy="5310909"/>
           </a:xfrm>
         </p:spPr>
         <p:txBody>
@@ -6300,35 +6301,75 @@
           <a:p>
             <a:r>
               <a:rPr lang="fr-FR" sz="1800" dirty="0"/>
-              <a:t>Partie B :</a:t>
+              <a:t>Q5 :</a:t>
             </a:r>
           </a:p>
           <a:p>
             <a:pPr lvl="1"/>
             <a:r>
               <a:rPr lang="fr-FR" dirty="0"/>
-              <a:t>Un arbre de décision est un schéma représentant les résultats possibles d'une série de choix interconnectés et les probabilités associées à chaque résultat</a:t>
+              <a:t>Colonne MARRIAGE possède des données où la valeur est 0, =&gt; donnée non reconnu</a:t>
             </a:r>
           </a:p>
           <a:p>
             <a:pPr lvl="1"/>
             <a:r>
               <a:rPr lang="fr-FR" dirty="0"/>
-              <a:t>Les paramètres à varier pour améliorer la précision de l'arbre de décision sont le nombre de nœuds, la profondeur de l'arbre, le nombre de variables à prendre en compte pour la construction de l'arbre</a:t>
+              <a:t>Colonne EDUCATION possède des données où la valeur est 0, 5, 6 =&gt; donnée non reconnu</a:t>
+            </a:r>
+          </a:p>
+          <a:p>
+            <a:r>
+              <a:rPr lang="fr-FR" sz="1800" dirty="0"/>
+              <a:t>Q7 :</a:t>
             </a:r>
           </a:p>
           <a:p>
             <a:pPr lvl="1"/>
             <a:r>
               <a:rPr lang="fr-FR" dirty="0"/>
-              <a:t>Une forêt aléatoire est un ensemble d'arbres de décision. Chaque arbre est construit à partir d'un échantillon aléatoire de données</a:t>
-            </a:r>
-          </a:p>
-          <a:p>
-            <a:pPr marL="457200" lvl="1" indent="0">
-              <a:buNone/>
-            </a:pPr>
-            <a:endParaRPr lang="fr-FR" sz="1200" dirty="0"/>
+              <a:t>Les variables BILL_AMT1 jusqu’à BILL_AMT6 sont fortement corrélées entre elles</a:t>
+            </a:r>
+          </a:p>
+          <a:p>
+            <a:pPr lvl="1"/>
+            <a:r>
+              <a:rPr lang="fr-FR" dirty="0"/>
+              <a:t>Les variables PAY_1, jusqu’à PAY_6 sont fortement corrélées entre elles</a:t>
+            </a:r>
+          </a:p>
+          <a:p>
+            <a:r>
+              <a:rPr lang="fr-FR" sz="1800" dirty="0"/>
+              <a:t>Q11 :</a:t>
+            </a:r>
+          </a:p>
+          <a:p>
+            <a:pPr lvl="1"/>
+            <a:r>
+              <a:rPr lang="fr-FR" dirty="0"/>
+              <a:t>Quand on sépare les données en Train et Test, on peut travailler sur les données de Train et ensuite on teste ces données sur Test afin de juger la précision de notre modèle</a:t>
+            </a:r>
+          </a:p>
+          <a:p>
+            <a:r>
+              <a:rPr lang="fr-FR" sz="1800" dirty="0"/>
+              <a:t>Q13 :</a:t>
+            </a:r>
+          </a:p>
+          <a:p>
+            <a:pPr lvl="1"/>
+            <a:r>
+              <a:rPr lang="fr-FR" dirty="0"/>
+              <a:t>L'indice de Gini permet de mesurer la qualité d'un modèle de classification où tous les salaires, revenus sont supérieurs à 0</a:t>
+            </a:r>
+          </a:p>
+          <a:p>
+            <a:pPr lvl="1"/>
+            <a:r>
+              <a:rPr lang="fr-FR" dirty="0"/>
+              <a:t>On voit que les indices de Gini ont une valeur proche de 0.4, ce qui indique que les inégalités de salaire, revenus et niveaux sont à peu près égales entre elles</a:t>
+            </a:r>
           </a:p>
         </p:txBody>
       </p:sp>
@@ -6365,6 +6406,174 @@
                 </a:solidFill>
               </a:rPr>
               <a:t>10</a:t>
+            </a:fld>
+            <a:endParaRPr lang="fr-FR" b="1" dirty="0">
+              <a:solidFill>
+                <a:schemeClr val="bg1"/>
+              </a:solidFill>
+            </a:endParaRPr>
+          </a:p>
+        </p:txBody>
+      </p:sp>
+      <p:sp>
+        <p:nvSpPr>
+          <p:cNvPr id="6" name="Titre 1">
+            <a:extLst>
+              <a:ext uri="{FF2B5EF4-FFF2-40B4-BE49-F238E27FC236}">
+                <a16:creationId xmlns:a16="http://schemas.microsoft.com/office/drawing/2014/main" id="{A7BB5B11-B546-195C-0606-F31C0FB11E31}"/>
+              </a:ext>
+            </a:extLst>
+          </p:cNvPr>
+          <p:cNvSpPr>
+            <a:spLocks noGrp="1"/>
+          </p:cNvSpPr>
+          <p:nvPr>
+            <p:ph type="title"/>
+          </p:nvPr>
+        </p:nvSpPr>
+        <p:spPr>
+          <a:xfrm>
+            <a:off x="672491" y="9236"/>
+            <a:ext cx="9404723" cy="803399"/>
+          </a:xfrm>
+        </p:spPr>
+        <p:txBody>
+          <a:bodyPr/>
+          <a:lstStyle/>
+          <a:p>
+            <a:pPr algn="ctr"/>
+            <a:r>
+              <a:rPr lang="fr-FR" dirty="0"/>
+              <a:t>Notes (1)</a:t>
+            </a:r>
+          </a:p>
+        </p:txBody>
+      </p:sp>
+    </p:spTree>
+    <p:extLst>
+      <p:ext uri="{BB962C8B-B14F-4D97-AF65-F5344CB8AC3E}">
+        <p14:creationId xmlns:p14="http://schemas.microsoft.com/office/powerpoint/2010/main" val="2811765407"/>
+      </p:ext>
+    </p:extLst>
+  </p:cSld>
+  <p:clrMapOvr>
+    <a:masterClrMapping/>
+  </p:clrMapOvr>
+</p:sld>
+</file>
+
+<file path=ppt/slides/slide11.xml><?xml version="1.0" encoding="utf-8"?>
+<p:sld xmlns:a="http://schemas.openxmlformats.org/drawingml/2006/main" xmlns:r="http://schemas.openxmlformats.org/officeDocument/2006/relationships" xmlns:p="http://schemas.openxmlformats.org/presentationml/2006/main">
+  <p:cSld>
+    <p:spTree>
+      <p:nvGrpSpPr>
+        <p:cNvPr id="1" name=""/>
+        <p:cNvGrpSpPr/>
+        <p:nvPr/>
+      </p:nvGrpSpPr>
+      <p:grpSpPr>
+        <a:xfrm>
+          <a:off x="0" y="0"/>
+          <a:ext cx="0" cy="0"/>
+          <a:chOff x="0" y="0"/>
+          <a:chExt cx="0" cy="0"/>
+        </a:xfrm>
+      </p:grpSpPr>
+      <p:sp>
+        <p:nvSpPr>
+          <p:cNvPr id="3" name="Espace réservé du contenu 2">
+            <a:extLst>
+              <a:ext uri="{FF2B5EF4-FFF2-40B4-BE49-F238E27FC236}">
+                <a16:creationId xmlns:a16="http://schemas.microsoft.com/office/drawing/2014/main" id="{C9E42898-04D7-FC29-3D9F-AFE4D93C58F3}"/>
+              </a:ext>
+            </a:extLst>
+          </p:cNvPr>
+          <p:cNvSpPr>
+            <a:spLocks noGrp="1"/>
+          </p:cNvSpPr>
+          <p:nvPr>
+            <p:ph idx="1"/>
+          </p:nvPr>
+        </p:nvSpPr>
+        <p:spPr>
+          <a:xfrm>
+            <a:off x="200890" y="1302327"/>
+            <a:ext cx="11790219" cy="2854037"/>
+          </a:xfrm>
+        </p:spPr>
+        <p:txBody>
+          <a:bodyPr>
+            <a:normAutofit/>
+          </a:bodyPr>
+          <a:lstStyle/>
+          <a:p>
+            <a:r>
+              <a:rPr lang="fr-FR" sz="1800" dirty="0"/>
+              <a:t>Partie B :</a:t>
+            </a:r>
+          </a:p>
+          <a:p>
+            <a:pPr lvl="1"/>
+            <a:r>
+              <a:rPr lang="fr-FR" dirty="0"/>
+              <a:t>Un arbre de décision est un schéma représentant les résultats possibles d'une série de choix interconnectés et les probabilités associées à chaque résultat</a:t>
+            </a:r>
+          </a:p>
+          <a:p>
+            <a:pPr lvl="1"/>
+            <a:r>
+              <a:rPr lang="fr-FR" dirty="0"/>
+              <a:t>Les paramètres à varier pour améliorer la précision de l'arbre de décision sont le nombre de nœuds, la profondeur de l'arbre, le nombre de variables à prendre en compte pour la construction de l'arbre</a:t>
+            </a:r>
+          </a:p>
+          <a:p>
+            <a:pPr lvl="1"/>
+            <a:r>
+              <a:rPr lang="fr-FR" dirty="0"/>
+              <a:t>Une forêt aléatoire est un ensemble d'arbres de décision. Chaque arbre est construit à partir d'un échantillon aléatoire de données</a:t>
+            </a:r>
+          </a:p>
+          <a:p>
+            <a:pPr marL="457200" lvl="1" indent="0">
+              <a:buNone/>
+            </a:pPr>
+            <a:endParaRPr lang="fr-FR" sz="1200" dirty="0"/>
+          </a:p>
+        </p:txBody>
+      </p:sp>
+      <p:sp>
+        <p:nvSpPr>
+          <p:cNvPr id="5" name="Espace réservé du numéro de diapositive 3">
+            <a:extLst>
+              <a:ext uri="{FF2B5EF4-FFF2-40B4-BE49-F238E27FC236}">
+                <a16:creationId xmlns:a16="http://schemas.microsoft.com/office/drawing/2014/main" id="{B505BADD-B193-9E2C-80D0-F4B4EE2E89E7}"/>
+              </a:ext>
+            </a:extLst>
+          </p:cNvPr>
+          <p:cNvSpPr>
+            <a:spLocks noGrp="1"/>
+          </p:cNvSpPr>
+          <p:nvPr>
+            <p:ph type="sldNum" sz="quarter" idx="12"/>
+          </p:nvPr>
+        </p:nvSpPr>
+        <p:spPr>
+          <a:xfrm>
+            <a:off x="10352540" y="295729"/>
+            <a:ext cx="838199" cy="767687"/>
+          </a:xfrm>
+        </p:spPr>
+        <p:txBody>
+          <a:bodyPr/>
+          <a:lstStyle/>
+          <a:p>
+            <a:fld id="{756A6F2F-FAD6-4D10-A9E2-51EFC692D845}" type="slidenum">
+              <a:rPr lang="fr-FR" b="1" smtClean="0">
+                <a:solidFill>
+                  <a:schemeClr val="bg1"/>
+                </a:solidFill>
+              </a:rPr>
+              <a:t>11</a:t>
             </a:fld>
             <a:endParaRPr lang="fr-FR" b="1" dirty="0">
               <a:solidFill>
@@ -8021,114 +8230,48 @@
           <a:chExt cx="0" cy="0"/>
         </a:xfrm>
       </p:grpSpPr>
-      <p:sp>
-        <p:nvSpPr>
-          <p:cNvPr id="3" name="Espace réservé du contenu 2">
+      <p:pic>
+        <p:nvPicPr>
+          <p:cNvPr id="5" name="Image 4">
             <a:extLst>
               <a:ext uri="{FF2B5EF4-FFF2-40B4-BE49-F238E27FC236}">
-                <a16:creationId xmlns:a16="http://schemas.microsoft.com/office/drawing/2014/main" id="{C9E42898-04D7-FC29-3D9F-AFE4D93C58F3}"/>
+                <a16:creationId xmlns:a16="http://schemas.microsoft.com/office/drawing/2014/main" id="{C6F7D553-E82F-3045-F030-3E5D1A585E0F}"/>
               </a:ext>
             </a:extLst>
           </p:cNvPr>
-          <p:cNvSpPr>
-            <a:spLocks noGrp="1"/>
-          </p:cNvSpPr>
-          <p:nvPr>
-            <p:ph idx="1"/>
-          </p:nvPr>
-        </p:nvSpPr>
-        <p:spPr>
-          <a:xfrm>
-            <a:off x="124690" y="1154546"/>
-            <a:ext cx="11799455" cy="5310909"/>
-          </a:xfrm>
-        </p:spPr>
-        <p:txBody>
-          <a:bodyPr>
-            <a:normAutofit/>
-          </a:bodyPr>
-          <a:lstStyle/>
-          <a:p>
-            <a:r>
-              <a:rPr lang="fr-FR" sz="1800" dirty="0"/>
-              <a:t>Q5 :</a:t>
-            </a:r>
-          </a:p>
-          <a:p>
-            <a:pPr lvl="1"/>
-            <a:r>
-              <a:rPr lang="fr-FR" dirty="0"/>
-              <a:t>Colonne MARRIAGE possède des données où la valeur est 0, =&gt; donnée non reconnu</a:t>
-            </a:r>
-          </a:p>
-          <a:p>
-            <a:pPr lvl="1"/>
-            <a:r>
-              <a:rPr lang="fr-FR" dirty="0"/>
-              <a:t>Colonne EDUCATION possède des données où la valeur est 0, 5, 6 =&gt; donnée non reconnu</a:t>
-            </a:r>
-          </a:p>
-          <a:p>
-            <a:r>
-              <a:rPr lang="fr-FR" sz="1800" dirty="0"/>
-              <a:t>Q7 :</a:t>
-            </a:r>
-          </a:p>
-          <a:p>
-            <a:pPr lvl="1"/>
-            <a:r>
-              <a:rPr lang="fr-FR" dirty="0"/>
-              <a:t>Les variables BILL_AMT1 jusqu’à BILL_AMT6 sont fortement corrélées entre elles</a:t>
-            </a:r>
-          </a:p>
-          <a:p>
-            <a:pPr lvl="1"/>
-            <a:r>
-              <a:rPr lang="fr-FR" dirty="0"/>
-              <a:t>Les variables PAY_1, jusqu’à PAY_6 sont fortement corrélées entre elles</a:t>
-            </a:r>
-          </a:p>
-          <a:p>
-            <a:r>
-              <a:rPr lang="fr-FR" sz="1800" dirty="0"/>
-              <a:t>Q11 :</a:t>
-            </a:r>
-          </a:p>
-          <a:p>
-            <a:pPr lvl="1"/>
-            <a:r>
-              <a:rPr lang="fr-FR" dirty="0"/>
-              <a:t>Quand on sépare les données en Train et Test, on peut travailler sur les données de Train et ensuite on teste ces données sur Test afin de juger la précision de notre modèle</a:t>
-            </a:r>
-          </a:p>
-          <a:p>
-            <a:r>
-              <a:rPr lang="fr-FR" sz="1800" dirty="0"/>
-              <a:t>Q13 :</a:t>
-            </a:r>
-          </a:p>
-          <a:p>
-            <a:pPr lvl="1"/>
-            <a:r>
-              <a:rPr lang="fr-FR" dirty="0"/>
-              <a:t>L'indice de Gini permet de mesurer la qualité d'un modèle de classification où tous les salaires, revenus sont supérieurs à 0</a:t>
-            </a:r>
-          </a:p>
-          <a:p>
-            <a:pPr lvl="1"/>
-            <a:r>
-              <a:rPr lang="fr-FR" dirty="0"/>
-              <a:t>On voit que les indices de Gini ont une valeur proche de 0.4, ce qui indique que les inégalités de salaire, revenus et niveaux sont à peu près égales entre elles</a:t>
-            </a:r>
-          </a:p>
-        </p:txBody>
-      </p:sp>
-      <p:sp>
-        <p:nvSpPr>
-          <p:cNvPr id="5" name="Espace réservé du numéro de diapositive 3">
+          <p:cNvPicPr>
+            <a:picLocks noChangeAspect="1"/>
+          </p:cNvPicPr>
+          <p:nvPr/>
+        </p:nvPicPr>
+        <p:blipFill>
+          <a:blip r:embed="rId2">
+            <a:extLst>
+              <a:ext uri="{28A0092B-C50C-407E-A947-70E740481C1C}">
+                <a14:useLocalDpi xmlns:a14="http://schemas.microsoft.com/office/drawing/2010/main" val="0"/>
+              </a:ext>
+            </a:extLst>
+          </a:blip>
+          <a:stretch>
+            <a:fillRect/>
+          </a:stretch>
+        </p:blipFill>
+        <p:spPr>
+          <a:xfrm>
+            <a:off x="2665091" y="431567"/>
+            <a:ext cx="6291503" cy="3713018"/>
+          </a:xfrm>
+          <a:prstGeom prst="rect">
+            <a:avLst/>
+          </a:prstGeom>
+        </p:spPr>
+      </p:pic>
+      <p:sp>
+        <p:nvSpPr>
+          <p:cNvPr id="6" name="Espace réservé du numéro de diapositive 3">
             <a:extLst>
               <a:ext uri="{FF2B5EF4-FFF2-40B4-BE49-F238E27FC236}">
-                <a16:creationId xmlns:a16="http://schemas.microsoft.com/office/drawing/2014/main" id="{B505BADD-B193-9E2C-80D0-F4B4EE2E89E7}"/>
+                <a16:creationId xmlns:a16="http://schemas.microsoft.com/office/drawing/2014/main" id="{73973701-B3FA-3DD8-62D1-4DD704B465F8}"/>
               </a:ext>
             </a:extLst>
           </p:cNvPr>
@@ -8165,36 +8308,74 @@
           </a:p>
         </p:txBody>
       </p:sp>
-      <p:sp>
-        <p:nvSpPr>
-          <p:cNvPr id="6" name="Titre 1">
+      <p:pic>
+        <p:nvPicPr>
+          <p:cNvPr id="8" name="Image 7">
             <a:extLst>
               <a:ext uri="{FF2B5EF4-FFF2-40B4-BE49-F238E27FC236}">
-                <a16:creationId xmlns:a16="http://schemas.microsoft.com/office/drawing/2014/main" id="{A7BB5B11-B546-195C-0606-F31C0FB11E31}"/>
+                <a16:creationId xmlns:a16="http://schemas.microsoft.com/office/drawing/2014/main" id="{F870838F-598C-E8A0-2CE3-DC0C60734BC7}"/>
               </a:ext>
             </a:extLst>
           </p:cNvPr>
-          <p:cNvSpPr>
-            <a:spLocks noGrp="1"/>
-          </p:cNvSpPr>
-          <p:nvPr>
-            <p:ph type="title"/>
-          </p:nvPr>
-        </p:nvSpPr>
-        <p:spPr>
-          <a:xfrm>
-            <a:off x="672491" y="9236"/>
-            <a:ext cx="9404723" cy="803399"/>
-          </a:xfrm>
-        </p:spPr>
-        <p:txBody>
-          <a:bodyPr/>
+          <p:cNvPicPr>
+            <a:picLocks noChangeAspect="1"/>
+          </p:cNvPicPr>
+          <p:nvPr/>
+        </p:nvPicPr>
+        <p:blipFill>
+          <a:blip r:embed="rId3">
+            <a:extLst>
+              <a:ext uri="{28A0092B-C50C-407E-A947-70E740481C1C}">
+                <a14:useLocalDpi xmlns:a14="http://schemas.microsoft.com/office/drawing/2010/main" val="0"/>
+              </a:ext>
+            </a:extLst>
+          </a:blip>
+          <a:stretch>
+            <a:fillRect/>
+          </a:stretch>
+        </p:blipFill>
+        <p:spPr>
+          <a:xfrm>
+            <a:off x="3611417" y="4283183"/>
+            <a:ext cx="4073235" cy="2403876"/>
+          </a:xfrm>
+          <a:prstGeom prst="rect">
+            <a:avLst/>
+          </a:prstGeom>
+        </p:spPr>
+      </p:pic>
+      <p:sp>
+        <p:nvSpPr>
+          <p:cNvPr id="9" name="ZoneTexte 8">
+            <a:extLst>
+              <a:ext uri="{FF2B5EF4-FFF2-40B4-BE49-F238E27FC236}">
+                <a16:creationId xmlns:a16="http://schemas.microsoft.com/office/drawing/2014/main" id="{CBFB21BA-7D7E-6120-3627-58B19FA0E8D6}"/>
+              </a:ext>
+            </a:extLst>
+          </p:cNvPr>
+          <p:cNvSpPr txBox="1"/>
+          <p:nvPr/>
+        </p:nvSpPr>
+        <p:spPr>
+          <a:xfrm>
+            <a:off x="1001261" y="31457"/>
+            <a:ext cx="10095346" cy="400110"/>
+          </a:xfrm>
+          <a:prstGeom prst="rect">
+            <a:avLst/>
+          </a:prstGeom>
+          <a:noFill/>
+        </p:spPr>
+        <p:txBody>
+          <a:bodyPr wrap="square" rtlCol="0">
+            <a:spAutoFit/>
+          </a:bodyPr>
           <a:lstStyle/>
           <a:p>
             <a:pPr algn="ctr"/>
             <a:r>
-              <a:rPr lang="fr-FR" dirty="0"/>
-              <a:t>Notes (1)</a:t>
+              <a:rPr lang="fr-FR" sz="2000" dirty="0"/>
+              <a:t>Schéma pour montrer la corrélation entre l'Age et le Prêt</a:t>
             </a:r>
           </a:p>
         </p:txBody>
@@ -8202,7 +8383,7 @@
     </p:spTree>
     <p:extLst>
       <p:ext uri="{BB962C8B-B14F-4D97-AF65-F5344CB8AC3E}">
-        <p14:creationId xmlns:p14="http://schemas.microsoft.com/office/powerpoint/2010/main" val="2811765407"/>
+        <p14:creationId xmlns:p14="http://schemas.microsoft.com/office/powerpoint/2010/main" val="3881675557"/>
       </p:ext>
     </p:extLst>
   </p:cSld>
